--- a/Restaurant Automation - Final Presentation.pptx
+++ b/Restaurant Automation - Final Presentation.pptx
@@ -1,38 +1,41 @@
 
 <file path=ppt/presentation.xml><?xml version="1.0" encoding="utf-8"?>
-<p:presentation xmlns:a="http://schemas.openxmlformats.org/drawingml/2006/main" xmlns:r="http://schemas.openxmlformats.org/officeDocument/2006/relationships" xmlns:p="http://schemas.openxmlformats.org/presentationml/2006/main" strictFirstAndLastChars="0" embedTrueTypeFonts="1" saveSubsetFonts="1" autoCompressPictures="0">
+<p:presentation xmlns:a="http://schemas.openxmlformats.org/drawingml/2006/main" xmlns:r="http://schemas.openxmlformats.org/officeDocument/2006/relationships" xmlns:mc="http://schemas.openxmlformats.org/markup-compatibility/2006" xmlns:mv="urn:schemas-microsoft-com:mac:vml" xmlns:p="http://schemas.openxmlformats.org/presentationml/2006/main" xmlns:c="http://schemas.openxmlformats.org/drawingml/2006/chart" xmlns:dgm="http://schemas.openxmlformats.org/drawingml/2006/diagram" xmlns:o="urn:schemas-microsoft-com:office:office" xmlns:v="urn:schemas-microsoft-com:vml" xmlns:pvml="urn:schemas-microsoft-com:office:powerpoint" xmlns:com="http://schemas.openxmlformats.org/drawingml/2006/compatibility" xmlns:p14="http://schemas.microsoft.com/office/powerpoint/2010/main" xmlns:p15="http://schemas.microsoft.com/office/powerpoint/2012/main" xmlns:ahyp="http://schemas.microsoft.com/office/drawing/2018/hyperlinkcolor" autoCompressPictures="0" embedTrueTypeFonts="1" strictFirstAndLastChars="0" saveSubsetFonts="1">
   <p:sldMasterIdLst>
-    <p:sldMasterId id="2147483659" r:id="rId1"/>
+    <p:sldMasterId id="2147483659" r:id="rId4"/>
   </p:sldMasterIdLst>
   <p:notesMasterIdLst>
-    <p:notesMasterId r:id="rId9"/>
+    <p:notesMasterId r:id="rId5"/>
   </p:notesMasterIdLst>
   <p:sldIdLst>
-    <p:sldId id="256" r:id="rId2"/>
-    <p:sldId id="257" r:id="rId3"/>
-    <p:sldId id="258" r:id="rId4"/>
-    <p:sldId id="259" r:id="rId5"/>
-    <p:sldId id="260" r:id="rId6"/>
-    <p:sldId id="261" r:id="rId7"/>
-    <p:sldId id="262" r:id="rId8"/>
+    <p:sldId id="256" r:id="rId6"/>
+    <p:sldId id="257" r:id="rId7"/>
+    <p:sldId id="258" r:id="rId8"/>
+    <p:sldId id="259" r:id="rId9"/>
+    <p:sldId id="260" r:id="rId10"/>
+    <p:sldId id="261" r:id="rId11"/>
+    <p:sldId id="262" r:id="rId12"/>
+    <p:sldId id="263" r:id="rId13"/>
+    <p:sldId id="264" r:id="rId14"/>
+    <p:sldId id="265" r:id="rId15"/>
   </p:sldIdLst>
-  <p:sldSz cx="9144000" cy="5143500" type="screen16x9"/>
+  <p:sldSz cy="5143500" cx="9144000"/>
   <p:notesSz cx="6858000" cy="9144000"/>
   <p:embeddedFontLst>
     <p:embeddedFont>
-      <p:font typeface="Alfa Slab One" pitchFamily="2" charset="77"/>
-      <p:regular r:id="rId10"/>
+      <p:font typeface="Proxima Nova"/>
+      <p:regular r:id="rId16"/>
+      <p:bold r:id="rId17"/>
+      <p:italic r:id="rId18"/>
+      <p:boldItalic r:id="rId19"/>
     </p:embeddedFont>
     <p:embeddedFont>
-      <p:font typeface="Proxima Nova" panose="02000506030000020004" pitchFamily="2" charset="0"/>
-      <p:regular r:id="rId11"/>
-      <p:bold r:id="rId12"/>
-      <p:italic r:id="rId13"/>
-      <p:boldItalic r:id="rId14"/>
+      <p:font typeface="Alfa Slab One"/>
+      <p:regular r:id="rId20"/>
     </p:embeddedFont>
   </p:embeddedFontLst>
   <p:defaultTextStyle>
-    <a:defPPr marR="0" lvl="0" algn="l" rtl="0">
+    <a:defPPr lvl="0" marR="0" rtl="0" algn="l">
       <a:lnSpc>
         <a:spcPct val="100000"/>
       </a:lnSpc>
@@ -43,7 +46,7 @@
         <a:spcPts val="0"/>
       </a:spcAft>
     </a:defPPr>
-    <a:lvl1pPr marR="0" lvl="0" algn="l" rtl="0">
+    <a:lvl1pPr lvl="0" marR="0" rtl="0" algn="l">
       <a:lnSpc>
         <a:spcPct val="100000"/>
       </a:lnSpc>
@@ -57,7 +60,7 @@
         <a:srgbClr val="000000"/>
       </a:buClr>
       <a:buFont typeface="Arial"/>
-      <a:defRPr sz="1400" b="0" i="0" u="none" strike="noStrike" cap="none">
+      <a:defRPr b="0" i="0" sz="1400" u="none" cap="none" strike="noStrike">
         <a:solidFill>
           <a:srgbClr val="000000"/>
         </a:solidFill>
@@ -67,7 +70,7 @@
         <a:sym typeface="Arial"/>
       </a:defRPr>
     </a:lvl1pPr>
-    <a:lvl2pPr marR="0" lvl="1" algn="l" rtl="0">
+    <a:lvl2pPr lvl="1" marR="0" rtl="0" algn="l">
       <a:lnSpc>
         <a:spcPct val="100000"/>
       </a:lnSpc>
@@ -81,7 +84,7 @@
         <a:srgbClr val="000000"/>
       </a:buClr>
       <a:buFont typeface="Arial"/>
-      <a:defRPr sz="1400" b="0" i="0" u="none" strike="noStrike" cap="none">
+      <a:defRPr b="0" i="0" sz="1400" u="none" cap="none" strike="noStrike">
         <a:solidFill>
           <a:srgbClr val="000000"/>
         </a:solidFill>
@@ -91,7 +94,7 @@
         <a:sym typeface="Arial"/>
       </a:defRPr>
     </a:lvl2pPr>
-    <a:lvl3pPr marR="0" lvl="2" algn="l" rtl="0">
+    <a:lvl3pPr lvl="2" marR="0" rtl="0" algn="l">
       <a:lnSpc>
         <a:spcPct val="100000"/>
       </a:lnSpc>
@@ -105,7 +108,7 @@
         <a:srgbClr val="000000"/>
       </a:buClr>
       <a:buFont typeface="Arial"/>
-      <a:defRPr sz="1400" b="0" i="0" u="none" strike="noStrike" cap="none">
+      <a:defRPr b="0" i="0" sz="1400" u="none" cap="none" strike="noStrike">
         <a:solidFill>
           <a:srgbClr val="000000"/>
         </a:solidFill>
@@ -115,7 +118,7 @@
         <a:sym typeface="Arial"/>
       </a:defRPr>
     </a:lvl3pPr>
-    <a:lvl4pPr marR="0" lvl="3" algn="l" rtl="0">
+    <a:lvl4pPr lvl="3" marR="0" rtl="0" algn="l">
       <a:lnSpc>
         <a:spcPct val="100000"/>
       </a:lnSpc>
@@ -129,7 +132,7 @@
         <a:srgbClr val="000000"/>
       </a:buClr>
       <a:buFont typeface="Arial"/>
-      <a:defRPr sz="1400" b="0" i="0" u="none" strike="noStrike" cap="none">
+      <a:defRPr b="0" i="0" sz="1400" u="none" cap="none" strike="noStrike">
         <a:solidFill>
           <a:srgbClr val="000000"/>
         </a:solidFill>
@@ -139,7 +142,7 @@
         <a:sym typeface="Arial"/>
       </a:defRPr>
     </a:lvl4pPr>
-    <a:lvl5pPr marR="0" lvl="4" algn="l" rtl="0">
+    <a:lvl5pPr lvl="4" marR="0" rtl="0" algn="l">
       <a:lnSpc>
         <a:spcPct val="100000"/>
       </a:lnSpc>
@@ -153,7 +156,7 @@
         <a:srgbClr val="000000"/>
       </a:buClr>
       <a:buFont typeface="Arial"/>
-      <a:defRPr sz="1400" b="0" i="0" u="none" strike="noStrike" cap="none">
+      <a:defRPr b="0" i="0" sz="1400" u="none" cap="none" strike="noStrike">
         <a:solidFill>
           <a:srgbClr val="000000"/>
         </a:solidFill>
@@ -163,7 +166,7 @@
         <a:sym typeface="Arial"/>
       </a:defRPr>
     </a:lvl5pPr>
-    <a:lvl6pPr marR="0" lvl="5" algn="l" rtl="0">
+    <a:lvl6pPr lvl="5" marR="0" rtl="0" algn="l">
       <a:lnSpc>
         <a:spcPct val="100000"/>
       </a:lnSpc>
@@ -177,7 +180,7 @@
         <a:srgbClr val="000000"/>
       </a:buClr>
       <a:buFont typeface="Arial"/>
-      <a:defRPr sz="1400" b="0" i="0" u="none" strike="noStrike" cap="none">
+      <a:defRPr b="0" i="0" sz="1400" u="none" cap="none" strike="noStrike">
         <a:solidFill>
           <a:srgbClr val="000000"/>
         </a:solidFill>
@@ -187,7 +190,7 @@
         <a:sym typeface="Arial"/>
       </a:defRPr>
     </a:lvl6pPr>
-    <a:lvl7pPr marR="0" lvl="6" algn="l" rtl="0">
+    <a:lvl7pPr lvl="6" marR="0" rtl="0" algn="l">
       <a:lnSpc>
         <a:spcPct val="100000"/>
       </a:lnSpc>
@@ -201,7 +204,7 @@
         <a:srgbClr val="000000"/>
       </a:buClr>
       <a:buFont typeface="Arial"/>
-      <a:defRPr sz="1400" b="0" i="0" u="none" strike="noStrike" cap="none">
+      <a:defRPr b="0" i="0" sz="1400" u="none" cap="none" strike="noStrike">
         <a:solidFill>
           <a:srgbClr val="000000"/>
         </a:solidFill>
@@ -211,7 +214,7 @@
         <a:sym typeface="Arial"/>
       </a:defRPr>
     </a:lvl7pPr>
-    <a:lvl8pPr marR="0" lvl="7" algn="l" rtl="0">
+    <a:lvl8pPr lvl="7" marR="0" rtl="0" algn="l">
       <a:lnSpc>
         <a:spcPct val="100000"/>
       </a:lnSpc>
@@ -225,7 +228,7 @@
         <a:srgbClr val="000000"/>
       </a:buClr>
       <a:buFont typeface="Arial"/>
-      <a:defRPr sz="1400" b="0" i="0" u="none" strike="noStrike" cap="none">
+      <a:defRPr b="0" i="0" sz="1400" u="none" cap="none" strike="noStrike">
         <a:solidFill>
           <a:srgbClr val="000000"/>
         </a:solidFill>
@@ -235,7 +238,7 @@
         <a:sym typeface="Arial"/>
       </a:defRPr>
     </a:lvl8pPr>
-    <a:lvl9pPr marR="0" lvl="8" algn="l" rtl="0">
+    <a:lvl9pPr lvl="8" marR="0" rtl="0" algn="l">
       <a:lnSpc>
         <a:spcPct val="100000"/>
       </a:lnSpc>
@@ -249,7 +252,7 @@
         <a:srgbClr val="000000"/>
       </a:buClr>
       <a:buFont typeface="Arial"/>
-      <a:defRPr sz="1400" b="0" i="0" u="none" strike="noStrike" cap="none">
+      <a:defRPr b="0" i="0" sz="1400" u="none" cap="none" strike="noStrike">
         <a:solidFill>
           <a:srgbClr val="000000"/>
         </a:solidFill>
@@ -262,7 +265,7 @@
   </p:defaultTextStyle>
   <p:extLst>
     <p:ext uri="{EFAFB233-063F-42B5-8137-9DF3F51BA10A}">
-      <p15:sldGuideLst xmlns:p15="http://schemas.microsoft.com/office/powerpoint/2012/main">
+      <p15:sldGuideLst>
         <p15:guide id="1" orient="horz" pos="1620">
           <p15:clr>
             <a:srgbClr val="A4A3A4"/>
@@ -280,16 +283,11 @@
 </file>
 
 <file path=ppt/notesMasters/notesMaster1.xml><?xml version="1.0" encoding="utf-8"?>
-<p:notesMaster xmlns:a="http://schemas.openxmlformats.org/drawingml/2006/main" xmlns:r="http://schemas.openxmlformats.org/officeDocument/2006/relationships" xmlns:p="http://schemas.openxmlformats.org/presentationml/2006/main">
+<p:notesMaster xmlns:a="http://schemas.openxmlformats.org/drawingml/2006/main" xmlns:r="http://schemas.openxmlformats.org/officeDocument/2006/relationships" xmlns:mc="http://schemas.openxmlformats.org/markup-compatibility/2006" xmlns:mv="urn:schemas-microsoft-com:mac:vml" xmlns:p="http://schemas.openxmlformats.org/presentationml/2006/main" xmlns:c="http://schemas.openxmlformats.org/drawingml/2006/chart" xmlns:dgm="http://schemas.openxmlformats.org/drawingml/2006/diagram" xmlns:o="urn:schemas-microsoft-com:office:office" xmlns:v="urn:schemas-microsoft-com:vml" xmlns:pvml="urn:schemas-microsoft-com:office:powerpoint" xmlns:com="http://schemas.openxmlformats.org/drawingml/2006/compatibility" xmlns:p14="http://schemas.microsoft.com/office/powerpoint/2010/main" xmlns:p15="http://schemas.microsoft.com/office/powerpoint/2012/main" xmlns:ahyp="http://schemas.microsoft.com/office/drawing/2018/hyperlinkcolor">
   <p:cSld>
-    <p:bg>
-      <p:bgRef idx="1001">
-        <a:schemeClr val="bg1"/>
-      </p:bgRef>
-    </p:bg>
     <p:spTree>
       <p:nvGrpSpPr>
-        <p:cNvPr id="1" name="Shape 2"/>
+        <p:cNvPr id="2" name="Shape 2"/>
         <p:cNvGrpSpPr/>
         <p:nvPr/>
       </p:nvGrpSpPr>
@@ -304,11 +302,9 @@
       <p:sp>
         <p:nvSpPr>
           <p:cNvPr id="3" name="Google Shape;3;n"/>
-          <p:cNvSpPr>
-            <a:spLocks noGrp="1" noRot="1" noChangeAspect="1"/>
-          </p:cNvSpPr>
+          <p:cNvSpPr/>
           <p:nvPr>
-            <p:ph type="sldImg" idx="2"/>
+            <p:ph idx="2" type="sldImg"/>
           </p:nvPr>
         </p:nvSpPr>
         <p:spPr>
@@ -317,13 +313,9 @@
             <a:ext cx="6096075" cy="3429000"/>
           </a:xfrm>
           <a:custGeom>
-            <a:avLst/>
-            <a:gdLst/>
-            <a:ahLst/>
-            <a:cxnLst/>
-            <a:rect l="l" t="t" r="r" b="b"/>
+            <a:rect b="b" l="l" r="r" t="t"/>
             <a:pathLst>
-              <a:path w="120000" h="120000" extrusionOk="0">
+              <a:path extrusionOk="0" h="120000" w="120000">
                 <a:moveTo>
                   <a:pt x="0" y="0"/>
                 </a:moveTo>
@@ -341,25 +333,23 @@
             </a:pathLst>
           </a:custGeom>
           <a:noFill/>
-          <a:ln w="9525" cap="flat" cmpd="sng">
+          <a:ln cap="flat" cmpd="sng" w="9525">
             <a:solidFill>
               <a:srgbClr val="000000"/>
             </a:solidFill>
             <a:prstDash val="solid"/>
             <a:round/>
-            <a:headEnd type="none" w="sm" len="sm"/>
-            <a:tailEnd type="none" w="sm" len="sm"/>
+            <a:headEnd len="sm" w="sm" type="none"/>
+            <a:tailEnd len="sm" w="sm" type="none"/>
           </a:ln>
         </p:spPr>
       </p:sp>
       <p:sp>
         <p:nvSpPr>
           <p:cNvPr id="4" name="Google Shape;4;n"/>
-          <p:cNvSpPr txBox="1">
-            <a:spLocks noGrp="1"/>
-          </p:cNvSpPr>
+          <p:cNvSpPr txBox="1"/>
           <p:nvPr>
-            <p:ph type="body" idx="1"/>
+            <p:ph idx="1" type="body"/>
           </p:nvPr>
         </p:nvSpPr>
         <p:spPr>
@@ -376,11 +366,11 @@
           </a:ln>
         </p:spPr>
         <p:txBody>
-          <a:bodyPr spcFirstLastPara="1" wrap="square" lIns="91425" tIns="91425" rIns="91425" bIns="91425" anchor="t" anchorCtr="0">
+          <a:bodyPr anchorCtr="0" anchor="t" bIns="91425" lIns="91425" spcFirstLastPara="1" rIns="91425" wrap="square" tIns="91425">
             <a:noAutofit/>
           </a:bodyPr>
           <a:lstStyle>
-            <a:lvl1pPr marL="457200" lvl="0" indent="-298450">
+            <a:lvl1pPr indent="-298450" lvl="0" marL="457200">
               <a:spcBef>
                 <a:spcPts val="0"/>
               </a:spcBef>
@@ -391,7 +381,7 @@
               <a:buChar char="●"/>
               <a:defRPr sz="1100"/>
             </a:lvl1pPr>
-            <a:lvl2pPr marL="914400" lvl="1" indent="-298450">
+            <a:lvl2pPr indent="-298450" lvl="1" marL="914400">
               <a:spcBef>
                 <a:spcPts val="0"/>
               </a:spcBef>
@@ -402,7 +392,7 @@
               <a:buChar char="○"/>
               <a:defRPr sz="1100"/>
             </a:lvl2pPr>
-            <a:lvl3pPr marL="1371600" lvl="2" indent="-298450">
+            <a:lvl3pPr indent="-298450" lvl="2" marL="1371600">
               <a:spcBef>
                 <a:spcPts val="0"/>
               </a:spcBef>
@@ -413,7 +403,7 @@
               <a:buChar char="■"/>
               <a:defRPr sz="1100"/>
             </a:lvl3pPr>
-            <a:lvl4pPr marL="1828800" lvl="3" indent="-298450">
+            <a:lvl4pPr indent="-298450" lvl="3" marL="1828800">
               <a:spcBef>
                 <a:spcPts val="0"/>
               </a:spcBef>
@@ -424,7 +414,7 @@
               <a:buChar char="●"/>
               <a:defRPr sz="1100"/>
             </a:lvl4pPr>
-            <a:lvl5pPr marL="2286000" lvl="4" indent="-298450">
+            <a:lvl5pPr indent="-298450" lvl="4" marL="2286000">
               <a:spcBef>
                 <a:spcPts val="0"/>
               </a:spcBef>
@@ -435,7 +425,7 @@
               <a:buChar char="○"/>
               <a:defRPr sz="1100"/>
             </a:lvl5pPr>
-            <a:lvl6pPr marL="2743200" lvl="5" indent="-298450">
+            <a:lvl6pPr indent="-298450" lvl="5" marL="2743200">
               <a:spcBef>
                 <a:spcPts val="0"/>
               </a:spcBef>
@@ -446,7 +436,7 @@
               <a:buChar char="■"/>
               <a:defRPr sz="1100"/>
             </a:lvl6pPr>
-            <a:lvl7pPr marL="3200400" lvl="6" indent="-298450">
+            <a:lvl7pPr indent="-298450" lvl="6" marL="3200400">
               <a:spcBef>
                 <a:spcPts val="0"/>
               </a:spcBef>
@@ -457,7 +447,7 @@
               <a:buChar char="●"/>
               <a:defRPr sz="1100"/>
             </a:lvl7pPr>
-            <a:lvl8pPr marL="3657600" lvl="7" indent="-298450">
+            <a:lvl8pPr indent="-298450" lvl="7" marL="3657600">
               <a:spcBef>
                 <a:spcPts val="0"/>
               </a:spcBef>
@@ -468,7 +458,7 @@
               <a:buChar char="○"/>
               <a:defRPr sz="1100"/>
             </a:lvl8pPr>
-            <a:lvl9pPr marL="4114800" lvl="8" indent="-298450">
+            <a:lvl9pPr indent="-298450" lvl="8" marL="4114800">
               <a:spcBef>
                 <a:spcPts val="0"/>
               </a:spcBef>
@@ -480,16 +470,14 @@
               <a:defRPr sz="1100"/>
             </a:lvl9pPr>
           </a:lstStyle>
-          <a:p>
-            <a:endParaRPr/>
-          </a:p>
+          <a:p/>
         </p:txBody>
       </p:sp>
     </p:spTree>
   </p:cSld>
-  <p:clrMap bg1="lt1" tx1="dk1" bg2="dk2" tx2="lt2" accent1="accent1" accent2="accent2" accent3="accent3" accent4="accent4" accent5="accent5" accent6="accent6" hlink="hlink" folHlink="folHlink"/>
+  <p:clrMap accent1="accent1" accent2="accent2" accent3="accent3" accent4="accent4" accent5="accent5" accent6="accent6" bg1="lt1" bg2="dk2" tx1="dk1" tx2="lt2" folHlink="folHlink" hlink="hlink"/>
   <p:notesStyle>
-    <a:defPPr marR="0" lvl="0" algn="l" rtl="0">
+    <a:defPPr lvl="0" marR="0" rtl="0" algn="l">
       <a:lnSpc>
         <a:spcPct val="100000"/>
       </a:lnSpc>
@@ -500,7 +488,7 @@
         <a:spcPts val="0"/>
       </a:spcAft>
     </a:defPPr>
-    <a:lvl1pPr marR="0" lvl="0" algn="l" rtl="0">
+    <a:lvl1pPr lvl="0" marR="0" rtl="0" algn="l">
       <a:lnSpc>
         <a:spcPct val="100000"/>
       </a:lnSpc>
@@ -514,7 +502,7 @@
         <a:srgbClr val="000000"/>
       </a:buClr>
       <a:buFont typeface="Arial"/>
-      <a:defRPr sz="1400" b="0" i="0" u="none" strike="noStrike" cap="none">
+      <a:defRPr b="0" i="0" sz="1400" u="none" cap="none" strike="noStrike">
         <a:solidFill>
           <a:srgbClr val="000000"/>
         </a:solidFill>
@@ -524,7 +512,7 @@
         <a:sym typeface="Arial"/>
       </a:defRPr>
     </a:lvl1pPr>
-    <a:lvl2pPr marR="0" lvl="1" algn="l" rtl="0">
+    <a:lvl2pPr lvl="1" marR="0" rtl="0" algn="l">
       <a:lnSpc>
         <a:spcPct val="100000"/>
       </a:lnSpc>
@@ -538,7 +526,7 @@
         <a:srgbClr val="000000"/>
       </a:buClr>
       <a:buFont typeface="Arial"/>
-      <a:defRPr sz="1400" b="0" i="0" u="none" strike="noStrike" cap="none">
+      <a:defRPr b="0" i="0" sz="1400" u="none" cap="none" strike="noStrike">
         <a:solidFill>
           <a:srgbClr val="000000"/>
         </a:solidFill>
@@ -548,7 +536,7 @@
         <a:sym typeface="Arial"/>
       </a:defRPr>
     </a:lvl2pPr>
-    <a:lvl3pPr marR="0" lvl="2" algn="l" rtl="0">
+    <a:lvl3pPr lvl="2" marR="0" rtl="0" algn="l">
       <a:lnSpc>
         <a:spcPct val="100000"/>
       </a:lnSpc>
@@ -562,7 +550,7 @@
         <a:srgbClr val="000000"/>
       </a:buClr>
       <a:buFont typeface="Arial"/>
-      <a:defRPr sz="1400" b="0" i="0" u="none" strike="noStrike" cap="none">
+      <a:defRPr b="0" i="0" sz="1400" u="none" cap="none" strike="noStrike">
         <a:solidFill>
           <a:srgbClr val="000000"/>
         </a:solidFill>
@@ -572,7 +560,7 @@
         <a:sym typeface="Arial"/>
       </a:defRPr>
     </a:lvl3pPr>
-    <a:lvl4pPr marR="0" lvl="3" algn="l" rtl="0">
+    <a:lvl4pPr lvl="3" marR="0" rtl="0" algn="l">
       <a:lnSpc>
         <a:spcPct val="100000"/>
       </a:lnSpc>
@@ -586,7 +574,7 @@
         <a:srgbClr val="000000"/>
       </a:buClr>
       <a:buFont typeface="Arial"/>
-      <a:defRPr sz="1400" b="0" i="0" u="none" strike="noStrike" cap="none">
+      <a:defRPr b="0" i="0" sz="1400" u="none" cap="none" strike="noStrike">
         <a:solidFill>
           <a:srgbClr val="000000"/>
         </a:solidFill>
@@ -596,7 +584,7 @@
         <a:sym typeface="Arial"/>
       </a:defRPr>
     </a:lvl4pPr>
-    <a:lvl5pPr marR="0" lvl="4" algn="l" rtl="0">
+    <a:lvl5pPr lvl="4" marR="0" rtl="0" algn="l">
       <a:lnSpc>
         <a:spcPct val="100000"/>
       </a:lnSpc>
@@ -610,7 +598,7 @@
         <a:srgbClr val="000000"/>
       </a:buClr>
       <a:buFont typeface="Arial"/>
-      <a:defRPr sz="1400" b="0" i="0" u="none" strike="noStrike" cap="none">
+      <a:defRPr b="0" i="0" sz="1400" u="none" cap="none" strike="noStrike">
         <a:solidFill>
           <a:srgbClr val="000000"/>
         </a:solidFill>
@@ -620,7 +608,7 @@
         <a:sym typeface="Arial"/>
       </a:defRPr>
     </a:lvl5pPr>
-    <a:lvl6pPr marR="0" lvl="5" algn="l" rtl="0">
+    <a:lvl6pPr lvl="5" marR="0" rtl="0" algn="l">
       <a:lnSpc>
         <a:spcPct val="100000"/>
       </a:lnSpc>
@@ -634,7 +622,7 @@
         <a:srgbClr val="000000"/>
       </a:buClr>
       <a:buFont typeface="Arial"/>
-      <a:defRPr sz="1400" b="0" i="0" u="none" strike="noStrike" cap="none">
+      <a:defRPr b="0" i="0" sz="1400" u="none" cap="none" strike="noStrike">
         <a:solidFill>
           <a:srgbClr val="000000"/>
         </a:solidFill>
@@ -644,7 +632,7 @@
         <a:sym typeface="Arial"/>
       </a:defRPr>
     </a:lvl6pPr>
-    <a:lvl7pPr marR="0" lvl="6" algn="l" rtl="0">
+    <a:lvl7pPr lvl="6" marR="0" rtl="0" algn="l">
       <a:lnSpc>
         <a:spcPct val="100000"/>
       </a:lnSpc>
@@ -658,7 +646,7 @@
         <a:srgbClr val="000000"/>
       </a:buClr>
       <a:buFont typeface="Arial"/>
-      <a:defRPr sz="1400" b="0" i="0" u="none" strike="noStrike" cap="none">
+      <a:defRPr b="0" i="0" sz="1400" u="none" cap="none" strike="noStrike">
         <a:solidFill>
           <a:srgbClr val="000000"/>
         </a:solidFill>
@@ -668,7 +656,7 @@
         <a:sym typeface="Arial"/>
       </a:defRPr>
     </a:lvl7pPr>
-    <a:lvl8pPr marR="0" lvl="7" algn="l" rtl="0">
+    <a:lvl8pPr lvl="7" marR="0" rtl="0" algn="l">
       <a:lnSpc>
         <a:spcPct val="100000"/>
       </a:lnSpc>
@@ -682,7 +670,7 @@
         <a:srgbClr val="000000"/>
       </a:buClr>
       <a:buFont typeface="Arial"/>
-      <a:defRPr sz="1400" b="0" i="0" u="none" strike="noStrike" cap="none">
+      <a:defRPr b="0" i="0" sz="1400" u="none" cap="none" strike="noStrike">
         <a:solidFill>
           <a:srgbClr val="000000"/>
         </a:solidFill>
@@ -692,7 +680,7 @@
         <a:sym typeface="Arial"/>
       </a:defRPr>
     </a:lvl8pPr>
-    <a:lvl9pPr marR="0" lvl="8" algn="l" rtl="0">
+    <a:lvl9pPr lvl="8" marR="0" rtl="0" algn="l">
       <a:lnSpc>
         <a:spcPct val="100000"/>
       </a:lnSpc>
@@ -706,7 +694,7 @@
         <a:srgbClr val="000000"/>
       </a:buClr>
       <a:buFont typeface="Arial"/>
-      <a:defRPr sz="1400" b="0" i="0" u="none" strike="noStrike" cap="none">
+      <a:defRPr b="0" i="0" sz="1400" u="none" cap="none" strike="noStrike">
         <a:solidFill>
           <a:srgbClr val="000000"/>
         </a:solidFill>
@@ -721,11 +709,11 @@
 </file>
 
 <file path=ppt/notesSlides/notesSlide1.xml><?xml version="1.0" encoding="utf-8"?>
-<p:notes xmlns:a="http://schemas.openxmlformats.org/drawingml/2006/main" xmlns:r="http://schemas.openxmlformats.org/officeDocument/2006/relationships" xmlns:p="http://schemas.openxmlformats.org/presentationml/2006/main" showMasterSp="0" showMasterPhAnim="0">
+<p:notes xmlns:a="http://schemas.openxmlformats.org/drawingml/2006/main" xmlns:r="http://schemas.openxmlformats.org/officeDocument/2006/relationships" xmlns:mc="http://schemas.openxmlformats.org/markup-compatibility/2006" xmlns:mv="urn:schemas-microsoft-com:mac:vml" xmlns:p="http://schemas.openxmlformats.org/presentationml/2006/main" xmlns:c="http://schemas.openxmlformats.org/drawingml/2006/chart" xmlns:dgm="http://schemas.openxmlformats.org/drawingml/2006/diagram" xmlns:o="urn:schemas-microsoft-com:office:office" xmlns:v="urn:schemas-microsoft-com:vml" xmlns:pvml="urn:schemas-microsoft-com:office:powerpoint" xmlns:com="http://schemas.openxmlformats.org/drawingml/2006/compatibility" xmlns:p14="http://schemas.microsoft.com/office/powerpoint/2010/main" xmlns:p15="http://schemas.microsoft.com/office/powerpoint/2012/main" xmlns:ahyp="http://schemas.microsoft.com/office/drawing/2018/hyperlinkcolor" showMasterPhAnim="0" showMasterSp="0">
   <p:cSld>
     <p:spTree>
       <p:nvGrpSpPr>
-        <p:cNvPr id="1" name="Shape 52"/>
+        <p:cNvPr id="52" name="Shape 52"/>
         <p:cNvGrpSpPr/>
         <p:nvPr/>
       </p:nvGrpSpPr>
@@ -740,11 +728,9 @@
       <p:sp>
         <p:nvSpPr>
           <p:cNvPr id="53" name="Google Shape;53;p:notes"/>
-          <p:cNvSpPr>
-            <a:spLocks noGrp="1" noRot="1" noChangeAspect="1"/>
-          </p:cNvSpPr>
+          <p:cNvSpPr/>
           <p:nvPr>
-            <p:ph type="sldImg" idx="2"/>
+            <p:ph idx="2" type="sldImg"/>
           </p:nvPr>
         </p:nvSpPr>
         <p:spPr>
@@ -753,13 +739,9 @@
             <a:ext cx="6096075" cy="3429000"/>
           </a:xfrm>
           <a:custGeom>
-            <a:avLst/>
-            <a:gdLst/>
-            <a:ahLst/>
-            <a:cxnLst/>
-            <a:rect l="l" t="t" r="r" b="b"/>
+            <a:rect b="b" l="l" r="r" t="t"/>
             <a:pathLst>
-              <a:path w="120000" h="120000" extrusionOk="0">
+              <a:path extrusionOk="0" h="120000" w="120000">
                 <a:moveTo>
                   <a:pt x="0" y="0"/>
                 </a:moveTo>
@@ -781,11 +763,9 @@
       <p:sp>
         <p:nvSpPr>
           <p:cNvPr id="54" name="Google Shape;54;p:notes"/>
-          <p:cNvSpPr txBox="1">
-            <a:spLocks noGrp="1"/>
-          </p:cNvSpPr>
+          <p:cNvSpPr txBox="1"/>
           <p:nvPr>
-            <p:ph type="body" idx="1"/>
+            <p:ph idx="1" type="body"/>
           </p:nvPr>
         </p:nvSpPr>
         <p:spPr>
@@ -798,12 +778,12 @@
           </a:prstGeom>
         </p:spPr>
         <p:txBody>
-          <a:bodyPr spcFirstLastPara="1" wrap="square" lIns="91425" tIns="91425" rIns="91425" bIns="91425" anchor="t" anchorCtr="0">
+          <a:bodyPr anchorCtr="0" anchor="t" bIns="91425" lIns="91425" spcFirstLastPara="1" rIns="91425" wrap="square" tIns="91425">
             <a:noAutofit/>
           </a:bodyPr>
           <a:lstStyle/>
           <a:p>
-            <a:pPr marL="0" lvl="0" indent="0" algn="l" rtl="0">
+            <a:pPr indent="0" lvl="0" marL="0" rtl="0" algn="l">
               <a:spcBef>
                 <a:spcPts val="0"/>
               </a:spcBef>
@@ -812,6 +792,9 @@
               </a:spcAft>
               <a:buNone/>
             </a:pPr>
+            <a:r>
+              <a:t/>
+            </a:r>
             <a:endParaRPr/>
           </a:p>
         </p:txBody>
@@ -824,12 +807,12 @@
 </p:notes>
 </file>
 
-<file path=ppt/notesSlides/notesSlide2.xml><?xml version="1.0" encoding="utf-8"?>
-<p:notes xmlns:a="http://schemas.openxmlformats.org/drawingml/2006/main" xmlns:r="http://schemas.openxmlformats.org/officeDocument/2006/relationships" xmlns:p="http://schemas.openxmlformats.org/presentationml/2006/main" showMasterSp="0" showMasterPhAnim="0">
+<file path=ppt/notesSlides/notesSlide10.xml><?xml version="1.0" encoding="utf-8"?>
+<p:notes xmlns:a="http://schemas.openxmlformats.org/drawingml/2006/main" xmlns:r="http://schemas.openxmlformats.org/officeDocument/2006/relationships" xmlns:mc="http://schemas.openxmlformats.org/markup-compatibility/2006" xmlns:mv="urn:schemas-microsoft-com:mac:vml" xmlns:p="http://schemas.openxmlformats.org/presentationml/2006/main" xmlns:c="http://schemas.openxmlformats.org/drawingml/2006/chart" xmlns:dgm="http://schemas.openxmlformats.org/drawingml/2006/diagram" xmlns:o="urn:schemas-microsoft-com:office:office" xmlns:v="urn:schemas-microsoft-com:vml" xmlns:pvml="urn:schemas-microsoft-com:office:powerpoint" xmlns:com="http://schemas.openxmlformats.org/drawingml/2006/compatibility" xmlns:p14="http://schemas.microsoft.com/office/powerpoint/2010/main" xmlns:p15="http://schemas.microsoft.com/office/powerpoint/2012/main" xmlns:ahyp="http://schemas.microsoft.com/office/drawing/2018/hyperlinkcolor" showMasterPhAnim="0" showMasterSp="0">
   <p:cSld>
     <p:spTree>
       <p:nvGrpSpPr>
-        <p:cNvPr id="1" name="Shape 60"/>
+        <p:cNvPr id="132" name="Shape 132"/>
         <p:cNvGrpSpPr/>
         <p:nvPr/>
       </p:nvGrpSpPr>
@@ -843,12 +826,10 @@
       </p:grpSpPr>
       <p:sp>
         <p:nvSpPr>
-          <p:cNvPr id="61" name="Google Shape;61;g1157803a0ba_1_0:notes"/>
-          <p:cNvSpPr>
-            <a:spLocks noGrp="1" noRot="1" noChangeAspect="1"/>
-          </p:cNvSpPr>
+          <p:cNvPr id="133" name="Google Shape;133;g11b5d796329_0_10:notes"/>
+          <p:cNvSpPr/>
           <p:nvPr>
-            <p:ph type="sldImg" idx="2"/>
+            <p:ph idx="2" type="sldImg"/>
           </p:nvPr>
         </p:nvSpPr>
         <p:spPr>
@@ -857,13 +838,9 @@
             <a:ext cx="6096000" cy="3429000"/>
           </a:xfrm>
           <a:custGeom>
-            <a:avLst/>
-            <a:gdLst/>
-            <a:ahLst/>
-            <a:cxnLst/>
-            <a:rect l="l" t="t" r="r" b="b"/>
+            <a:rect b="b" l="l" r="r" t="t"/>
             <a:pathLst>
-              <a:path w="120000" h="120000" extrusionOk="0">
+              <a:path extrusionOk="0" h="120000" w="120000">
                 <a:moveTo>
                   <a:pt x="0" y="0"/>
                 </a:moveTo>
@@ -884,12 +861,10 @@
       </p:sp>
       <p:sp>
         <p:nvSpPr>
-          <p:cNvPr id="62" name="Google Shape;62;g1157803a0ba_1_0:notes"/>
-          <p:cNvSpPr txBox="1">
-            <a:spLocks noGrp="1"/>
-          </p:cNvSpPr>
+          <p:cNvPr id="134" name="Google Shape;134;g11b5d796329_0_10:notes"/>
+          <p:cNvSpPr txBox="1"/>
           <p:nvPr>
-            <p:ph type="body" idx="1"/>
+            <p:ph idx="1" type="body"/>
           </p:nvPr>
         </p:nvSpPr>
         <p:spPr>
@@ -902,12 +877,12 @@
           </a:prstGeom>
         </p:spPr>
         <p:txBody>
-          <a:bodyPr spcFirstLastPara="1" wrap="square" lIns="91425" tIns="91425" rIns="91425" bIns="91425" anchor="t" anchorCtr="0">
+          <a:bodyPr anchorCtr="0" anchor="t" bIns="91425" lIns="91425" spcFirstLastPara="1" rIns="91425" wrap="square" tIns="91425">
             <a:noAutofit/>
           </a:bodyPr>
           <a:lstStyle/>
           <a:p>
-            <a:pPr marL="0" lvl="0" indent="0" algn="l" rtl="0">
+            <a:pPr indent="0" lvl="0" marL="0" rtl="0" algn="l">
               <a:spcBef>
                 <a:spcPts val="0"/>
               </a:spcBef>
@@ -916,6 +891,9 @@
               </a:spcAft>
               <a:buNone/>
             </a:pPr>
+            <a:r>
+              <a:t/>
+            </a:r>
             <a:endParaRPr/>
           </a:p>
         </p:txBody>
@@ -928,12 +906,12 @@
 </p:notes>
 </file>
 
-<file path=ppt/notesSlides/notesSlide3.xml><?xml version="1.0" encoding="utf-8"?>
-<p:notes xmlns:a="http://schemas.openxmlformats.org/drawingml/2006/main" xmlns:r="http://schemas.openxmlformats.org/officeDocument/2006/relationships" xmlns:p="http://schemas.openxmlformats.org/presentationml/2006/main" showMasterSp="0" showMasterPhAnim="0">
+<file path=ppt/notesSlides/notesSlide2.xml><?xml version="1.0" encoding="utf-8"?>
+<p:notes xmlns:a="http://schemas.openxmlformats.org/drawingml/2006/main" xmlns:r="http://schemas.openxmlformats.org/officeDocument/2006/relationships" xmlns:mc="http://schemas.openxmlformats.org/markup-compatibility/2006" xmlns:mv="urn:schemas-microsoft-com:mac:vml" xmlns:p="http://schemas.openxmlformats.org/presentationml/2006/main" xmlns:c="http://schemas.openxmlformats.org/drawingml/2006/chart" xmlns:dgm="http://schemas.openxmlformats.org/drawingml/2006/diagram" xmlns:o="urn:schemas-microsoft-com:office:office" xmlns:v="urn:schemas-microsoft-com:vml" xmlns:pvml="urn:schemas-microsoft-com:office:powerpoint" xmlns:com="http://schemas.openxmlformats.org/drawingml/2006/compatibility" xmlns:p14="http://schemas.microsoft.com/office/powerpoint/2010/main" xmlns:p15="http://schemas.microsoft.com/office/powerpoint/2012/main" xmlns:ahyp="http://schemas.microsoft.com/office/drawing/2018/hyperlinkcolor" showMasterPhAnim="0" showMasterSp="0">
   <p:cSld>
     <p:spTree>
       <p:nvGrpSpPr>
-        <p:cNvPr id="1" name="Shape 67"/>
+        <p:cNvPr id="62" name="Shape 62"/>
         <p:cNvGrpSpPr/>
         <p:nvPr/>
       </p:nvGrpSpPr>
@@ -947,12 +925,10 @@
       </p:grpSpPr>
       <p:sp>
         <p:nvSpPr>
-          <p:cNvPr id="68" name="Google Shape;68;g125bbba8aa6_0_0:notes"/>
-          <p:cNvSpPr>
-            <a:spLocks noGrp="1" noRot="1" noChangeAspect="1"/>
-          </p:cNvSpPr>
+          <p:cNvPr id="63" name="Google Shape;63;g1157803a0ba_1_0:notes"/>
+          <p:cNvSpPr/>
           <p:nvPr>
-            <p:ph type="sldImg" idx="2"/>
+            <p:ph idx="2" type="sldImg"/>
           </p:nvPr>
         </p:nvSpPr>
         <p:spPr>
@@ -961,13 +937,9 @@
             <a:ext cx="6096000" cy="3429000"/>
           </a:xfrm>
           <a:custGeom>
-            <a:avLst/>
-            <a:gdLst/>
-            <a:ahLst/>
-            <a:cxnLst/>
-            <a:rect l="l" t="t" r="r" b="b"/>
+            <a:rect b="b" l="l" r="r" t="t"/>
             <a:pathLst>
-              <a:path w="120000" h="120000" extrusionOk="0">
+              <a:path extrusionOk="0" h="120000" w="120000">
                 <a:moveTo>
                   <a:pt x="0" y="0"/>
                 </a:moveTo>
@@ -988,12 +960,10 @@
       </p:sp>
       <p:sp>
         <p:nvSpPr>
-          <p:cNvPr id="69" name="Google Shape;69;g125bbba8aa6_0_0:notes"/>
-          <p:cNvSpPr txBox="1">
-            <a:spLocks noGrp="1"/>
-          </p:cNvSpPr>
+          <p:cNvPr id="64" name="Google Shape;64;g1157803a0ba_1_0:notes"/>
+          <p:cNvSpPr txBox="1"/>
           <p:nvPr>
-            <p:ph type="body" idx="1"/>
+            <p:ph idx="1" type="body"/>
           </p:nvPr>
         </p:nvSpPr>
         <p:spPr>
@@ -1006,12 +976,12 @@
           </a:prstGeom>
         </p:spPr>
         <p:txBody>
-          <a:bodyPr spcFirstLastPara="1" wrap="square" lIns="91425" tIns="91425" rIns="91425" bIns="91425" anchor="t" anchorCtr="0">
+          <a:bodyPr anchorCtr="0" anchor="t" bIns="91425" lIns="91425" spcFirstLastPara="1" rIns="91425" wrap="square" tIns="91425">
             <a:noAutofit/>
           </a:bodyPr>
           <a:lstStyle/>
           <a:p>
-            <a:pPr marL="0" lvl="0" indent="0" algn="l" rtl="0">
+            <a:pPr indent="0" lvl="0" marL="0" rtl="0" algn="l">
               <a:spcBef>
                 <a:spcPts val="0"/>
               </a:spcBef>
@@ -1020,6 +990,9 @@
               </a:spcAft>
               <a:buNone/>
             </a:pPr>
+            <a:r>
+              <a:t/>
+            </a:r>
             <a:endParaRPr/>
           </a:p>
         </p:txBody>
@@ -1032,12 +1005,12 @@
 </p:notes>
 </file>
 
-<file path=ppt/notesSlides/notesSlide4.xml><?xml version="1.0" encoding="utf-8"?>
-<p:notes xmlns:a="http://schemas.openxmlformats.org/drawingml/2006/main" xmlns:r="http://schemas.openxmlformats.org/officeDocument/2006/relationships" xmlns:p="http://schemas.openxmlformats.org/presentationml/2006/main" showMasterSp="0" showMasterPhAnim="0">
+<file path=ppt/notesSlides/notesSlide3.xml><?xml version="1.0" encoding="utf-8"?>
+<p:notes xmlns:a="http://schemas.openxmlformats.org/drawingml/2006/main" xmlns:r="http://schemas.openxmlformats.org/officeDocument/2006/relationships" xmlns:mc="http://schemas.openxmlformats.org/markup-compatibility/2006" xmlns:mv="urn:schemas-microsoft-com:mac:vml" xmlns:p="http://schemas.openxmlformats.org/presentationml/2006/main" xmlns:c="http://schemas.openxmlformats.org/drawingml/2006/chart" xmlns:dgm="http://schemas.openxmlformats.org/drawingml/2006/diagram" xmlns:o="urn:schemas-microsoft-com:office:office" xmlns:v="urn:schemas-microsoft-com:vml" xmlns:pvml="urn:schemas-microsoft-com:office:powerpoint" xmlns:com="http://schemas.openxmlformats.org/drawingml/2006/compatibility" xmlns:p14="http://schemas.microsoft.com/office/powerpoint/2010/main" xmlns:p15="http://schemas.microsoft.com/office/powerpoint/2012/main" xmlns:ahyp="http://schemas.microsoft.com/office/drawing/2018/hyperlinkcolor" showMasterPhAnim="0" showMasterSp="0">
   <p:cSld>
     <p:spTree>
       <p:nvGrpSpPr>
-        <p:cNvPr id="1" name="Shape 74"/>
+        <p:cNvPr id="70" name="Shape 70"/>
         <p:cNvGrpSpPr/>
         <p:nvPr/>
       </p:nvGrpSpPr>
@@ -1051,12 +1024,10 @@
       </p:grpSpPr>
       <p:sp>
         <p:nvSpPr>
-          <p:cNvPr id="75" name="Google Shape;75;g125bbba8aa6_0_5:notes"/>
-          <p:cNvSpPr>
-            <a:spLocks noGrp="1" noRot="1" noChangeAspect="1"/>
-          </p:cNvSpPr>
+          <p:cNvPr id="71" name="Google Shape;71;g125bbba8aa6_0_0:notes"/>
+          <p:cNvSpPr/>
           <p:nvPr>
-            <p:ph type="sldImg" idx="2"/>
+            <p:ph idx="2" type="sldImg"/>
           </p:nvPr>
         </p:nvSpPr>
         <p:spPr>
@@ -1065,13 +1036,9 @@
             <a:ext cx="6096000" cy="3429000"/>
           </a:xfrm>
           <a:custGeom>
-            <a:avLst/>
-            <a:gdLst/>
-            <a:ahLst/>
-            <a:cxnLst/>
-            <a:rect l="l" t="t" r="r" b="b"/>
+            <a:rect b="b" l="l" r="r" t="t"/>
             <a:pathLst>
-              <a:path w="120000" h="120000" extrusionOk="0">
+              <a:path extrusionOk="0" h="120000" w="120000">
                 <a:moveTo>
                   <a:pt x="0" y="0"/>
                 </a:moveTo>
@@ -1092,12 +1059,10 @@
       </p:sp>
       <p:sp>
         <p:nvSpPr>
-          <p:cNvPr id="76" name="Google Shape;76;g125bbba8aa6_0_5:notes"/>
-          <p:cNvSpPr txBox="1">
-            <a:spLocks noGrp="1"/>
-          </p:cNvSpPr>
+          <p:cNvPr id="72" name="Google Shape;72;g125bbba8aa6_0_0:notes"/>
+          <p:cNvSpPr txBox="1"/>
           <p:nvPr>
-            <p:ph type="body" idx="1"/>
+            <p:ph idx="1" type="body"/>
           </p:nvPr>
         </p:nvSpPr>
         <p:spPr>
@@ -1110,12 +1075,12 @@
           </a:prstGeom>
         </p:spPr>
         <p:txBody>
-          <a:bodyPr spcFirstLastPara="1" wrap="square" lIns="91425" tIns="91425" rIns="91425" bIns="91425" anchor="t" anchorCtr="0">
+          <a:bodyPr anchorCtr="0" anchor="t" bIns="91425" lIns="91425" spcFirstLastPara="1" rIns="91425" wrap="square" tIns="91425">
             <a:noAutofit/>
           </a:bodyPr>
           <a:lstStyle/>
           <a:p>
-            <a:pPr marL="0" lvl="0" indent="0" algn="l" rtl="0">
+            <a:pPr indent="0" lvl="0" marL="0" rtl="0" algn="l">
               <a:spcBef>
                 <a:spcPts val="0"/>
               </a:spcBef>
@@ -1124,6 +1089,9 @@
               </a:spcAft>
               <a:buNone/>
             </a:pPr>
+            <a:r>
+              <a:t/>
+            </a:r>
             <a:endParaRPr/>
           </a:p>
         </p:txBody>
@@ -1136,12 +1104,12 @@
 </p:notes>
 </file>
 
-<file path=ppt/notesSlides/notesSlide5.xml><?xml version="1.0" encoding="utf-8"?>
-<p:notes xmlns:a="http://schemas.openxmlformats.org/drawingml/2006/main" xmlns:r="http://schemas.openxmlformats.org/officeDocument/2006/relationships" xmlns:p="http://schemas.openxmlformats.org/presentationml/2006/main" showMasterSp="0" showMasterPhAnim="0">
+<file path=ppt/notesSlides/notesSlide4.xml><?xml version="1.0" encoding="utf-8"?>
+<p:notes xmlns:a="http://schemas.openxmlformats.org/drawingml/2006/main" xmlns:r="http://schemas.openxmlformats.org/officeDocument/2006/relationships" xmlns:mc="http://schemas.openxmlformats.org/markup-compatibility/2006" xmlns:mv="urn:schemas-microsoft-com:mac:vml" xmlns:p="http://schemas.openxmlformats.org/presentationml/2006/main" xmlns:c="http://schemas.openxmlformats.org/drawingml/2006/chart" xmlns:dgm="http://schemas.openxmlformats.org/drawingml/2006/diagram" xmlns:o="urn:schemas-microsoft-com:office:office" xmlns:v="urn:schemas-microsoft-com:vml" xmlns:pvml="urn:schemas-microsoft-com:office:powerpoint" xmlns:com="http://schemas.openxmlformats.org/drawingml/2006/compatibility" xmlns:p14="http://schemas.microsoft.com/office/powerpoint/2010/main" xmlns:p15="http://schemas.microsoft.com/office/powerpoint/2012/main" xmlns:ahyp="http://schemas.microsoft.com/office/drawing/2018/hyperlinkcolor" showMasterPhAnim="0" showMasterSp="0">
   <p:cSld>
     <p:spTree>
       <p:nvGrpSpPr>
-        <p:cNvPr id="1" name="Shape 81"/>
+        <p:cNvPr id="79" name="Shape 79"/>
         <p:cNvGrpSpPr/>
         <p:nvPr/>
       </p:nvGrpSpPr>
@@ -1155,12 +1123,10 @@
       </p:grpSpPr>
       <p:sp>
         <p:nvSpPr>
-          <p:cNvPr id="82" name="Google Shape;82;g11b5d796329_0_0:notes"/>
-          <p:cNvSpPr>
-            <a:spLocks noGrp="1" noRot="1" noChangeAspect="1"/>
-          </p:cNvSpPr>
+          <p:cNvPr id="80" name="Google Shape;80;g125bbba8aa6_0_5:notes"/>
+          <p:cNvSpPr/>
           <p:nvPr>
-            <p:ph type="sldImg" idx="2"/>
+            <p:ph idx="2" type="sldImg"/>
           </p:nvPr>
         </p:nvSpPr>
         <p:spPr>
@@ -1169,13 +1135,9 @@
             <a:ext cx="6096000" cy="3429000"/>
           </a:xfrm>
           <a:custGeom>
-            <a:avLst/>
-            <a:gdLst/>
-            <a:ahLst/>
-            <a:cxnLst/>
-            <a:rect l="l" t="t" r="r" b="b"/>
+            <a:rect b="b" l="l" r="r" t="t"/>
             <a:pathLst>
-              <a:path w="120000" h="120000" extrusionOk="0">
+              <a:path extrusionOk="0" h="120000" w="120000">
                 <a:moveTo>
                   <a:pt x="0" y="0"/>
                 </a:moveTo>
@@ -1196,12 +1158,10 @@
       </p:sp>
       <p:sp>
         <p:nvSpPr>
-          <p:cNvPr id="83" name="Google Shape;83;g11b5d796329_0_0:notes"/>
-          <p:cNvSpPr txBox="1">
-            <a:spLocks noGrp="1"/>
-          </p:cNvSpPr>
+          <p:cNvPr id="81" name="Google Shape;81;g125bbba8aa6_0_5:notes"/>
+          <p:cNvSpPr txBox="1"/>
           <p:nvPr>
-            <p:ph type="body" idx="1"/>
+            <p:ph idx="1" type="body"/>
           </p:nvPr>
         </p:nvSpPr>
         <p:spPr>
@@ -1214,12 +1174,12 @@
           </a:prstGeom>
         </p:spPr>
         <p:txBody>
-          <a:bodyPr spcFirstLastPara="1" wrap="square" lIns="91425" tIns="91425" rIns="91425" bIns="91425" anchor="t" anchorCtr="0">
+          <a:bodyPr anchorCtr="0" anchor="t" bIns="91425" lIns="91425" spcFirstLastPara="1" rIns="91425" wrap="square" tIns="91425">
             <a:noAutofit/>
           </a:bodyPr>
           <a:lstStyle/>
           <a:p>
-            <a:pPr marL="0" lvl="0" indent="0" algn="l" rtl="0">
+            <a:pPr indent="0" lvl="0" marL="0" rtl="0" algn="l">
               <a:spcBef>
                 <a:spcPts val="0"/>
               </a:spcBef>
@@ -1228,6 +1188,9 @@
               </a:spcAft>
               <a:buNone/>
             </a:pPr>
+            <a:r>
+              <a:t/>
+            </a:r>
             <a:endParaRPr/>
           </a:p>
         </p:txBody>
@@ -1240,12 +1203,12 @@
 </p:notes>
 </file>
 
-<file path=ppt/notesSlides/notesSlide6.xml><?xml version="1.0" encoding="utf-8"?>
-<p:notes xmlns:a="http://schemas.openxmlformats.org/drawingml/2006/main" xmlns:r="http://schemas.openxmlformats.org/officeDocument/2006/relationships" xmlns:p="http://schemas.openxmlformats.org/presentationml/2006/main" showMasterSp="0" showMasterPhAnim="0">
+<file path=ppt/notesSlides/notesSlide5.xml><?xml version="1.0" encoding="utf-8"?>
+<p:notes xmlns:a="http://schemas.openxmlformats.org/drawingml/2006/main" xmlns:r="http://schemas.openxmlformats.org/officeDocument/2006/relationships" xmlns:mc="http://schemas.openxmlformats.org/markup-compatibility/2006" xmlns:mv="urn:schemas-microsoft-com:mac:vml" xmlns:p="http://schemas.openxmlformats.org/presentationml/2006/main" xmlns:c="http://schemas.openxmlformats.org/drawingml/2006/chart" xmlns:dgm="http://schemas.openxmlformats.org/drawingml/2006/diagram" xmlns:o="urn:schemas-microsoft-com:office:office" xmlns:v="urn:schemas-microsoft-com:vml" xmlns:pvml="urn:schemas-microsoft-com:office:powerpoint" xmlns:com="http://schemas.openxmlformats.org/drawingml/2006/compatibility" xmlns:p14="http://schemas.microsoft.com/office/powerpoint/2010/main" xmlns:p15="http://schemas.microsoft.com/office/powerpoint/2012/main" xmlns:ahyp="http://schemas.microsoft.com/office/drawing/2018/hyperlinkcolor" showMasterPhAnim="0" showMasterSp="0">
   <p:cSld>
     <p:spTree>
       <p:nvGrpSpPr>
-        <p:cNvPr id="1" name="Shape 88"/>
+        <p:cNvPr id="87" name="Shape 87"/>
         <p:cNvGrpSpPr/>
         <p:nvPr/>
       </p:nvGrpSpPr>
@@ -1259,12 +1222,10 @@
       </p:grpSpPr>
       <p:sp>
         <p:nvSpPr>
-          <p:cNvPr id="89" name="Google Shape;89;g11b5d796329_0_5:notes"/>
-          <p:cNvSpPr>
-            <a:spLocks noGrp="1" noRot="1" noChangeAspect="1"/>
-          </p:cNvSpPr>
+          <p:cNvPr id="88" name="Google Shape;88;g1264361f9e7_0_0:notes"/>
+          <p:cNvSpPr/>
           <p:nvPr>
-            <p:ph type="sldImg" idx="2"/>
+            <p:ph idx="2" type="sldImg"/>
           </p:nvPr>
         </p:nvSpPr>
         <p:spPr>
@@ -1273,13 +1234,9 @@
             <a:ext cx="6096000" cy="3429000"/>
           </a:xfrm>
           <a:custGeom>
-            <a:avLst/>
-            <a:gdLst/>
-            <a:ahLst/>
-            <a:cxnLst/>
-            <a:rect l="l" t="t" r="r" b="b"/>
+            <a:rect b="b" l="l" r="r" t="t"/>
             <a:pathLst>
-              <a:path w="120000" h="120000" extrusionOk="0">
+              <a:path extrusionOk="0" h="120000" w="120000">
                 <a:moveTo>
                   <a:pt x="0" y="0"/>
                 </a:moveTo>
@@ -1300,12 +1257,10 @@
       </p:sp>
       <p:sp>
         <p:nvSpPr>
-          <p:cNvPr id="90" name="Google Shape;90;g11b5d796329_0_5:notes"/>
-          <p:cNvSpPr txBox="1">
-            <a:spLocks noGrp="1"/>
-          </p:cNvSpPr>
+          <p:cNvPr id="89" name="Google Shape;89;g1264361f9e7_0_0:notes"/>
+          <p:cNvSpPr txBox="1"/>
           <p:nvPr>
-            <p:ph type="body" idx="1"/>
+            <p:ph idx="1" type="body"/>
           </p:nvPr>
         </p:nvSpPr>
         <p:spPr>
@@ -1318,12 +1273,12 @@
           </a:prstGeom>
         </p:spPr>
         <p:txBody>
-          <a:bodyPr spcFirstLastPara="1" wrap="square" lIns="91425" tIns="91425" rIns="91425" bIns="91425" anchor="t" anchorCtr="0">
+          <a:bodyPr anchorCtr="0" anchor="t" bIns="91425" lIns="91425" spcFirstLastPara="1" rIns="91425" wrap="square" tIns="91425">
             <a:noAutofit/>
           </a:bodyPr>
           <a:lstStyle/>
           <a:p>
-            <a:pPr marL="0" lvl="0" indent="0" algn="l" rtl="0">
+            <a:pPr indent="0" lvl="0" marL="0" rtl="0" algn="l">
               <a:spcBef>
                 <a:spcPts val="0"/>
               </a:spcBef>
@@ -1332,6 +1287,9 @@
               </a:spcAft>
               <a:buNone/>
             </a:pPr>
+            <a:r>
+              <a:t/>
+            </a:r>
             <a:endParaRPr/>
           </a:p>
         </p:txBody>
@@ -1344,12 +1302,12 @@
 </p:notes>
 </file>
 
-<file path=ppt/notesSlides/notesSlide7.xml><?xml version="1.0" encoding="utf-8"?>
-<p:notes xmlns:a="http://schemas.openxmlformats.org/drawingml/2006/main" xmlns:r="http://schemas.openxmlformats.org/officeDocument/2006/relationships" xmlns:p="http://schemas.openxmlformats.org/presentationml/2006/main" showMasterSp="0" showMasterPhAnim="0">
+<file path=ppt/notesSlides/notesSlide6.xml><?xml version="1.0" encoding="utf-8"?>
+<p:notes xmlns:a="http://schemas.openxmlformats.org/drawingml/2006/main" xmlns:r="http://schemas.openxmlformats.org/officeDocument/2006/relationships" xmlns:mc="http://schemas.openxmlformats.org/markup-compatibility/2006" xmlns:mv="urn:schemas-microsoft-com:mac:vml" xmlns:p="http://schemas.openxmlformats.org/presentationml/2006/main" xmlns:c="http://schemas.openxmlformats.org/drawingml/2006/chart" xmlns:dgm="http://schemas.openxmlformats.org/drawingml/2006/diagram" xmlns:o="urn:schemas-microsoft-com:office:office" xmlns:v="urn:schemas-microsoft-com:vml" xmlns:pvml="urn:schemas-microsoft-com:office:powerpoint" xmlns:com="http://schemas.openxmlformats.org/drawingml/2006/compatibility" xmlns:p14="http://schemas.microsoft.com/office/powerpoint/2010/main" xmlns:p15="http://schemas.microsoft.com/office/powerpoint/2012/main" xmlns:ahyp="http://schemas.microsoft.com/office/drawing/2018/hyperlinkcolor" showMasterPhAnim="0" showMasterSp="0">
   <p:cSld>
     <p:spTree>
       <p:nvGrpSpPr>
-        <p:cNvPr id="1" name="Shape 95"/>
+        <p:cNvPr id="97" name="Shape 97"/>
         <p:cNvGrpSpPr/>
         <p:nvPr/>
       </p:nvGrpSpPr>
@@ -1363,12 +1321,10 @@
       </p:grpSpPr>
       <p:sp>
         <p:nvSpPr>
-          <p:cNvPr id="96" name="Google Shape;96;g11b5d796329_0_10:notes"/>
-          <p:cNvSpPr>
-            <a:spLocks noGrp="1" noRot="1" noChangeAspect="1"/>
-          </p:cNvSpPr>
+          <p:cNvPr id="98" name="Google Shape;98;g1264361f9e7_0_6:notes"/>
+          <p:cNvSpPr/>
           <p:nvPr>
-            <p:ph type="sldImg" idx="2"/>
+            <p:ph idx="2" type="sldImg"/>
           </p:nvPr>
         </p:nvSpPr>
         <p:spPr>
@@ -1377,13 +1333,9 @@
             <a:ext cx="6096000" cy="3429000"/>
           </a:xfrm>
           <a:custGeom>
-            <a:avLst/>
-            <a:gdLst/>
-            <a:ahLst/>
-            <a:cxnLst/>
-            <a:rect l="l" t="t" r="r" b="b"/>
+            <a:rect b="b" l="l" r="r" t="t"/>
             <a:pathLst>
-              <a:path w="120000" h="120000" extrusionOk="0">
+              <a:path extrusionOk="0" h="120000" w="120000">
                 <a:moveTo>
                   <a:pt x="0" y="0"/>
                 </a:moveTo>
@@ -1404,12 +1356,10 @@
       </p:sp>
       <p:sp>
         <p:nvSpPr>
-          <p:cNvPr id="97" name="Google Shape;97;g11b5d796329_0_10:notes"/>
-          <p:cNvSpPr txBox="1">
-            <a:spLocks noGrp="1"/>
-          </p:cNvSpPr>
+          <p:cNvPr id="99" name="Google Shape;99;g1264361f9e7_0_6:notes"/>
+          <p:cNvSpPr txBox="1"/>
           <p:nvPr>
-            <p:ph type="body" idx="1"/>
+            <p:ph idx="1" type="body"/>
           </p:nvPr>
         </p:nvSpPr>
         <p:spPr>
@@ -1422,12 +1372,12 @@
           </a:prstGeom>
         </p:spPr>
         <p:txBody>
-          <a:bodyPr spcFirstLastPara="1" wrap="square" lIns="91425" tIns="91425" rIns="91425" bIns="91425" anchor="t" anchorCtr="0">
+          <a:bodyPr anchorCtr="0" anchor="t" bIns="91425" lIns="91425" spcFirstLastPara="1" rIns="91425" wrap="square" tIns="91425">
             <a:noAutofit/>
           </a:bodyPr>
           <a:lstStyle/>
           <a:p>
-            <a:pPr marL="0" lvl="0" indent="0" algn="l" rtl="0">
+            <a:pPr indent="0" lvl="0" marL="0" rtl="0" algn="l">
               <a:spcBef>
                 <a:spcPts val="0"/>
               </a:spcBef>
@@ -1436,6 +1386,306 @@
               </a:spcAft>
               <a:buNone/>
             </a:pPr>
+            <a:r>
+              <a:t/>
+            </a:r>
+            <a:endParaRPr/>
+          </a:p>
+        </p:txBody>
+      </p:sp>
+    </p:spTree>
+  </p:cSld>
+  <p:clrMapOvr>
+    <a:masterClrMapping/>
+  </p:clrMapOvr>
+</p:notes>
+</file>
+
+<file path=ppt/notesSlides/notesSlide7.xml><?xml version="1.0" encoding="utf-8"?>
+<p:notes xmlns:a="http://schemas.openxmlformats.org/drawingml/2006/main" xmlns:r="http://schemas.openxmlformats.org/officeDocument/2006/relationships" xmlns:mc="http://schemas.openxmlformats.org/markup-compatibility/2006" xmlns:mv="urn:schemas-microsoft-com:mac:vml" xmlns:p="http://schemas.openxmlformats.org/presentationml/2006/main" xmlns:c="http://schemas.openxmlformats.org/drawingml/2006/chart" xmlns:dgm="http://schemas.openxmlformats.org/drawingml/2006/diagram" xmlns:o="urn:schemas-microsoft-com:office:office" xmlns:v="urn:schemas-microsoft-com:vml" xmlns:pvml="urn:schemas-microsoft-com:office:powerpoint" xmlns:com="http://schemas.openxmlformats.org/drawingml/2006/compatibility" xmlns:p14="http://schemas.microsoft.com/office/powerpoint/2010/main" xmlns:p15="http://schemas.microsoft.com/office/powerpoint/2012/main" xmlns:ahyp="http://schemas.microsoft.com/office/drawing/2018/hyperlinkcolor" showMasterPhAnim="0" showMasterSp="0">
+  <p:cSld>
+    <p:spTree>
+      <p:nvGrpSpPr>
+        <p:cNvPr id="107" name="Shape 107"/>
+        <p:cNvGrpSpPr/>
+        <p:nvPr/>
+      </p:nvGrpSpPr>
+      <p:grpSpPr>
+        <a:xfrm>
+          <a:off x="0" y="0"/>
+          <a:ext cx="0" cy="0"/>
+          <a:chOff x="0" y="0"/>
+          <a:chExt cx="0" cy="0"/>
+        </a:xfrm>
+      </p:grpSpPr>
+      <p:sp>
+        <p:nvSpPr>
+          <p:cNvPr id="108" name="Google Shape;108;g1264361f9e7_0_12:notes"/>
+          <p:cNvSpPr/>
+          <p:nvPr>
+            <p:ph idx="2" type="sldImg"/>
+          </p:nvPr>
+        </p:nvSpPr>
+        <p:spPr>
+          <a:xfrm>
+            <a:off x="381300" y="685800"/>
+            <a:ext cx="6096000" cy="3429000"/>
+          </a:xfrm>
+          <a:custGeom>
+            <a:rect b="b" l="l" r="r" t="t"/>
+            <a:pathLst>
+              <a:path extrusionOk="0" h="120000" w="120000">
+                <a:moveTo>
+                  <a:pt x="0" y="0"/>
+                </a:moveTo>
+                <a:lnTo>
+                  <a:pt x="120000" y="0"/>
+                </a:lnTo>
+                <a:lnTo>
+                  <a:pt x="120000" y="120000"/>
+                </a:lnTo>
+                <a:lnTo>
+                  <a:pt x="0" y="120000"/>
+                </a:lnTo>
+                <a:close/>
+              </a:path>
+            </a:pathLst>
+          </a:custGeom>
+        </p:spPr>
+      </p:sp>
+      <p:sp>
+        <p:nvSpPr>
+          <p:cNvPr id="109" name="Google Shape;109;g1264361f9e7_0_12:notes"/>
+          <p:cNvSpPr txBox="1"/>
+          <p:nvPr>
+            <p:ph idx="1" type="body"/>
+          </p:nvPr>
+        </p:nvSpPr>
+        <p:spPr>
+          <a:xfrm>
+            <a:off x="685800" y="4343400"/>
+            <a:ext cx="5486400" cy="4114800"/>
+          </a:xfrm>
+          <a:prstGeom prst="rect">
+            <a:avLst/>
+          </a:prstGeom>
+        </p:spPr>
+        <p:txBody>
+          <a:bodyPr anchorCtr="0" anchor="t" bIns="91425" lIns="91425" spcFirstLastPara="1" rIns="91425" wrap="square" tIns="91425">
+            <a:noAutofit/>
+          </a:bodyPr>
+          <a:lstStyle/>
+          <a:p>
+            <a:pPr indent="0" lvl="0" marL="0" rtl="0" algn="l">
+              <a:spcBef>
+                <a:spcPts val="0"/>
+              </a:spcBef>
+              <a:spcAft>
+                <a:spcPts val="0"/>
+              </a:spcAft>
+              <a:buNone/>
+            </a:pPr>
+            <a:r>
+              <a:t/>
+            </a:r>
+            <a:endParaRPr/>
+          </a:p>
+        </p:txBody>
+      </p:sp>
+    </p:spTree>
+  </p:cSld>
+  <p:clrMapOvr>
+    <a:masterClrMapping/>
+  </p:clrMapOvr>
+</p:notes>
+</file>
+
+<file path=ppt/notesSlides/notesSlide8.xml><?xml version="1.0" encoding="utf-8"?>
+<p:notes xmlns:a="http://schemas.openxmlformats.org/drawingml/2006/main" xmlns:r="http://schemas.openxmlformats.org/officeDocument/2006/relationships" xmlns:mc="http://schemas.openxmlformats.org/markup-compatibility/2006" xmlns:mv="urn:schemas-microsoft-com:mac:vml" xmlns:p="http://schemas.openxmlformats.org/presentationml/2006/main" xmlns:c="http://schemas.openxmlformats.org/drawingml/2006/chart" xmlns:dgm="http://schemas.openxmlformats.org/drawingml/2006/diagram" xmlns:o="urn:schemas-microsoft-com:office:office" xmlns:v="urn:schemas-microsoft-com:vml" xmlns:pvml="urn:schemas-microsoft-com:office:powerpoint" xmlns:com="http://schemas.openxmlformats.org/drawingml/2006/compatibility" xmlns:p14="http://schemas.microsoft.com/office/powerpoint/2010/main" xmlns:p15="http://schemas.microsoft.com/office/powerpoint/2012/main" xmlns:ahyp="http://schemas.microsoft.com/office/drawing/2018/hyperlinkcolor" showMasterPhAnim="0" showMasterSp="0">
+  <p:cSld>
+    <p:spTree>
+      <p:nvGrpSpPr>
+        <p:cNvPr id="115" name="Shape 115"/>
+        <p:cNvGrpSpPr/>
+        <p:nvPr/>
+      </p:nvGrpSpPr>
+      <p:grpSpPr>
+        <a:xfrm>
+          <a:off x="0" y="0"/>
+          <a:ext cx="0" cy="0"/>
+          <a:chOff x="0" y="0"/>
+          <a:chExt cx="0" cy="0"/>
+        </a:xfrm>
+      </p:grpSpPr>
+      <p:sp>
+        <p:nvSpPr>
+          <p:cNvPr id="116" name="Google Shape;116;g11b5d796329_0_0:notes"/>
+          <p:cNvSpPr/>
+          <p:nvPr>
+            <p:ph idx="2" type="sldImg"/>
+          </p:nvPr>
+        </p:nvSpPr>
+        <p:spPr>
+          <a:xfrm>
+            <a:off x="381300" y="685800"/>
+            <a:ext cx="6096000" cy="3429000"/>
+          </a:xfrm>
+          <a:custGeom>
+            <a:rect b="b" l="l" r="r" t="t"/>
+            <a:pathLst>
+              <a:path extrusionOk="0" h="120000" w="120000">
+                <a:moveTo>
+                  <a:pt x="0" y="0"/>
+                </a:moveTo>
+                <a:lnTo>
+                  <a:pt x="120000" y="0"/>
+                </a:lnTo>
+                <a:lnTo>
+                  <a:pt x="120000" y="120000"/>
+                </a:lnTo>
+                <a:lnTo>
+                  <a:pt x="0" y="120000"/>
+                </a:lnTo>
+                <a:close/>
+              </a:path>
+            </a:pathLst>
+          </a:custGeom>
+        </p:spPr>
+      </p:sp>
+      <p:sp>
+        <p:nvSpPr>
+          <p:cNvPr id="117" name="Google Shape;117;g11b5d796329_0_0:notes"/>
+          <p:cNvSpPr txBox="1"/>
+          <p:nvPr>
+            <p:ph idx="1" type="body"/>
+          </p:nvPr>
+        </p:nvSpPr>
+        <p:spPr>
+          <a:xfrm>
+            <a:off x="685800" y="4343400"/>
+            <a:ext cx="5486400" cy="4114800"/>
+          </a:xfrm>
+          <a:prstGeom prst="rect">
+            <a:avLst/>
+          </a:prstGeom>
+        </p:spPr>
+        <p:txBody>
+          <a:bodyPr anchorCtr="0" anchor="t" bIns="91425" lIns="91425" spcFirstLastPara="1" rIns="91425" wrap="square" tIns="91425">
+            <a:noAutofit/>
+          </a:bodyPr>
+          <a:lstStyle/>
+          <a:p>
+            <a:pPr indent="0" lvl="0" marL="0" rtl="0" algn="l">
+              <a:spcBef>
+                <a:spcPts val="0"/>
+              </a:spcBef>
+              <a:spcAft>
+                <a:spcPts val="0"/>
+              </a:spcAft>
+              <a:buNone/>
+            </a:pPr>
+            <a:r>
+              <a:t/>
+            </a:r>
+            <a:endParaRPr/>
+          </a:p>
+        </p:txBody>
+      </p:sp>
+    </p:spTree>
+  </p:cSld>
+  <p:clrMapOvr>
+    <a:masterClrMapping/>
+  </p:clrMapOvr>
+</p:notes>
+</file>
+
+<file path=ppt/notesSlides/notesSlide9.xml><?xml version="1.0" encoding="utf-8"?>
+<p:notes xmlns:a="http://schemas.openxmlformats.org/drawingml/2006/main" xmlns:r="http://schemas.openxmlformats.org/officeDocument/2006/relationships" xmlns:mc="http://schemas.openxmlformats.org/markup-compatibility/2006" xmlns:mv="urn:schemas-microsoft-com:mac:vml" xmlns:p="http://schemas.openxmlformats.org/presentationml/2006/main" xmlns:c="http://schemas.openxmlformats.org/drawingml/2006/chart" xmlns:dgm="http://schemas.openxmlformats.org/drawingml/2006/diagram" xmlns:o="urn:schemas-microsoft-com:office:office" xmlns:v="urn:schemas-microsoft-com:vml" xmlns:pvml="urn:schemas-microsoft-com:office:powerpoint" xmlns:com="http://schemas.openxmlformats.org/drawingml/2006/compatibility" xmlns:p14="http://schemas.microsoft.com/office/powerpoint/2010/main" xmlns:p15="http://schemas.microsoft.com/office/powerpoint/2012/main" xmlns:ahyp="http://schemas.microsoft.com/office/drawing/2018/hyperlinkcolor" showMasterPhAnim="0" showMasterSp="0">
+  <p:cSld>
+    <p:spTree>
+      <p:nvGrpSpPr>
+        <p:cNvPr id="124" name="Shape 124"/>
+        <p:cNvGrpSpPr/>
+        <p:nvPr/>
+      </p:nvGrpSpPr>
+      <p:grpSpPr>
+        <a:xfrm>
+          <a:off x="0" y="0"/>
+          <a:ext cx="0" cy="0"/>
+          <a:chOff x="0" y="0"/>
+          <a:chExt cx="0" cy="0"/>
+        </a:xfrm>
+      </p:grpSpPr>
+      <p:sp>
+        <p:nvSpPr>
+          <p:cNvPr id="125" name="Google Shape;125;g11b5d796329_0_5:notes"/>
+          <p:cNvSpPr/>
+          <p:nvPr>
+            <p:ph idx="2" type="sldImg"/>
+          </p:nvPr>
+        </p:nvSpPr>
+        <p:spPr>
+          <a:xfrm>
+            <a:off x="381300" y="685800"/>
+            <a:ext cx="6096000" cy="3429000"/>
+          </a:xfrm>
+          <a:custGeom>
+            <a:rect b="b" l="l" r="r" t="t"/>
+            <a:pathLst>
+              <a:path extrusionOk="0" h="120000" w="120000">
+                <a:moveTo>
+                  <a:pt x="0" y="0"/>
+                </a:moveTo>
+                <a:lnTo>
+                  <a:pt x="120000" y="0"/>
+                </a:lnTo>
+                <a:lnTo>
+                  <a:pt x="120000" y="120000"/>
+                </a:lnTo>
+                <a:lnTo>
+                  <a:pt x="0" y="120000"/>
+                </a:lnTo>
+                <a:close/>
+              </a:path>
+            </a:pathLst>
+          </a:custGeom>
+        </p:spPr>
+      </p:sp>
+      <p:sp>
+        <p:nvSpPr>
+          <p:cNvPr id="126" name="Google Shape;126;g11b5d796329_0_5:notes"/>
+          <p:cNvSpPr txBox="1"/>
+          <p:nvPr>
+            <p:ph idx="1" type="body"/>
+          </p:nvPr>
+        </p:nvSpPr>
+        <p:spPr>
+          <a:xfrm>
+            <a:off x="685800" y="4343400"/>
+            <a:ext cx="5486400" cy="4114800"/>
+          </a:xfrm>
+          <a:prstGeom prst="rect">
+            <a:avLst/>
+          </a:prstGeom>
+        </p:spPr>
+        <p:txBody>
+          <a:bodyPr anchorCtr="0" anchor="t" bIns="91425" lIns="91425" spcFirstLastPara="1" rIns="91425" wrap="square" tIns="91425">
+            <a:noAutofit/>
+          </a:bodyPr>
+          <a:lstStyle/>
+          <a:p>
+            <a:pPr indent="0" lvl="0" marL="0" rtl="0" algn="l">
+              <a:spcBef>
+                <a:spcPts val="0"/>
+              </a:spcBef>
+              <a:spcAft>
+                <a:spcPts val="0"/>
+              </a:spcAft>
+              <a:buNone/>
+            </a:pPr>
+            <a:r>
+              <a:t/>
+            </a:r>
             <a:endParaRPr/>
           </a:p>
         </p:txBody>
@@ -1449,11 +1699,11 @@
 </file>
 
 <file path=ppt/slideLayouts/slideLayout1.xml><?xml version="1.0" encoding="utf-8"?>
-<p:sldLayout xmlns:a="http://schemas.openxmlformats.org/drawingml/2006/main" xmlns:r="http://schemas.openxmlformats.org/officeDocument/2006/relationships" xmlns:p="http://schemas.openxmlformats.org/presentationml/2006/main" matchingName="Title slide" type="title">
+<p:sldLayout xmlns:a="http://schemas.openxmlformats.org/drawingml/2006/main" xmlns:r="http://schemas.openxmlformats.org/officeDocument/2006/relationships" xmlns:mc="http://schemas.openxmlformats.org/markup-compatibility/2006" xmlns:mv="urn:schemas-microsoft-com:mac:vml" xmlns:p="http://schemas.openxmlformats.org/presentationml/2006/main" xmlns:c="http://schemas.openxmlformats.org/drawingml/2006/chart" xmlns:dgm="http://schemas.openxmlformats.org/drawingml/2006/diagram" xmlns:o="urn:schemas-microsoft-com:office:office" xmlns:v="urn:schemas-microsoft-com:vml" xmlns:pvml="urn:schemas-microsoft-com:office:powerpoint" xmlns:com="http://schemas.openxmlformats.org/drawingml/2006/compatibility" xmlns:p14="http://schemas.microsoft.com/office/powerpoint/2010/main" xmlns:p15="http://schemas.microsoft.com/office/powerpoint/2012/main" xmlns:ahyp="http://schemas.microsoft.com/office/drawing/2018/hyperlinkcolor" matchingName="Title slide" type="title">
   <p:cSld name="TITLE">
     <p:spTree>
       <p:nvGrpSpPr>
-        <p:cNvPr id="1" name="Shape 9"/>
+        <p:cNvPr id="9" name="Shape 9"/>
         <p:cNvGrpSpPr/>
         <p:nvPr/>
       </p:nvGrpSpPr>
@@ -1480,23 +1730,21 @@
             <a:avLst/>
           </a:prstGeom>
           <a:noFill/>
-          <a:ln w="76200" cap="flat" cmpd="sng">
+          <a:ln cap="flat" cmpd="sng" w="76200">
             <a:solidFill>
               <a:schemeClr val="dk1"/>
             </a:solidFill>
             <a:prstDash val="solid"/>
             <a:round/>
-            <a:headEnd type="none" w="sm" len="sm"/>
-            <a:tailEnd type="none" w="sm" len="sm"/>
+            <a:headEnd len="sm" w="sm" type="none"/>
+            <a:tailEnd len="sm" w="sm" type="none"/>
           </a:ln>
         </p:spPr>
       </p:cxnSp>
       <p:sp>
         <p:nvSpPr>
           <p:cNvPr id="11" name="Google Shape;11;p2"/>
-          <p:cNvSpPr txBox="1">
-            <a:spLocks noGrp="1"/>
-          </p:cNvSpPr>
+          <p:cNvSpPr txBox="1"/>
           <p:nvPr>
             <p:ph type="ctrTitle"/>
           </p:nvPr>
@@ -1511,7 +1759,7 @@
           </a:prstGeom>
         </p:spPr>
         <p:txBody>
-          <a:bodyPr spcFirstLastPara="1" wrap="square" lIns="91425" tIns="91425" rIns="91425" bIns="91425" anchor="b" anchorCtr="0">
+          <a:bodyPr anchorCtr="0" anchor="b" bIns="91425" lIns="91425" spcFirstLastPara="1" rIns="91425" wrap="square" tIns="91425">
             <a:normAutofit/>
           </a:bodyPr>
           <a:lstStyle>
@@ -1615,19 +1863,15 @@
               <a:defRPr sz="5400"/>
             </a:lvl9pPr>
           </a:lstStyle>
-          <a:p>
-            <a:endParaRPr/>
-          </a:p>
+          <a:p/>
         </p:txBody>
       </p:sp>
       <p:sp>
         <p:nvSpPr>
           <p:cNvPr id="12" name="Google Shape;12;p2"/>
-          <p:cNvSpPr txBox="1">
-            <a:spLocks noGrp="1"/>
-          </p:cNvSpPr>
+          <p:cNvSpPr txBox="1"/>
           <p:nvPr>
-            <p:ph type="subTitle" idx="1"/>
+            <p:ph idx="1" type="subTitle"/>
           </p:nvPr>
         </p:nvSpPr>
         <p:spPr>
@@ -1640,7 +1884,7 @@
           </a:prstGeom>
         </p:spPr>
         <p:txBody>
-          <a:bodyPr spcFirstLastPara="1" wrap="square" lIns="91425" tIns="91425" rIns="91425" bIns="91425" anchor="t" anchorCtr="0">
+          <a:bodyPr anchorCtr="0" anchor="t" bIns="91425" lIns="91425" spcFirstLastPara="1" rIns="91425" wrap="square" tIns="91425">
             <a:normAutofit/>
           </a:bodyPr>
           <a:lstStyle>
@@ -1771,19 +2015,15 @@
               <a:defRPr sz="2400"/>
             </a:lvl9pPr>
           </a:lstStyle>
-          <a:p>
-            <a:endParaRPr/>
-          </a:p>
+          <a:p/>
         </p:txBody>
       </p:sp>
       <p:sp>
         <p:nvSpPr>
           <p:cNvPr id="13" name="Google Shape;13;p2"/>
-          <p:cNvSpPr txBox="1">
-            <a:spLocks noGrp="1"/>
-          </p:cNvSpPr>
+          <p:cNvSpPr txBox="1"/>
           <p:nvPr>
-            <p:ph type="sldNum" idx="12"/>
+            <p:ph idx="12" type="sldNum"/>
           </p:nvPr>
         </p:nvSpPr>
         <p:spPr>
@@ -1796,7 +2036,7 @@
           </a:prstGeom>
         </p:spPr>
         <p:txBody>
-          <a:bodyPr spcFirstLastPara="1" wrap="square" lIns="91425" tIns="91425" rIns="91425" bIns="91425" anchor="ctr" anchorCtr="0">
+          <a:bodyPr anchorCtr="0" anchor="ctr" bIns="91425" lIns="91425" spcFirstLastPara="1" rIns="91425" wrap="square" tIns="91425">
             <a:normAutofit/>
           </a:bodyPr>
           <a:lstStyle>
@@ -1838,7 +2078,7 @@
             </a:lvl9pPr>
           </a:lstStyle>
           <a:p>
-            <a:pPr marL="0" lvl="0" indent="0" algn="r" rtl="0">
+            <a:pPr indent="0" lvl="0" marL="0" rtl="0" algn="r">
               <a:spcBef>
                 <a:spcPts val="0"/>
               </a:spcBef>
@@ -1864,11 +2104,11 @@
 </file>
 
 <file path=ppt/slideLayouts/slideLayout10.xml><?xml version="1.0" encoding="utf-8"?>
-<p:sldLayout xmlns:a="http://schemas.openxmlformats.org/drawingml/2006/main" xmlns:r="http://schemas.openxmlformats.org/officeDocument/2006/relationships" xmlns:p="http://schemas.openxmlformats.org/presentationml/2006/main" matchingName="Big number">
+<p:sldLayout xmlns:a="http://schemas.openxmlformats.org/drawingml/2006/main" xmlns:r="http://schemas.openxmlformats.org/officeDocument/2006/relationships" xmlns:mc="http://schemas.openxmlformats.org/markup-compatibility/2006" xmlns:mv="urn:schemas-microsoft-com:mac:vml" xmlns:p="http://schemas.openxmlformats.org/presentationml/2006/main" xmlns:c="http://schemas.openxmlformats.org/drawingml/2006/chart" xmlns:dgm="http://schemas.openxmlformats.org/drawingml/2006/diagram" xmlns:o="urn:schemas-microsoft-com:office:office" xmlns:v="urn:schemas-microsoft-com:vml" xmlns:pvml="urn:schemas-microsoft-com:office:powerpoint" xmlns:com="http://schemas.openxmlformats.org/drawingml/2006/compatibility" xmlns:p14="http://schemas.microsoft.com/office/powerpoint/2010/main" xmlns:p15="http://schemas.microsoft.com/office/powerpoint/2012/main" xmlns:ahyp="http://schemas.microsoft.com/office/drawing/2018/hyperlinkcolor" matchingName="Big number">
   <p:cSld name="BIG_NUMBER">
     <p:spTree>
       <p:nvGrpSpPr>
-        <p:cNvPr id="1" name="Shape 46"/>
+        <p:cNvPr id="46" name="Shape 46"/>
         <p:cNvGrpSpPr/>
         <p:nvPr/>
       </p:nvGrpSpPr>
@@ -1883,11 +2123,9 @@
       <p:sp>
         <p:nvSpPr>
           <p:cNvPr id="47" name="Google Shape;47;p11"/>
-          <p:cNvSpPr txBox="1">
-            <a:spLocks noGrp="1"/>
-          </p:cNvSpPr>
+          <p:cNvSpPr txBox="1"/>
           <p:nvPr>
-            <p:ph type="title" hasCustomPrompt="1"/>
+            <p:ph hasCustomPrompt="1" type="title"/>
           </p:nvPr>
         </p:nvSpPr>
         <p:spPr>
@@ -1900,7 +2138,7 @@
           </a:prstGeom>
         </p:spPr>
         <p:txBody>
-          <a:bodyPr spcFirstLastPara="1" wrap="square" lIns="91425" tIns="91425" rIns="91425" bIns="91425" anchor="ctr" anchorCtr="0">
+          <a:bodyPr anchorCtr="0" anchor="ctr" bIns="91425" lIns="91425" spcFirstLastPara="1" rIns="91425" wrap="square" tIns="91425">
             <a:normAutofit/>
           </a:bodyPr>
           <a:lstStyle>
@@ -2077,11 +2315,9 @@
       <p:sp>
         <p:nvSpPr>
           <p:cNvPr id="48" name="Google Shape;48;p11"/>
-          <p:cNvSpPr txBox="1">
-            <a:spLocks noGrp="1"/>
-          </p:cNvSpPr>
+          <p:cNvSpPr txBox="1"/>
           <p:nvPr>
-            <p:ph type="body" idx="1"/>
+            <p:ph idx="1" type="body"/>
           </p:nvPr>
         </p:nvSpPr>
         <p:spPr>
@@ -2094,11 +2330,11 @@
           </a:prstGeom>
         </p:spPr>
         <p:txBody>
-          <a:bodyPr spcFirstLastPara="1" wrap="square" lIns="91425" tIns="91425" rIns="91425" bIns="91425" anchor="t" anchorCtr="0">
+          <a:bodyPr anchorCtr="0" anchor="t" bIns="91425" lIns="91425" spcFirstLastPara="1" rIns="91425" wrap="square" tIns="91425">
             <a:normAutofit/>
           </a:bodyPr>
           <a:lstStyle>
-            <a:lvl1pPr marL="457200" lvl="0" indent="-368300" algn="ctr">
+            <a:lvl1pPr indent="-368300" lvl="0" marL="457200" algn="ctr">
               <a:spcBef>
                 <a:spcPts val="0"/>
               </a:spcBef>
@@ -2109,7 +2345,7 @@
               <a:buChar char="●"/>
               <a:defRPr/>
             </a:lvl1pPr>
-            <a:lvl2pPr marL="914400" lvl="1" indent="-342900" algn="ctr">
+            <a:lvl2pPr indent="-342900" lvl="1" marL="914400" algn="ctr">
               <a:spcBef>
                 <a:spcPts val="0"/>
               </a:spcBef>
@@ -2120,7 +2356,7 @@
               <a:buChar char="○"/>
               <a:defRPr/>
             </a:lvl2pPr>
-            <a:lvl3pPr marL="1371600" lvl="2" indent="-336550" algn="ctr">
+            <a:lvl3pPr indent="-336550" lvl="2" marL="1371600" algn="ctr">
               <a:spcBef>
                 <a:spcPts val="0"/>
               </a:spcBef>
@@ -2131,7 +2367,7 @@
               <a:buChar char="■"/>
               <a:defRPr/>
             </a:lvl3pPr>
-            <a:lvl4pPr marL="1828800" lvl="3" indent="-330200" algn="ctr">
+            <a:lvl4pPr indent="-330200" lvl="3" marL="1828800" algn="ctr">
               <a:spcBef>
                 <a:spcPts val="0"/>
               </a:spcBef>
@@ -2142,7 +2378,7 @@
               <a:buChar char="●"/>
               <a:defRPr/>
             </a:lvl4pPr>
-            <a:lvl5pPr marL="2286000" lvl="4" indent="-323850" algn="ctr">
+            <a:lvl5pPr indent="-323850" lvl="4" marL="2286000" algn="ctr">
               <a:spcBef>
                 <a:spcPts val="0"/>
               </a:spcBef>
@@ -2153,7 +2389,7 @@
               <a:buChar char="○"/>
               <a:defRPr/>
             </a:lvl5pPr>
-            <a:lvl6pPr marL="2743200" lvl="5" indent="-317500" algn="ctr">
+            <a:lvl6pPr indent="-317500" lvl="5" marL="2743200" algn="ctr">
               <a:spcBef>
                 <a:spcPts val="0"/>
               </a:spcBef>
@@ -2164,7 +2400,7 @@
               <a:buChar char="■"/>
               <a:defRPr/>
             </a:lvl6pPr>
-            <a:lvl7pPr marL="3200400" lvl="6" indent="-311150" algn="ctr">
+            <a:lvl7pPr indent="-311150" lvl="6" marL="3200400" algn="ctr">
               <a:spcBef>
                 <a:spcPts val="0"/>
               </a:spcBef>
@@ -2175,7 +2411,7 @@
               <a:buChar char="●"/>
               <a:defRPr/>
             </a:lvl7pPr>
-            <a:lvl8pPr marL="3657600" lvl="7" indent="-304800" algn="ctr">
+            <a:lvl8pPr indent="-304800" lvl="7" marL="3657600" algn="ctr">
               <a:spcBef>
                 <a:spcPts val="0"/>
               </a:spcBef>
@@ -2186,7 +2422,7 @@
               <a:buChar char="○"/>
               <a:defRPr/>
             </a:lvl8pPr>
-            <a:lvl9pPr marL="4114800" lvl="8" indent="-298450" algn="ctr">
+            <a:lvl9pPr indent="-298450" lvl="8" marL="4114800" algn="ctr">
               <a:spcBef>
                 <a:spcPts val="0"/>
               </a:spcBef>
@@ -2198,19 +2434,15 @@
               <a:defRPr/>
             </a:lvl9pPr>
           </a:lstStyle>
-          <a:p>
-            <a:endParaRPr/>
-          </a:p>
+          <a:p/>
         </p:txBody>
       </p:sp>
       <p:sp>
         <p:nvSpPr>
           <p:cNvPr id="49" name="Google Shape;49;p11"/>
-          <p:cNvSpPr txBox="1">
-            <a:spLocks noGrp="1"/>
-          </p:cNvSpPr>
+          <p:cNvSpPr txBox="1"/>
           <p:nvPr>
-            <p:ph type="sldNum" idx="12"/>
+            <p:ph idx="12" type="sldNum"/>
           </p:nvPr>
         </p:nvSpPr>
         <p:spPr>
@@ -2223,7 +2455,7 @@
           </a:prstGeom>
         </p:spPr>
         <p:txBody>
-          <a:bodyPr spcFirstLastPara="1" wrap="square" lIns="91425" tIns="91425" rIns="91425" bIns="91425" anchor="ctr" anchorCtr="0">
+          <a:bodyPr anchorCtr="0" anchor="ctr" bIns="91425" lIns="91425" spcFirstLastPara="1" rIns="91425" wrap="square" tIns="91425">
             <a:normAutofit/>
           </a:bodyPr>
           <a:lstStyle>
@@ -2265,7 +2497,7 @@
             </a:lvl9pPr>
           </a:lstStyle>
           <a:p>
-            <a:pPr marL="0" lvl="0" indent="0" algn="r" rtl="0">
+            <a:pPr indent="0" lvl="0" marL="0" rtl="0" algn="r">
               <a:spcBef>
                 <a:spcPts val="0"/>
               </a:spcBef>
@@ -2291,11 +2523,11 @@
 </file>
 
 <file path=ppt/slideLayouts/slideLayout11.xml><?xml version="1.0" encoding="utf-8"?>
-<p:sldLayout xmlns:a="http://schemas.openxmlformats.org/drawingml/2006/main" xmlns:r="http://schemas.openxmlformats.org/officeDocument/2006/relationships" xmlns:p="http://schemas.openxmlformats.org/presentationml/2006/main" matchingName="Blank" type="blank">
+<p:sldLayout xmlns:a="http://schemas.openxmlformats.org/drawingml/2006/main" xmlns:r="http://schemas.openxmlformats.org/officeDocument/2006/relationships" xmlns:mc="http://schemas.openxmlformats.org/markup-compatibility/2006" xmlns:mv="urn:schemas-microsoft-com:mac:vml" xmlns:p="http://schemas.openxmlformats.org/presentationml/2006/main" xmlns:c="http://schemas.openxmlformats.org/drawingml/2006/chart" xmlns:dgm="http://schemas.openxmlformats.org/drawingml/2006/diagram" xmlns:o="urn:schemas-microsoft-com:office:office" xmlns:v="urn:schemas-microsoft-com:vml" xmlns:pvml="urn:schemas-microsoft-com:office:powerpoint" xmlns:com="http://schemas.openxmlformats.org/drawingml/2006/compatibility" xmlns:p14="http://schemas.microsoft.com/office/powerpoint/2010/main" xmlns:p15="http://schemas.microsoft.com/office/powerpoint/2012/main" xmlns:ahyp="http://schemas.microsoft.com/office/drawing/2018/hyperlinkcolor" matchingName="Blank" type="blank">
   <p:cSld name="BLANK">
     <p:spTree>
       <p:nvGrpSpPr>
-        <p:cNvPr id="1" name="Shape 50"/>
+        <p:cNvPr id="50" name="Shape 50"/>
         <p:cNvGrpSpPr/>
         <p:nvPr/>
       </p:nvGrpSpPr>
@@ -2310,11 +2542,9 @@
       <p:sp>
         <p:nvSpPr>
           <p:cNvPr id="51" name="Google Shape;51;p12"/>
-          <p:cNvSpPr txBox="1">
-            <a:spLocks noGrp="1"/>
-          </p:cNvSpPr>
+          <p:cNvSpPr txBox="1"/>
           <p:nvPr>
-            <p:ph type="sldNum" idx="12"/>
+            <p:ph idx="12" type="sldNum"/>
           </p:nvPr>
         </p:nvSpPr>
         <p:spPr>
@@ -2327,7 +2557,7 @@
           </a:prstGeom>
         </p:spPr>
         <p:txBody>
-          <a:bodyPr spcFirstLastPara="1" wrap="square" lIns="91425" tIns="91425" rIns="91425" bIns="91425" anchor="ctr" anchorCtr="0">
+          <a:bodyPr anchorCtr="0" anchor="ctr" bIns="91425" lIns="91425" spcFirstLastPara="1" rIns="91425" wrap="square" tIns="91425">
             <a:normAutofit/>
           </a:bodyPr>
           <a:lstStyle>
@@ -2369,7 +2599,7 @@
             </a:lvl9pPr>
           </a:lstStyle>
           <a:p>
-            <a:pPr marL="0" lvl="0" indent="0" algn="r" rtl="0">
+            <a:pPr indent="0" lvl="0" marL="0" rtl="0" algn="r">
               <a:spcBef>
                 <a:spcPts val="0"/>
               </a:spcBef>
@@ -2395,19 +2625,18 @@
 </file>
 
 <file path=ppt/slideLayouts/slideLayout2.xml><?xml version="1.0" encoding="utf-8"?>
-<p:sldLayout xmlns:a="http://schemas.openxmlformats.org/drawingml/2006/main" xmlns:r="http://schemas.openxmlformats.org/officeDocument/2006/relationships" xmlns:p="http://schemas.openxmlformats.org/presentationml/2006/main" matchingName="Section header" type="secHead">
+<p:sldLayout xmlns:a="http://schemas.openxmlformats.org/drawingml/2006/main" xmlns:r="http://schemas.openxmlformats.org/officeDocument/2006/relationships" xmlns:mc="http://schemas.openxmlformats.org/markup-compatibility/2006" xmlns:mv="urn:schemas-microsoft-com:mac:vml" xmlns:p="http://schemas.openxmlformats.org/presentationml/2006/main" xmlns:c="http://schemas.openxmlformats.org/drawingml/2006/chart" xmlns:dgm="http://schemas.openxmlformats.org/drawingml/2006/diagram" xmlns:o="urn:schemas-microsoft-com:office:office" xmlns:v="urn:schemas-microsoft-com:vml" xmlns:pvml="urn:schemas-microsoft-com:office:powerpoint" xmlns:com="http://schemas.openxmlformats.org/drawingml/2006/compatibility" xmlns:p14="http://schemas.microsoft.com/office/powerpoint/2010/main" xmlns:p15="http://schemas.microsoft.com/office/powerpoint/2012/main" xmlns:ahyp="http://schemas.microsoft.com/office/drawing/2018/hyperlinkcolor" matchingName="Section header" type="secHead">
   <p:cSld name="SECTION_HEADER">
     <p:bg>
       <p:bgPr>
         <a:solidFill>
           <a:schemeClr val="dk1"/>
         </a:solidFill>
-        <a:effectLst/>
       </p:bgPr>
     </p:bg>
     <p:spTree>
       <p:nvGrpSpPr>
-        <p:cNvPr id="1" name="Shape 14"/>
+        <p:cNvPr id="14" name="Shape 14"/>
         <p:cNvGrpSpPr/>
         <p:nvPr/>
       </p:nvGrpSpPr>
@@ -2422,9 +2651,7 @@
       <p:sp>
         <p:nvSpPr>
           <p:cNvPr id="15" name="Google Shape;15;p3"/>
-          <p:cNvSpPr txBox="1">
-            <a:spLocks noGrp="1"/>
-          </p:cNvSpPr>
+          <p:cNvSpPr txBox="1"/>
           <p:nvPr>
             <p:ph type="title"/>
           </p:nvPr>
@@ -2439,7 +2666,7 @@
           </a:prstGeom>
         </p:spPr>
         <p:txBody>
-          <a:bodyPr spcFirstLastPara="1" wrap="square" lIns="91425" tIns="91425" rIns="91425" bIns="91425" anchor="b" anchorCtr="0">
+          <a:bodyPr anchorCtr="0" anchor="b" bIns="91425" lIns="91425" spcFirstLastPara="1" rIns="91425" wrap="square" tIns="91425">
             <a:normAutofit/>
           </a:bodyPr>
           <a:lstStyle>
@@ -2606,19 +2833,15 @@
               </a:defRPr>
             </a:lvl9pPr>
           </a:lstStyle>
-          <a:p>
-            <a:endParaRPr/>
-          </a:p>
+          <a:p/>
         </p:txBody>
       </p:sp>
       <p:sp>
         <p:nvSpPr>
           <p:cNvPr id="16" name="Google Shape;16;p3"/>
-          <p:cNvSpPr txBox="1">
-            <a:spLocks noGrp="1"/>
-          </p:cNvSpPr>
+          <p:cNvSpPr txBox="1"/>
           <p:nvPr>
-            <p:ph type="sldNum" idx="12"/>
+            <p:ph idx="12" type="sldNum"/>
           </p:nvPr>
         </p:nvSpPr>
         <p:spPr>
@@ -2631,7 +2854,7 @@
           </a:prstGeom>
         </p:spPr>
         <p:txBody>
-          <a:bodyPr spcFirstLastPara="1" wrap="square" lIns="91425" tIns="91425" rIns="91425" bIns="91425" anchor="ctr" anchorCtr="0">
+          <a:bodyPr anchorCtr="0" anchor="ctr" bIns="91425" lIns="91425" spcFirstLastPara="1" rIns="91425" wrap="square" tIns="91425">
             <a:normAutofit/>
           </a:bodyPr>
           <a:lstStyle>
@@ -2709,7 +2932,7 @@
             </a:lvl9pPr>
           </a:lstStyle>
           <a:p>
-            <a:pPr marL="0" lvl="0" indent="0" algn="r" rtl="0">
+            <a:pPr indent="0" lvl="0" marL="0" rtl="0" algn="r">
               <a:spcBef>
                 <a:spcPts val="0"/>
               </a:spcBef>
@@ -2735,11 +2958,11 @@
 </file>
 
 <file path=ppt/slideLayouts/slideLayout3.xml><?xml version="1.0" encoding="utf-8"?>
-<p:sldLayout xmlns:a="http://schemas.openxmlformats.org/drawingml/2006/main" xmlns:r="http://schemas.openxmlformats.org/officeDocument/2006/relationships" xmlns:p="http://schemas.openxmlformats.org/presentationml/2006/main" matchingName="Title and body" type="tx">
+<p:sldLayout xmlns:a="http://schemas.openxmlformats.org/drawingml/2006/main" xmlns:r="http://schemas.openxmlformats.org/officeDocument/2006/relationships" xmlns:mc="http://schemas.openxmlformats.org/markup-compatibility/2006" xmlns:mv="urn:schemas-microsoft-com:mac:vml" xmlns:p="http://schemas.openxmlformats.org/presentationml/2006/main" xmlns:c="http://schemas.openxmlformats.org/drawingml/2006/chart" xmlns:dgm="http://schemas.openxmlformats.org/drawingml/2006/diagram" xmlns:o="urn:schemas-microsoft-com:office:office" xmlns:v="urn:schemas-microsoft-com:vml" xmlns:pvml="urn:schemas-microsoft-com:office:powerpoint" xmlns:com="http://schemas.openxmlformats.org/drawingml/2006/compatibility" xmlns:p14="http://schemas.microsoft.com/office/powerpoint/2010/main" xmlns:p15="http://schemas.microsoft.com/office/powerpoint/2012/main" xmlns:ahyp="http://schemas.microsoft.com/office/drawing/2018/hyperlinkcolor" matchingName="Title and body" type="tx">
   <p:cSld name="TITLE_AND_BODY">
     <p:spTree>
       <p:nvGrpSpPr>
-        <p:cNvPr id="1" name="Shape 17"/>
+        <p:cNvPr id="17" name="Shape 17"/>
         <p:cNvGrpSpPr/>
         <p:nvPr/>
       </p:nvGrpSpPr>
@@ -2754,9 +2977,7 @@
       <p:sp>
         <p:nvSpPr>
           <p:cNvPr id="18" name="Google Shape;18;p4"/>
-          <p:cNvSpPr txBox="1">
-            <a:spLocks noGrp="1"/>
-          </p:cNvSpPr>
+          <p:cNvSpPr txBox="1"/>
           <p:nvPr>
             <p:ph type="title"/>
           </p:nvPr>
@@ -2771,7 +2992,7 @@
           </a:prstGeom>
         </p:spPr>
         <p:txBody>
-          <a:bodyPr spcFirstLastPara="1" wrap="square" lIns="91425" tIns="91425" rIns="91425" bIns="91425" anchor="t" anchorCtr="0">
+          <a:bodyPr anchorCtr="0" anchor="t" bIns="91425" lIns="91425" spcFirstLastPara="1" rIns="91425" wrap="square" tIns="91425">
             <a:normAutofit/>
           </a:bodyPr>
           <a:lstStyle>
@@ -2875,19 +3096,15 @@
               <a:defRPr/>
             </a:lvl9pPr>
           </a:lstStyle>
-          <a:p>
-            <a:endParaRPr/>
-          </a:p>
+          <a:p/>
         </p:txBody>
       </p:sp>
       <p:sp>
         <p:nvSpPr>
           <p:cNvPr id="19" name="Google Shape;19;p4"/>
-          <p:cNvSpPr txBox="1">
-            <a:spLocks noGrp="1"/>
-          </p:cNvSpPr>
+          <p:cNvSpPr txBox="1"/>
           <p:nvPr>
-            <p:ph type="body" idx="1"/>
+            <p:ph idx="1" type="body"/>
           </p:nvPr>
         </p:nvSpPr>
         <p:spPr>
@@ -2900,11 +3117,11 @@
           </a:prstGeom>
         </p:spPr>
         <p:txBody>
-          <a:bodyPr spcFirstLastPara="1" wrap="square" lIns="91425" tIns="91425" rIns="91425" bIns="91425" anchor="t" anchorCtr="0">
+          <a:bodyPr anchorCtr="0" anchor="t" bIns="91425" lIns="91425" spcFirstLastPara="1" rIns="91425" wrap="square" tIns="91425">
             <a:normAutofit/>
           </a:bodyPr>
           <a:lstStyle>
-            <a:lvl1pPr marL="457200" lvl="0" indent="-368300">
+            <a:lvl1pPr indent="-368300" lvl="0" marL="457200">
               <a:spcBef>
                 <a:spcPts val="0"/>
               </a:spcBef>
@@ -2915,7 +3132,7 @@
               <a:buChar char="●"/>
               <a:defRPr/>
             </a:lvl1pPr>
-            <a:lvl2pPr marL="914400" lvl="1" indent="-342900">
+            <a:lvl2pPr indent="-342900" lvl="1" marL="914400">
               <a:spcBef>
                 <a:spcPts val="0"/>
               </a:spcBef>
@@ -2926,7 +3143,7 @@
               <a:buChar char="○"/>
               <a:defRPr/>
             </a:lvl2pPr>
-            <a:lvl3pPr marL="1371600" lvl="2" indent="-336550">
+            <a:lvl3pPr indent="-336550" lvl="2" marL="1371600">
               <a:spcBef>
                 <a:spcPts val="0"/>
               </a:spcBef>
@@ -2937,7 +3154,7 @@
               <a:buChar char="■"/>
               <a:defRPr/>
             </a:lvl3pPr>
-            <a:lvl4pPr marL="1828800" lvl="3" indent="-330200">
+            <a:lvl4pPr indent="-330200" lvl="3" marL="1828800">
               <a:spcBef>
                 <a:spcPts val="0"/>
               </a:spcBef>
@@ -2948,7 +3165,7 @@
               <a:buChar char="●"/>
               <a:defRPr/>
             </a:lvl4pPr>
-            <a:lvl5pPr marL="2286000" lvl="4" indent="-323850">
+            <a:lvl5pPr indent="-323850" lvl="4" marL="2286000">
               <a:spcBef>
                 <a:spcPts val="0"/>
               </a:spcBef>
@@ -2959,7 +3176,7 @@
               <a:buChar char="○"/>
               <a:defRPr/>
             </a:lvl5pPr>
-            <a:lvl6pPr marL="2743200" lvl="5" indent="-317500">
+            <a:lvl6pPr indent="-317500" lvl="5" marL="2743200">
               <a:spcBef>
                 <a:spcPts val="0"/>
               </a:spcBef>
@@ -2970,7 +3187,7 @@
               <a:buChar char="■"/>
               <a:defRPr/>
             </a:lvl6pPr>
-            <a:lvl7pPr marL="3200400" lvl="6" indent="-311150">
+            <a:lvl7pPr indent="-311150" lvl="6" marL="3200400">
               <a:spcBef>
                 <a:spcPts val="0"/>
               </a:spcBef>
@@ -2981,7 +3198,7 @@
               <a:buChar char="●"/>
               <a:defRPr/>
             </a:lvl7pPr>
-            <a:lvl8pPr marL="3657600" lvl="7" indent="-304800">
+            <a:lvl8pPr indent="-304800" lvl="7" marL="3657600">
               <a:spcBef>
                 <a:spcPts val="0"/>
               </a:spcBef>
@@ -2992,7 +3209,7 @@
               <a:buChar char="○"/>
               <a:defRPr/>
             </a:lvl8pPr>
-            <a:lvl9pPr marL="4114800" lvl="8" indent="-298450">
+            <a:lvl9pPr indent="-298450" lvl="8" marL="4114800">
               <a:spcBef>
                 <a:spcPts val="0"/>
               </a:spcBef>
@@ -3004,19 +3221,15 @@
               <a:defRPr/>
             </a:lvl9pPr>
           </a:lstStyle>
-          <a:p>
-            <a:endParaRPr/>
-          </a:p>
+          <a:p/>
         </p:txBody>
       </p:sp>
       <p:sp>
         <p:nvSpPr>
           <p:cNvPr id="20" name="Google Shape;20;p4"/>
-          <p:cNvSpPr txBox="1">
-            <a:spLocks noGrp="1"/>
-          </p:cNvSpPr>
+          <p:cNvSpPr txBox="1"/>
           <p:nvPr>
-            <p:ph type="sldNum" idx="12"/>
+            <p:ph idx="12" type="sldNum"/>
           </p:nvPr>
         </p:nvSpPr>
         <p:spPr>
@@ -3029,7 +3242,7 @@
           </a:prstGeom>
         </p:spPr>
         <p:txBody>
-          <a:bodyPr spcFirstLastPara="1" wrap="square" lIns="91425" tIns="91425" rIns="91425" bIns="91425" anchor="ctr" anchorCtr="0">
+          <a:bodyPr anchorCtr="0" anchor="ctr" bIns="91425" lIns="91425" spcFirstLastPara="1" rIns="91425" wrap="square" tIns="91425">
             <a:normAutofit/>
           </a:bodyPr>
           <a:lstStyle>
@@ -3071,7 +3284,7 @@
             </a:lvl9pPr>
           </a:lstStyle>
           <a:p>
-            <a:pPr marL="0" lvl="0" indent="0" algn="r" rtl="0">
+            <a:pPr indent="0" lvl="0" marL="0" rtl="0" algn="r">
               <a:spcBef>
                 <a:spcPts val="0"/>
               </a:spcBef>
@@ -3097,11 +3310,11 @@
 </file>
 
 <file path=ppt/slideLayouts/slideLayout4.xml><?xml version="1.0" encoding="utf-8"?>
-<p:sldLayout xmlns:a="http://schemas.openxmlformats.org/drawingml/2006/main" xmlns:r="http://schemas.openxmlformats.org/officeDocument/2006/relationships" xmlns:p="http://schemas.openxmlformats.org/presentationml/2006/main" matchingName="Title and two columns" type="twoColTx">
+<p:sldLayout xmlns:a="http://schemas.openxmlformats.org/drawingml/2006/main" xmlns:r="http://schemas.openxmlformats.org/officeDocument/2006/relationships" xmlns:mc="http://schemas.openxmlformats.org/markup-compatibility/2006" xmlns:mv="urn:schemas-microsoft-com:mac:vml" xmlns:p="http://schemas.openxmlformats.org/presentationml/2006/main" xmlns:c="http://schemas.openxmlformats.org/drawingml/2006/chart" xmlns:dgm="http://schemas.openxmlformats.org/drawingml/2006/diagram" xmlns:o="urn:schemas-microsoft-com:office:office" xmlns:v="urn:schemas-microsoft-com:vml" xmlns:pvml="urn:schemas-microsoft-com:office:powerpoint" xmlns:com="http://schemas.openxmlformats.org/drawingml/2006/compatibility" xmlns:p14="http://schemas.microsoft.com/office/powerpoint/2010/main" xmlns:p15="http://schemas.microsoft.com/office/powerpoint/2012/main" xmlns:ahyp="http://schemas.microsoft.com/office/drawing/2018/hyperlinkcolor" matchingName="Title and two columns" type="twoColTx">
   <p:cSld name="TITLE_AND_TWO_COLUMNS">
     <p:spTree>
       <p:nvGrpSpPr>
-        <p:cNvPr id="1" name="Shape 21"/>
+        <p:cNvPr id="21" name="Shape 21"/>
         <p:cNvGrpSpPr/>
         <p:nvPr/>
       </p:nvGrpSpPr>
@@ -3116,9 +3329,7 @@
       <p:sp>
         <p:nvSpPr>
           <p:cNvPr id="22" name="Google Shape;22;p5"/>
-          <p:cNvSpPr txBox="1">
-            <a:spLocks noGrp="1"/>
-          </p:cNvSpPr>
+          <p:cNvSpPr txBox="1"/>
           <p:nvPr>
             <p:ph type="title"/>
           </p:nvPr>
@@ -3133,7 +3344,7 @@
           </a:prstGeom>
         </p:spPr>
         <p:txBody>
-          <a:bodyPr spcFirstLastPara="1" wrap="square" lIns="91425" tIns="91425" rIns="91425" bIns="91425" anchor="t" anchorCtr="0">
+          <a:bodyPr anchorCtr="0" anchor="t" bIns="91425" lIns="91425" spcFirstLastPara="1" rIns="91425" wrap="square" tIns="91425">
             <a:normAutofit/>
           </a:bodyPr>
           <a:lstStyle>
@@ -3237,19 +3448,15 @@
               <a:defRPr/>
             </a:lvl9pPr>
           </a:lstStyle>
-          <a:p>
-            <a:endParaRPr/>
-          </a:p>
+          <a:p/>
         </p:txBody>
       </p:sp>
       <p:sp>
         <p:nvSpPr>
           <p:cNvPr id="23" name="Google Shape;23;p5"/>
-          <p:cNvSpPr txBox="1">
-            <a:spLocks noGrp="1"/>
-          </p:cNvSpPr>
+          <p:cNvSpPr txBox="1"/>
           <p:nvPr>
-            <p:ph type="body" idx="1"/>
+            <p:ph idx="1" type="body"/>
           </p:nvPr>
         </p:nvSpPr>
         <p:spPr>
@@ -3262,11 +3469,11 @@
           </a:prstGeom>
         </p:spPr>
         <p:txBody>
-          <a:bodyPr spcFirstLastPara="1" wrap="square" lIns="91425" tIns="91425" rIns="91425" bIns="91425" anchor="t" anchorCtr="0">
+          <a:bodyPr anchorCtr="0" anchor="t" bIns="91425" lIns="91425" spcFirstLastPara="1" rIns="91425" wrap="square" tIns="91425">
             <a:normAutofit/>
           </a:bodyPr>
           <a:lstStyle>
-            <a:lvl1pPr marL="457200" lvl="0" indent="-317500">
+            <a:lvl1pPr indent="-317500" lvl="0" marL="457200">
               <a:spcBef>
                 <a:spcPts val="0"/>
               </a:spcBef>
@@ -3277,7 +3484,7 @@
               <a:buChar char="●"/>
               <a:defRPr sz="1400"/>
             </a:lvl1pPr>
-            <a:lvl2pPr marL="914400" lvl="1" indent="-304800">
+            <a:lvl2pPr indent="-304800" lvl="1" marL="914400">
               <a:spcBef>
                 <a:spcPts val="0"/>
               </a:spcBef>
@@ -3288,7 +3495,7 @@
               <a:buChar char="○"/>
               <a:defRPr sz="1200"/>
             </a:lvl2pPr>
-            <a:lvl3pPr marL="1371600" lvl="2" indent="-304800">
+            <a:lvl3pPr indent="-304800" lvl="2" marL="1371600">
               <a:spcBef>
                 <a:spcPts val="0"/>
               </a:spcBef>
@@ -3299,7 +3506,7 @@
               <a:buChar char="■"/>
               <a:defRPr sz="1200"/>
             </a:lvl3pPr>
-            <a:lvl4pPr marL="1828800" lvl="3" indent="-304800">
+            <a:lvl4pPr indent="-304800" lvl="3" marL="1828800">
               <a:spcBef>
                 <a:spcPts val="0"/>
               </a:spcBef>
@@ -3310,7 +3517,7 @@
               <a:buChar char="●"/>
               <a:defRPr sz="1200"/>
             </a:lvl4pPr>
-            <a:lvl5pPr marL="2286000" lvl="4" indent="-304800">
+            <a:lvl5pPr indent="-304800" lvl="4" marL="2286000">
               <a:spcBef>
                 <a:spcPts val="0"/>
               </a:spcBef>
@@ -3321,7 +3528,7 @@
               <a:buChar char="○"/>
               <a:defRPr sz="1200"/>
             </a:lvl5pPr>
-            <a:lvl6pPr marL="2743200" lvl="5" indent="-304800">
+            <a:lvl6pPr indent="-304800" lvl="5" marL="2743200">
               <a:spcBef>
                 <a:spcPts val="0"/>
               </a:spcBef>
@@ -3332,7 +3539,7 @@
               <a:buChar char="■"/>
               <a:defRPr sz="1200"/>
             </a:lvl6pPr>
-            <a:lvl7pPr marL="3200400" lvl="6" indent="-304800">
+            <a:lvl7pPr indent="-304800" lvl="6" marL="3200400">
               <a:spcBef>
                 <a:spcPts val="0"/>
               </a:spcBef>
@@ -3343,7 +3550,7 @@
               <a:buChar char="●"/>
               <a:defRPr sz="1200"/>
             </a:lvl7pPr>
-            <a:lvl8pPr marL="3657600" lvl="7" indent="-304800">
+            <a:lvl8pPr indent="-304800" lvl="7" marL="3657600">
               <a:spcBef>
                 <a:spcPts val="0"/>
               </a:spcBef>
@@ -3354,7 +3561,7 @@
               <a:buChar char="○"/>
               <a:defRPr sz="1200"/>
             </a:lvl8pPr>
-            <a:lvl9pPr marL="4114800" lvl="8" indent="-304800">
+            <a:lvl9pPr indent="-304800" lvl="8" marL="4114800">
               <a:spcBef>
                 <a:spcPts val="0"/>
               </a:spcBef>
@@ -3366,19 +3573,15 @@
               <a:defRPr sz="1200"/>
             </a:lvl9pPr>
           </a:lstStyle>
-          <a:p>
-            <a:endParaRPr/>
-          </a:p>
+          <a:p/>
         </p:txBody>
       </p:sp>
       <p:sp>
         <p:nvSpPr>
           <p:cNvPr id="24" name="Google Shape;24;p5"/>
-          <p:cNvSpPr txBox="1">
-            <a:spLocks noGrp="1"/>
-          </p:cNvSpPr>
+          <p:cNvSpPr txBox="1"/>
           <p:nvPr>
-            <p:ph type="body" idx="2"/>
+            <p:ph idx="2" type="body"/>
           </p:nvPr>
         </p:nvSpPr>
         <p:spPr>
@@ -3391,11 +3594,11 @@
           </a:prstGeom>
         </p:spPr>
         <p:txBody>
-          <a:bodyPr spcFirstLastPara="1" wrap="square" lIns="91425" tIns="91425" rIns="91425" bIns="91425" anchor="t" anchorCtr="0">
+          <a:bodyPr anchorCtr="0" anchor="t" bIns="91425" lIns="91425" spcFirstLastPara="1" rIns="91425" wrap="square" tIns="91425">
             <a:normAutofit/>
           </a:bodyPr>
           <a:lstStyle>
-            <a:lvl1pPr marL="457200" lvl="0" indent="-317500">
+            <a:lvl1pPr indent="-317500" lvl="0" marL="457200">
               <a:spcBef>
                 <a:spcPts val="0"/>
               </a:spcBef>
@@ -3406,7 +3609,7 @@
               <a:buChar char="●"/>
               <a:defRPr sz="1400"/>
             </a:lvl1pPr>
-            <a:lvl2pPr marL="914400" lvl="1" indent="-304800">
+            <a:lvl2pPr indent="-304800" lvl="1" marL="914400">
               <a:spcBef>
                 <a:spcPts val="0"/>
               </a:spcBef>
@@ -3417,7 +3620,7 @@
               <a:buChar char="○"/>
               <a:defRPr sz="1200"/>
             </a:lvl2pPr>
-            <a:lvl3pPr marL="1371600" lvl="2" indent="-304800">
+            <a:lvl3pPr indent="-304800" lvl="2" marL="1371600">
               <a:spcBef>
                 <a:spcPts val="0"/>
               </a:spcBef>
@@ -3428,7 +3631,7 @@
               <a:buChar char="■"/>
               <a:defRPr sz="1200"/>
             </a:lvl3pPr>
-            <a:lvl4pPr marL="1828800" lvl="3" indent="-304800">
+            <a:lvl4pPr indent="-304800" lvl="3" marL="1828800">
               <a:spcBef>
                 <a:spcPts val="0"/>
               </a:spcBef>
@@ -3439,7 +3642,7 @@
               <a:buChar char="●"/>
               <a:defRPr sz="1200"/>
             </a:lvl4pPr>
-            <a:lvl5pPr marL="2286000" lvl="4" indent="-304800">
+            <a:lvl5pPr indent="-304800" lvl="4" marL="2286000">
               <a:spcBef>
                 <a:spcPts val="0"/>
               </a:spcBef>
@@ -3450,7 +3653,7 @@
               <a:buChar char="○"/>
               <a:defRPr sz="1200"/>
             </a:lvl5pPr>
-            <a:lvl6pPr marL="2743200" lvl="5" indent="-304800">
+            <a:lvl6pPr indent="-304800" lvl="5" marL="2743200">
               <a:spcBef>
                 <a:spcPts val="0"/>
               </a:spcBef>
@@ -3461,7 +3664,7 @@
               <a:buChar char="■"/>
               <a:defRPr sz="1200"/>
             </a:lvl6pPr>
-            <a:lvl7pPr marL="3200400" lvl="6" indent="-304800">
+            <a:lvl7pPr indent="-304800" lvl="6" marL="3200400">
               <a:spcBef>
                 <a:spcPts val="0"/>
               </a:spcBef>
@@ -3472,7 +3675,7 @@
               <a:buChar char="●"/>
               <a:defRPr sz="1200"/>
             </a:lvl7pPr>
-            <a:lvl8pPr marL="3657600" lvl="7" indent="-304800">
+            <a:lvl8pPr indent="-304800" lvl="7" marL="3657600">
               <a:spcBef>
                 <a:spcPts val="0"/>
               </a:spcBef>
@@ -3483,7 +3686,7 @@
               <a:buChar char="○"/>
               <a:defRPr sz="1200"/>
             </a:lvl8pPr>
-            <a:lvl9pPr marL="4114800" lvl="8" indent="-304800">
+            <a:lvl9pPr indent="-304800" lvl="8" marL="4114800">
               <a:spcBef>
                 <a:spcPts val="0"/>
               </a:spcBef>
@@ -3495,19 +3698,15 @@
               <a:defRPr sz="1200"/>
             </a:lvl9pPr>
           </a:lstStyle>
-          <a:p>
-            <a:endParaRPr/>
-          </a:p>
+          <a:p/>
         </p:txBody>
       </p:sp>
       <p:sp>
         <p:nvSpPr>
           <p:cNvPr id="25" name="Google Shape;25;p5"/>
-          <p:cNvSpPr txBox="1">
-            <a:spLocks noGrp="1"/>
-          </p:cNvSpPr>
+          <p:cNvSpPr txBox="1"/>
           <p:nvPr>
-            <p:ph type="sldNum" idx="12"/>
+            <p:ph idx="12" type="sldNum"/>
           </p:nvPr>
         </p:nvSpPr>
         <p:spPr>
@@ -3520,7 +3719,7 @@
           </a:prstGeom>
         </p:spPr>
         <p:txBody>
-          <a:bodyPr spcFirstLastPara="1" wrap="square" lIns="91425" tIns="91425" rIns="91425" bIns="91425" anchor="ctr" anchorCtr="0">
+          <a:bodyPr anchorCtr="0" anchor="ctr" bIns="91425" lIns="91425" spcFirstLastPara="1" rIns="91425" wrap="square" tIns="91425">
             <a:normAutofit/>
           </a:bodyPr>
           <a:lstStyle>
@@ -3562,7 +3761,7 @@
             </a:lvl9pPr>
           </a:lstStyle>
           <a:p>
-            <a:pPr marL="0" lvl="0" indent="0" algn="r" rtl="0">
+            <a:pPr indent="0" lvl="0" marL="0" rtl="0" algn="r">
               <a:spcBef>
                 <a:spcPts val="0"/>
               </a:spcBef>
@@ -3588,11 +3787,11 @@
 </file>
 
 <file path=ppt/slideLayouts/slideLayout5.xml><?xml version="1.0" encoding="utf-8"?>
-<p:sldLayout xmlns:a="http://schemas.openxmlformats.org/drawingml/2006/main" xmlns:r="http://schemas.openxmlformats.org/officeDocument/2006/relationships" xmlns:p="http://schemas.openxmlformats.org/presentationml/2006/main" matchingName="Title only" type="titleOnly">
+<p:sldLayout xmlns:a="http://schemas.openxmlformats.org/drawingml/2006/main" xmlns:r="http://schemas.openxmlformats.org/officeDocument/2006/relationships" xmlns:mc="http://schemas.openxmlformats.org/markup-compatibility/2006" xmlns:mv="urn:schemas-microsoft-com:mac:vml" xmlns:p="http://schemas.openxmlformats.org/presentationml/2006/main" xmlns:c="http://schemas.openxmlformats.org/drawingml/2006/chart" xmlns:dgm="http://schemas.openxmlformats.org/drawingml/2006/diagram" xmlns:o="urn:schemas-microsoft-com:office:office" xmlns:v="urn:schemas-microsoft-com:vml" xmlns:pvml="urn:schemas-microsoft-com:office:powerpoint" xmlns:com="http://schemas.openxmlformats.org/drawingml/2006/compatibility" xmlns:p14="http://schemas.microsoft.com/office/powerpoint/2010/main" xmlns:p15="http://schemas.microsoft.com/office/powerpoint/2012/main" xmlns:ahyp="http://schemas.microsoft.com/office/drawing/2018/hyperlinkcolor" matchingName="Title only" type="titleOnly">
   <p:cSld name="TITLE_ONLY">
     <p:spTree>
       <p:nvGrpSpPr>
-        <p:cNvPr id="1" name="Shape 26"/>
+        <p:cNvPr id="26" name="Shape 26"/>
         <p:cNvGrpSpPr/>
         <p:nvPr/>
       </p:nvGrpSpPr>
@@ -3607,9 +3806,7 @@
       <p:sp>
         <p:nvSpPr>
           <p:cNvPr id="27" name="Google Shape;27;p6"/>
-          <p:cNvSpPr txBox="1">
-            <a:spLocks noGrp="1"/>
-          </p:cNvSpPr>
+          <p:cNvSpPr txBox="1"/>
           <p:nvPr>
             <p:ph type="title"/>
           </p:nvPr>
@@ -3624,7 +3821,7 @@
           </a:prstGeom>
         </p:spPr>
         <p:txBody>
-          <a:bodyPr spcFirstLastPara="1" wrap="square" lIns="91425" tIns="91425" rIns="91425" bIns="91425" anchor="t" anchorCtr="0">
+          <a:bodyPr anchorCtr="0" anchor="t" bIns="91425" lIns="91425" spcFirstLastPara="1" rIns="91425" wrap="square" tIns="91425">
             <a:normAutofit/>
           </a:bodyPr>
           <a:lstStyle>
@@ -3728,19 +3925,15 @@
               <a:defRPr/>
             </a:lvl9pPr>
           </a:lstStyle>
-          <a:p>
-            <a:endParaRPr/>
-          </a:p>
+          <a:p/>
         </p:txBody>
       </p:sp>
       <p:sp>
         <p:nvSpPr>
           <p:cNvPr id="28" name="Google Shape;28;p6"/>
-          <p:cNvSpPr txBox="1">
-            <a:spLocks noGrp="1"/>
-          </p:cNvSpPr>
+          <p:cNvSpPr txBox="1"/>
           <p:nvPr>
-            <p:ph type="sldNum" idx="12"/>
+            <p:ph idx="12" type="sldNum"/>
           </p:nvPr>
         </p:nvSpPr>
         <p:spPr>
@@ -3753,7 +3946,7 @@
           </a:prstGeom>
         </p:spPr>
         <p:txBody>
-          <a:bodyPr spcFirstLastPara="1" wrap="square" lIns="91425" tIns="91425" rIns="91425" bIns="91425" anchor="ctr" anchorCtr="0">
+          <a:bodyPr anchorCtr="0" anchor="ctr" bIns="91425" lIns="91425" spcFirstLastPara="1" rIns="91425" wrap="square" tIns="91425">
             <a:normAutofit/>
           </a:bodyPr>
           <a:lstStyle>
@@ -3795,7 +3988,7 @@
             </a:lvl9pPr>
           </a:lstStyle>
           <a:p>
-            <a:pPr marL="0" lvl="0" indent="0" algn="r" rtl="0">
+            <a:pPr indent="0" lvl="0" marL="0" rtl="0" algn="r">
               <a:spcBef>
                 <a:spcPts val="0"/>
               </a:spcBef>
@@ -3821,11 +4014,11 @@
 </file>
 
 <file path=ppt/slideLayouts/slideLayout6.xml><?xml version="1.0" encoding="utf-8"?>
-<p:sldLayout xmlns:a="http://schemas.openxmlformats.org/drawingml/2006/main" xmlns:r="http://schemas.openxmlformats.org/officeDocument/2006/relationships" xmlns:p="http://schemas.openxmlformats.org/presentationml/2006/main" matchingName="One column text">
+<p:sldLayout xmlns:a="http://schemas.openxmlformats.org/drawingml/2006/main" xmlns:r="http://schemas.openxmlformats.org/officeDocument/2006/relationships" xmlns:mc="http://schemas.openxmlformats.org/markup-compatibility/2006" xmlns:mv="urn:schemas-microsoft-com:mac:vml" xmlns:p="http://schemas.openxmlformats.org/presentationml/2006/main" xmlns:c="http://schemas.openxmlformats.org/drawingml/2006/chart" xmlns:dgm="http://schemas.openxmlformats.org/drawingml/2006/diagram" xmlns:o="urn:schemas-microsoft-com:office:office" xmlns:v="urn:schemas-microsoft-com:vml" xmlns:pvml="urn:schemas-microsoft-com:office:powerpoint" xmlns:com="http://schemas.openxmlformats.org/drawingml/2006/compatibility" xmlns:p14="http://schemas.microsoft.com/office/powerpoint/2010/main" xmlns:p15="http://schemas.microsoft.com/office/powerpoint/2012/main" xmlns:ahyp="http://schemas.microsoft.com/office/drawing/2018/hyperlinkcolor" matchingName="One column text">
   <p:cSld name="ONE_COLUMN_TEXT">
     <p:spTree>
       <p:nvGrpSpPr>
-        <p:cNvPr id="1" name="Shape 29"/>
+        <p:cNvPr id="29" name="Shape 29"/>
         <p:cNvGrpSpPr/>
         <p:nvPr/>
       </p:nvGrpSpPr>
@@ -3840,9 +4033,7 @@
       <p:sp>
         <p:nvSpPr>
           <p:cNvPr id="30" name="Google Shape;30;p7"/>
-          <p:cNvSpPr txBox="1">
-            <a:spLocks noGrp="1"/>
-          </p:cNvSpPr>
+          <p:cNvSpPr txBox="1"/>
           <p:nvPr>
             <p:ph type="title"/>
           </p:nvPr>
@@ -3857,7 +4048,7 @@
           </a:prstGeom>
         </p:spPr>
         <p:txBody>
-          <a:bodyPr spcFirstLastPara="1" wrap="square" lIns="91425" tIns="91425" rIns="91425" bIns="91425" anchor="b" anchorCtr="0">
+          <a:bodyPr anchorCtr="0" anchor="b" bIns="91425" lIns="91425" spcFirstLastPara="1" rIns="91425" wrap="square" tIns="91425">
             <a:normAutofit/>
           </a:bodyPr>
           <a:lstStyle>
@@ -3961,19 +4152,15 @@
               <a:defRPr sz="2400"/>
             </a:lvl9pPr>
           </a:lstStyle>
-          <a:p>
-            <a:endParaRPr/>
-          </a:p>
+          <a:p/>
         </p:txBody>
       </p:sp>
       <p:sp>
         <p:nvSpPr>
           <p:cNvPr id="31" name="Google Shape;31;p7"/>
-          <p:cNvSpPr txBox="1">
-            <a:spLocks noGrp="1"/>
-          </p:cNvSpPr>
+          <p:cNvSpPr txBox="1"/>
           <p:nvPr>
-            <p:ph type="body" idx="1"/>
+            <p:ph idx="1" type="body"/>
           </p:nvPr>
         </p:nvSpPr>
         <p:spPr>
@@ -3986,11 +4173,11 @@
           </a:prstGeom>
         </p:spPr>
         <p:txBody>
-          <a:bodyPr spcFirstLastPara="1" wrap="square" lIns="91425" tIns="91425" rIns="91425" bIns="91425" anchor="t" anchorCtr="0">
+          <a:bodyPr anchorCtr="0" anchor="t" bIns="91425" lIns="91425" spcFirstLastPara="1" rIns="91425" wrap="square" tIns="91425">
             <a:normAutofit/>
           </a:bodyPr>
           <a:lstStyle>
-            <a:lvl1pPr marL="457200" lvl="0" indent="-304800">
+            <a:lvl1pPr indent="-304800" lvl="0" marL="457200">
               <a:spcBef>
                 <a:spcPts val="0"/>
               </a:spcBef>
@@ -4001,7 +4188,7 @@
               <a:buChar char="●"/>
               <a:defRPr sz="1200"/>
             </a:lvl1pPr>
-            <a:lvl2pPr marL="914400" lvl="1" indent="-304800">
+            <a:lvl2pPr indent="-304800" lvl="1" marL="914400">
               <a:spcBef>
                 <a:spcPts val="0"/>
               </a:spcBef>
@@ -4012,7 +4199,7 @@
               <a:buChar char="○"/>
               <a:defRPr sz="1200"/>
             </a:lvl2pPr>
-            <a:lvl3pPr marL="1371600" lvl="2" indent="-304800">
+            <a:lvl3pPr indent="-304800" lvl="2" marL="1371600">
               <a:spcBef>
                 <a:spcPts val="0"/>
               </a:spcBef>
@@ -4023,7 +4210,7 @@
               <a:buChar char="■"/>
               <a:defRPr sz="1200"/>
             </a:lvl3pPr>
-            <a:lvl4pPr marL="1828800" lvl="3" indent="-304800">
+            <a:lvl4pPr indent="-304800" lvl="3" marL="1828800">
               <a:spcBef>
                 <a:spcPts val="0"/>
               </a:spcBef>
@@ -4034,7 +4221,7 @@
               <a:buChar char="●"/>
               <a:defRPr sz="1200"/>
             </a:lvl4pPr>
-            <a:lvl5pPr marL="2286000" lvl="4" indent="-304800">
+            <a:lvl5pPr indent="-304800" lvl="4" marL="2286000">
               <a:spcBef>
                 <a:spcPts val="0"/>
               </a:spcBef>
@@ -4045,7 +4232,7 @@
               <a:buChar char="○"/>
               <a:defRPr sz="1200"/>
             </a:lvl5pPr>
-            <a:lvl6pPr marL="2743200" lvl="5" indent="-304800">
+            <a:lvl6pPr indent="-304800" lvl="5" marL="2743200">
               <a:spcBef>
                 <a:spcPts val="0"/>
               </a:spcBef>
@@ -4056,7 +4243,7 @@
               <a:buChar char="■"/>
               <a:defRPr sz="1200"/>
             </a:lvl6pPr>
-            <a:lvl7pPr marL="3200400" lvl="6" indent="-304800">
+            <a:lvl7pPr indent="-304800" lvl="6" marL="3200400">
               <a:spcBef>
                 <a:spcPts val="0"/>
               </a:spcBef>
@@ -4067,7 +4254,7 @@
               <a:buChar char="●"/>
               <a:defRPr sz="1200"/>
             </a:lvl7pPr>
-            <a:lvl8pPr marL="3657600" lvl="7" indent="-304800">
+            <a:lvl8pPr indent="-304800" lvl="7" marL="3657600">
               <a:spcBef>
                 <a:spcPts val="0"/>
               </a:spcBef>
@@ -4078,7 +4265,7 @@
               <a:buChar char="○"/>
               <a:defRPr sz="1200"/>
             </a:lvl8pPr>
-            <a:lvl9pPr marL="4114800" lvl="8" indent="-304800">
+            <a:lvl9pPr indent="-304800" lvl="8" marL="4114800">
               <a:spcBef>
                 <a:spcPts val="0"/>
               </a:spcBef>
@@ -4090,19 +4277,15 @@
               <a:defRPr sz="1200"/>
             </a:lvl9pPr>
           </a:lstStyle>
-          <a:p>
-            <a:endParaRPr/>
-          </a:p>
+          <a:p/>
         </p:txBody>
       </p:sp>
       <p:sp>
         <p:nvSpPr>
           <p:cNvPr id="32" name="Google Shape;32;p7"/>
-          <p:cNvSpPr txBox="1">
-            <a:spLocks noGrp="1"/>
-          </p:cNvSpPr>
+          <p:cNvSpPr txBox="1"/>
           <p:nvPr>
-            <p:ph type="sldNum" idx="12"/>
+            <p:ph idx="12" type="sldNum"/>
           </p:nvPr>
         </p:nvSpPr>
         <p:spPr>
@@ -4115,7 +4298,7 @@
           </a:prstGeom>
         </p:spPr>
         <p:txBody>
-          <a:bodyPr spcFirstLastPara="1" wrap="square" lIns="91425" tIns="91425" rIns="91425" bIns="91425" anchor="ctr" anchorCtr="0">
+          <a:bodyPr anchorCtr="0" anchor="ctr" bIns="91425" lIns="91425" spcFirstLastPara="1" rIns="91425" wrap="square" tIns="91425">
             <a:normAutofit/>
           </a:bodyPr>
           <a:lstStyle>
@@ -4157,7 +4340,7 @@
             </a:lvl9pPr>
           </a:lstStyle>
           <a:p>
-            <a:pPr marL="0" lvl="0" indent="0" algn="r" rtl="0">
+            <a:pPr indent="0" lvl="0" marL="0" rtl="0" algn="r">
               <a:spcBef>
                 <a:spcPts val="0"/>
               </a:spcBef>
@@ -4183,19 +4366,18 @@
 </file>
 
 <file path=ppt/slideLayouts/slideLayout7.xml><?xml version="1.0" encoding="utf-8"?>
-<p:sldLayout xmlns:a="http://schemas.openxmlformats.org/drawingml/2006/main" xmlns:r="http://schemas.openxmlformats.org/officeDocument/2006/relationships" xmlns:p="http://schemas.openxmlformats.org/presentationml/2006/main" matchingName="Main point">
+<p:sldLayout xmlns:a="http://schemas.openxmlformats.org/drawingml/2006/main" xmlns:r="http://schemas.openxmlformats.org/officeDocument/2006/relationships" xmlns:mc="http://schemas.openxmlformats.org/markup-compatibility/2006" xmlns:mv="urn:schemas-microsoft-com:mac:vml" xmlns:p="http://schemas.openxmlformats.org/presentationml/2006/main" xmlns:c="http://schemas.openxmlformats.org/drawingml/2006/chart" xmlns:dgm="http://schemas.openxmlformats.org/drawingml/2006/diagram" xmlns:o="urn:schemas-microsoft-com:office:office" xmlns:v="urn:schemas-microsoft-com:vml" xmlns:pvml="urn:schemas-microsoft-com:office:powerpoint" xmlns:com="http://schemas.openxmlformats.org/drawingml/2006/compatibility" xmlns:p14="http://schemas.microsoft.com/office/powerpoint/2010/main" xmlns:p15="http://schemas.microsoft.com/office/powerpoint/2012/main" xmlns:ahyp="http://schemas.microsoft.com/office/drawing/2018/hyperlinkcolor" matchingName="Main point">
   <p:cSld name="MAIN_POINT">
     <p:bg>
       <p:bgPr>
         <a:solidFill>
           <a:schemeClr val="accent3"/>
         </a:solidFill>
-        <a:effectLst/>
       </p:bgPr>
     </p:bg>
     <p:spTree>
       <p:nvGrpSpPr>
-        <p:cNvPr id="1" name="Shape 33"/>
+        <p:cNvPr id="33" name="Shape 33"/>
         <p:cNvGrpSpPr/>
         <p:nvPr/>
       </p:nvGrpSpPr>
@@ -4210,9 +4392,7 @@
       <p:sp>
         <p:nvSpPr>
           <p:cNvPr id="34" name="Google Shape;34;p8"/>
-          <p:cNvSpPr txBox="1">
-            <a:spLocks noGrp="1"/>
-          </p:cNvSpPr>
+          <p:cNvSpPr txBox="1"/>
           <p:nvPr>
             <p:ph type="title"/>
           </p:nvPr>
@@ -4227,7 +4407,7 @@
           </a:prstGeom>
         </p:spPr>
         <p:txBody>
-          <a:bodyPr spcFirstLastPara="1" wrap="square" lIns="91425" tIns="91425" rIns="91425" bIns="91425" anchor="ctr" anchorCtr="0">
+          <a:bodyPr anchorCtr="0" anchor="ctr" bIns="91425" lIns="91425" spcFirstLastPara="1" rIns="91425" wrap="square" tIns="91425">
             <a:normAutofit/>
           </a:bodyPr>
           <a:lstStyle>
@@ -4394,19 +4574,15 @@
               </a:defRPr>
             </a:lvl9pPr>
           </a:lstStyle>
-          <a:p>
-            <a:endParaRPr/>
-          </a:p>
+          <a:p/>
         </p:txBody>
       </p:sp>
       <p:sp>
         <p:nvSpPr>
           <p:cNvPr id="35" name="Google Shape;35;p8"/>
-          <p:cNvSpPr txBox="1">
-            <a:spLocks noGrp="1"/>
-          </p:cNvSpPr>
+          <p:cNvSpPr txBox="1"/>
           <p:nvPr>
-            <p:ph type="sldNum" idx="12"/>
+            <p:ph idx="12" type="sldNum"/>
           </p:nvPr>
         </p:nvSpPr>
         <p:spPr>
@@ -4419,7 +4595,7 @@
           </a:prstGeom>
         </p:spPr>
         <p:txBody>
-          <a:bodyPr spcFirstLastPara="1" wrap="square" lIns="91425" tIns="91425" rIns="91425" bIns="91425" anchor="ctr" anchorCtr="0">
+          <a:bodyPr anchorCtr="0" anchor="ctr" bIns="91425" lIns="91425" spcFirstLastPara="1" rIns="91425" wrap="square" tIns="91425">
             <a:normAutofit/>
           </a:bodyPr>
           <a:lstStyle>
@@ -4497,7 +4673,7 @@
             </a:lvl9pPr>
           </a:lstStyle>
           <a:p>
-            <a:pPr marL="0" lvl="0" indent="0" algn="r" rtl="0">
+            <a:pPr indent="0" lvl="0" marL="0" rtl="0" algn="r">
               <a:spcBef>
                 <a:spcPts val="0"/>
               </a:spcBef>
@@ -4523,11 +4699,11 @@
 </file>
 
 <file path=ppt/slideLayouts/slideLayout8.xml><?xml version="1.0" encoding="utf-8"?>
-<p:sldLayout xmlns:a="http://schemas.openxmlformats.org/drawingml/2006/main" xmlns:r="http://schemas.openxmlformats.org/officeDocument/2006/relationships" xmlns:p="http://schemas.openxmlformats.org/presentationml/2006/main" matchingName="Section title and description">
+<p:sldLayout xmlns:a="http://schemas.openxmlformats.org/drawingml/2006/main" xmlns:r="http://schemas.openxmlformats.org/officeDocument/2006/relationships" xmlns:mc="http://schemas.openxmlformats.org/markup-compatibility/2006" xmlns:mv="urn:schemas-microsoft-com:mac:vml" xmlns:p="http://schemas.openxmlformats.org/presentationml/2006/main" xmlns:c="http://schemas.openxmlformats.org/drawingml/2006/chart" xmlns:dgm="http://schemas.openxmlformats.org/drawingml/2006/diagram" xmlns:o="urn:schemas-microsoft-com:office:office" xmlns:v="urn:schemas-microsoft-com:vml" xmlns:pvml="urn:schemas-microsoft-com:office:powerpoint" xmlns:com="http://schemas.openxmlformats.org/drawingml/2006/compatibility" xmlns:p14="http://schemas.microsoft.com/office/powerpoint/2010/main" xmlns:p15="http://schemas.microsoft.com/office/powerpoint/2012/main" xmlns:ahyp="http://schemas.microsoft.com/office/drawing/2018/hyperlinkcolor" matchingName="Section title and description">
   <p:cSld name="SECTION_TITLE_AND_DESCRIPTION">
     <p:spTree>
       <p:nvGrpSpPr>
-        <p:cNvPr id="1" name="Shape 36"/>
+        <p:cNvPr id="36" name="Shape 36"/>
         <p:cNvGrpSpPr/>
         <p:nvPr/>
       </p:nvGrpSpPr>
@@ -4561,12 +4737,12 @@
           </a:ln>
         </p:spPr>
         <p:txBody>
-          <a:bodyPr spcFirstLastPara="1" wrap="square" lIns="91425" tIns="91425" rIns="91425" bIns="91425" anchor="ctr" anchorCtr="0">
+          <a:bodyPr anchorCtr="0" anchor="ctr" bIns="91425" lIns="91425" spcFirstLastPara="1" rIns="91425" wrap="square" tIns="91425">
             <a:noAutofit/>
           </a:bodyPr>
           <a:lstStyle/>
           <a:p>
-            <a:pPr marL="0" lvl="0" indent="0" algn="l" rtl="0">
+            <a:pPr indent="0" lvl="0" marL="0" rtl="0" algn="l">
               <a:spcBef>
                 <a:spcPts val="0"/>
               </a:spcBef>
@@ -4575,6 +4751,9 @@
               </a:spcAft>
               <a:buNone/>
             </a:pPr>
+            <a:r>
+              <a:t/>
+            </a:r>
             <a:endParaRPr/>
           </a:p>
         </p:txBody>
@@ -4594,23 +4773,21 @@
             <a:avLst/>
           </a:prstGeom>
           <a:noFill/>
-          <a:ln w="19050" cap="flat" cmpd="sng">
+          <a:ln cap="flat" cmpd="sng" w="19050">
             <a:solidFill>
               <a:schemeClr val="lt1"/>
             </a:solidFill>
             <a:prstDash val="solid"/>
             <a:round/>
-            <a:headEnd type="none" w="sm" len="sm"/>
-            <a:tailEnd type="none" w="sm" len="sm"/>
+            <a:headEnd len="sm" w="sm" type="none"/>
+            <a:tailEnd len="sm" w="sm" type="none"/>
           </a:ln>
         </p:spPr>
       </p:cxnSp>
       <p:sp>
         <p:nvSpPr>
           <p:cNvPr id="39" name="Google Shape;39;p9"/>
-          <p:cNvSpPr txBox="1">
-            <a:spLocks noGrp="1"/>
-          </p:cNvSpPr>
+          <p:cNvSpPr txBox="1"/>
           <p:nvPr>
             <p:ph type="title"/>
           </p:nvPr>
@@ -4625,7 +4802,7 @@
           </a:prstGeom>
         </p:spPr>
         <p:txBody>
-          <a:bodyPr spcFirstLastPara="1" wrap="square" lIns="91425" tIns="91425" rIns="91425" bIns="91425" anchor="b" anchorCtr="0">
+          <a:bodyPr anchorCtr="0" anchor="b" bIns="91425" lIns="91425" spcFirstLastPara="1" rIns="91425" wrap="square" tIns="91425">
             <a:normAutofit/>
           </a:bodyPr>
           <a:lstStyle>
@@ -4729,19 +4906,15 @@
               <a:defRPr sz="3800"/>
             </a:lvl9pPr>
           </a:lstStyle>
-          <a:p>
-            <a:endParaRPr/>
-          </a:p>
+          <a:p/>
         </p:txBody>
       </p:sp>
       <p:sp>
         <p:nvSpPr>
           <p:cNvPr id="40" name="Google Shape;40;p9"/>
-          <p:cNvSpPr txBox="1">
-            <a:spLocks noGrp="1"/>
-          </p:cNvSpPr>
+          <p:cNvSpPr txBox="1"/>
           <p:nvPr>
-            <p:ph type="subTitle" idx="1"/>
+            <p:ph idx="1" type="subTitle"/>
           </p:nvPr>
         </p:nvSpPr>
         <p:spPr>
@@ -4754,7 +4927,7 @@
           </a:prstGeom>
         </p:spPr>
         <p:txBody>
-          <a:bodyPr spcFirstLastPara="1" wrap="square" lIns="91425" tIns="91425" rIns="91425" bIns="91425" anchor="t" anchorCtr="0">
+          <a:bodyPr anchorCtr="0" anchor="t" bIns="91425" lIns="91425" spcFirstLastPara="1" rIns="91425" wrap="square" tIns="91425">
             <a:normAutofit/>
           </a:bodyPr>
           <a:lstStyle>
@@ -4885,19 +5058,15 @@
               <a:defRPr sz="1800"/>
             </a:lvl9pPr>
           </a:lstStyle>
-          <a:p>
-            <a:endParaRPr/>
-          </a:p>
+          <a:p/>
         </p:txBody>
       </p:sp>
       <p:sp>
         <p:nvSpPr>
           <p:cNvPr id="41" name="Google Shape;41;p9"/>
-          <p:cNvSpPr txBox="1">
-            <a:spLocks noGrp="1"/>
-          </p:cNvSpPr>
+          <p:cNvSpPr txBox="1"/>
           <p:nvPr>
-            <p:ph type="body" idx="2"/>
+            <p:ph idx="2" type="body"/>
           </p:nvPr>
         </p:nvSpPr>
         <p:spPr>
@@ -4910,11 +5079,11 @@
           </a:prstGeom>
         </p:spPr>
         <p:txBody>
-          <a:bodyPr spcFirstLastPara="1" wrap="square" lIns="91425" tIns="91425" rIns="91425" bIns="91425" anchor="ctr" anchorCtr="0">
+          <a:bodyPr anchorCtr="0" anchor="ctr" bIns="91425" lIns="91425" spcFirstLastPara="1" rIns="91425" wrap="square" tIns="91425">
             <a:normAutofit/>
           </a:bodyPr>
           <a:lstStyle>
-            <a:lvl1pPr marL="457200" lvl="0" indent="-368300">
+            <a:lvl1pPr indent="-368300" lvl="0" marL="457200">
               <a:spcBef>
                 <a:spcPts val="0"/>
               </a:spcBef>
@@ -4932,7 +5101,7 @@
                 </a:solidFill>
               </a:defRPr>
             </a:lvl1pPr>
-            <a:lvl2pPr marL="914400" lvl="1" indent="-342900">
+            <a:lvl2pPr indent="-342900" lvl="1" marL="914400">
               <a:spcBef>
                 <a:spcPts val="0"/>
               </a:spcBef>
@@ -4950,7 +5119,7 @@
                 </a:solidFill>
               </a:defRPr>
             </a:lvl2pPr>
-            <a:lvl3pPr marL="1371600" lvl="2" indent="-336550">
+            <a:lvl3pPr indent="-336550" lvl="2" marL="1371600">
               <a:spcBef>
                 <a:spcPts val="0"/>
               </a:spcBef>
@@ -4968,7 +5137,7 @@
                 </a:solidFill>
               </a:defRPr>
             </a:lvl3pPr>
-            <a:lvl4pPr marL="1828800" lvl="3" indent="-330200">
+            <a:lvl4pPr indent="-330200" lvl="3" marL="1828800">
               <a:spcBef>
                 <a:spcPts val="0"/>
               </a:spcBef>
@@ -4986,7 +5155,7 @@
                 </a:solidFill>
               </a:defRPr>
             </a:lvl4pPr>
-            <a:lvl5pPr marL="2286000" lvl="4" indent="-323850">
+            <a:lvl5pPr indent="-323850" lvl="4" marL="2286000">
               <a:spcBef>
                 <a:spcPts val="0"/>
               </a:spcBef>
@@ -5004,7 +5173,7 @@
                 </a:solidFill>
               </a:defRPr>
             </a:lvl5pPr>
-            <a:lvl6pPr marL="2743200" lvl="5" indent="-317500">
+            <a:lvl6pPr indent="-317500" lvl="5" marL="2743200">
               <a:spcBef>
                 <a:spcPts val="0"/>
               </a:spcBef>
@@ -5022,7 +5191,7 @@
                 </a:solidFill>
               </a:defRPr>
             </a:lvl6pPr>
-            <a:lvl7pPr marL="3200400" lvl="6" indent="-311150">
+            <a:lvl7pPr indent="-311150" lvl="6" marL="3200400">
               <a:spcBef>
                 <a:spcPts val="0"/>
               </a:spcBef>
@@ -5040,7 +5209,7 @@
                 </a:solidFill>
               </a:defRPr>
             </a:lvl7pPr>
-            <a:lvl8pPr marL="3657600" lvl="7" indent="-304800">
+            <a:lvl8pPr indent="-304800" lvl="7" marL="3657600">
               <a:spcBef>
                 <a:spcPts val="0"/>
               </a:spcBef>
@@ -5058,7 +5227,7 @@
                 </a:solidFill>
               </a:defRPr>
             </a:lvl8pPr>
-            <a:lvl9pPr marL="4114800" lvl="8" indent="-298450">
+            <a:lvl9pPr indent="-298450" lvl="8" marL="4114800">
               <a:spcBef>
                 <a:spcPts val="0"/>
               </a:spcBef>
@@ -5077,19 +5246,15 @@
               </a:defRPr>
             </a:lvl9pPr>
           </a:lstStyle>
-          <a:p>
-            <a:endParaRPr/>
-          </a:p>
+          <a:p/>
         </p:txBody>
       </p:sp>
       <p:sp>
         <p:nvSpPr>
           <p:cNvPr id="42" name="Google Shape;42;p9"/>
-          <p:cNvSpPr txBox="1">
-            <a:spLocks noGrp="1"/>
-          </p:cNvSpPr>
+          <p:cNvSpPr txBox="1"/>
           <p:nvPr>
-            <p:ph type="sldNum" idx="12"/>
+            <p:ph idx="12" type="sldNum"/>
           </p:nvPr>
         </p:nvSpPr>
         <p:spPr>
@@ -5102,7 +5267,7 @@
           </a:prstGeom>
         </p:spPr>
         <p:txBody>
-          <a:bodyPr spcFirstLastPara="1" wrap="square" lIns="91425" tIns="91425" rIns="91425" bIns="91425" anchor="ctr" anchorCtr="0">
+          <a:bodyPr anchorCtr="0" anchor="ctr" bIns="91425" lIns="91425" spcFirstLastPara="1" rIns="91425" wrap="square" tIns="91425">
             <a:normAutofit/>
           </a:bodyPr>
           <a:lstStyle>
@@ -5180,7 +5345,7 @@
             </a:lvl9pPr>
           </a:lstStyle>
           <a:p>
-            <a:pPr marL="0" lvl="0" indent="0" algn="r" rtl="0">
+            <a:pPr indent="0" lvl="0" marL="0" rtl="0" algn="r">
               <a:spcBef>
                 <a:spcPts val="0"/>
               </a:spcBef>
@@ -5206,11 +5371,11 @@
 </file>
 
 <file path=ppt/slideLayouts/slideLayout9.xml><?xml version="1.0" encoding="utf-8"?>
-<p:sldLayout xmlns:a="http://schemas.openxmlformats.org/drawingml/2006/main" xmlns:r="http://schemas.openxmlformats.org/officeDocument/2006/relationships" xmlns:p="http://schemas.openxmlformats.org/presentationml/2006/main" matchingName="Caption">
+<p:sldLayout xmlns:a="http://schemas.openxmlformats.org/drawingml/2006/main" xmlns:r="http://schemas.openxmlformats.org/officeDocument/2006/relationships" xmlns:mc="http://schemas.openxmlformats.org/markup-compatibility/2006" xmlns:mv="urn:schemas-microsoft-com:mac:vml" xmlns:p="http://schemas.openxmlformats.org/presentationml/2006/main" xmlns:c="http://schemas.openxmlformats.org/drawingml/2006/chart" xmlns:dgm="http://schemas.openxmlformats.org/drawingml/2006/diagram" xmlns:o="urn:schemas-microsoft-com:office:office" xmlns:v="urn:schemas-microsoft-com:vml" xmlns:pvml="urn:schemas-microsoft-com:office:powerpoint" xmlns:com="http://schemas.openxmlformats.org/drawingml/2006/compatibility" xmlns:p14="http://schemas.microsoft.com/office/powerpoint/2010/main" xmlns:p15="http://schemas.microsoft.com/office/powerpoint/2012/main" xmlns:ahyp="http://schemas.microsoft.com/office/drawing/2018/hyperlinkcolor" matchingName="Caption">
   <p:cSld name="CAPTION_ONLY">
     <p:spTree>
       <p:nvGrpSpPr>
-        <p:cNvPr id="1" name="Shape 43"/>
+        <p:cNvPr id="43" name="Shape 43"/>
         <p:cNvGrpSpPr/>
         <p:nvPr/>
       </p:nvGrpSpPr>
@@ -5225,11 +5390,9 @@
       <p:sp>
         <p:nvSpPr>
           <p:cNvPr id="44" name="Google Shape;44;p10"/>
-          <p:cNvSpPr txBox="1">
-            <a:spLocks noGrp="1"/>
-          </p:cNvSpPr>
+          <p:cNvSpPr txBox="1"/>
           <p:nvPr>
-            <p:ph type="body" idx="1"/>
+            <p:ph idx="1" type="body"/>
           </p:nvPr>
         </p:nvSpPr>
         <p:spPr>
@@ -5242,11 +5405,11 @@
           </a:prstGeom>
         </p:spPr>
         <p:txBody>
-          <a:bodyPr spcFirstLastPara="1" wrap="square" lIns="91425" tIns="91425" rIns="91425" bIns="91425" anchor="ctr" anchorCtr="0">
+          <a:bodyPr anchorCtr="0" anchor="ctr" bIns="91425" lIns="91425" spcFirstLastPara="1" rIns="91425" wrap="square" tIns="91425">
             <a:normAutofit/>
           </a:bodyPr>
           <a:lstStyle>
-            <a:lvl1pPr marL="457200" lvl="0" indent="-228600">
+            <a:lvl1pPr indent="-228600" lvl="0" marL="457200">
               <a:lnSpc>
                 <a:spcPct val="100000"/>
               </a:lnSpc>
@@ -5273,19 +5436,15 @@
               </a:defRPr>
             </a:lvl1pPr>
           </a:lstStyle>
-          <a:p>
-            <a:endParaRPr/>
-          </a:p>
+          <a:p/>
         </p:txBody>
       </p:sp>
       <p:sp>
         <p:nvSpPr>
           <p:cNvPr id="45" name="Google Shape;45;p10"/>
-          <p:cNvSpPr txBox="1">
-            <a:spLocks noGrp="1"/>
-          </p:cNvSpPr>
+          <p:cNvSpPr txBox="1"/>
           <p:nvPr>
-            <p:ph type="sldNum" idx="12"/>
+            <p:ph idx="12" type="sldNum"/>
           </p:nvPr>
         </p:nvSpPr>
         <p:spPr>
@@ -5298,7 +5457,7 @@
           </a:prstGeom>
         </p:spPr>
         <p:txBody>
-          <a:bodyPr spcFirstLastPara="1" wrap="square" lIns="91425" tIns="91425" rIns="91425" bIns="91425" anchor="ctr" anchorCtr="0">
+          <a:bodyPr anchorCtr="0" anchor="ctr" bIns="91425" lIns="91425" spcFirstLastPara="1" rIns="91425" wrap="square" tIns="91425">
             <a:normAutofit/>
           </a:bodyPr>
           <a:lstStyle>
@@ -5340,7 +5499,7 @@
             </a:lvl9pPr>
           </a:lstStyle>
           <a:p>
-            <a:pPr marL="0" lvl="0" indent="0" algn="r" rtl="0">
+            <a:pPr indent="0" lvl="0" marL="0" rtl="0" algn="r">
               <a:spcBef>
                 <a:spcPts val="0"/>
               </a:spcBef>
@@ -5366,19 +5525,18 @@
 </file>
 
 <file path=ppt/slideMasters/slideMaster1.xml><?xml version="1.0" encoding="utf-8"?>
-<p:sldMaster xmlns:a="http://schemas.openxmlformats.org/drawingml/2006/main" xmlns:r="http://schemas.openxmlformats.org/officeDocument/2006/relationships" xmlns:p="http://schemas.openxmlformats.org/presentationml/2006/main">
+<p:sldMaster xmlns:a="http://schemas.openxmlformats.org/drawingml/2006/main" xmlns:r="http://schemas.openxmlformats.org/officeDocument/2006/relationships" xmlns:mc="http://schemas.openxmlformats.org/markup-compatibility/2006" xmlns:mv="urn:schemas-microsoft-com:mac:vml" xmlns:p="http://schemas.openxmlformats.org/presentationml/2006/main" xmlns:c="http://schemas.openxmlformats.org/drawingml/2006/chart" xmlns:dgm="http://schemas.openxmlformats.org/drawingml/2006/diagram" xmlns:o="urn:schemas-microsoft-com:office:office" xmlns:v="urn:schemas-microsoft-com:vml" xmlns:pvml="urn:schemas-microsoft-com:office:powerpoint" xmlns:com="http://schemas.openxmlformats.org/drawingml/2006/compatibility" xmlns:p14="http://schemas.microsoft.com/office/powerpoint/2010/main" xmlns:p15="http://schemas.microsoft.com/office/powerpoint/2012/main" xmlns:ahyp="http://schemas.microsoft.com/office/drawing/2018/hyperlinkcolor">
   <p:cSld name="gameday">
     <p:bg>
       <p:bgPr>
         <a:solidFill>
           <a:schemeClr val="lt1"/>
         </a:solidFill>
-        <a:effectLst/>
       </p:bgPr>
     </p:bg>
     <p:spTree>
       <p:nvGrpSpPr>
-        <p:cNvPr id="1" name="Shape 5"/>
+        <p:cNvPr id="5" name="Shape 5"/>
         <p:cNvGrpSpPr/>
         <p:nvPr/>
       </p:nvGrpSpPr>
@@ -5393,9 +5551,7 @@
       <p:sp>
         <p:nvSpPr>
           <p:cNvPr id="6" name="Google Shape;6;p1"/>
-          <p:cNvSpPr txBox="1">
-            <a:spLocks noGrp="1"/>
-          </p:cNvSpPr>
+          <p:cNvSpPr txBox="1"/>
           <p:nvPr>
             <p:ph type="title"/>
           </p:nvPr>
@@ -5414,7 +5570,7 @@
           </a:ln>
         </p:spPr>
         <p:txBody>
-          <a:bodyPr spcFirstLastPara="1" wrap="square" lIns="91425" tIns="91425" rIns="91425" bIns="91425" anchor="t" anchorCtr="0">
+          <a:bodyPr anchorCtr="0" anchor="t" bIns="91425" lIns="91425" spcFirstLastPara="1" rIns="91425" wrap="square" tIns="91425">
             <a:normAutofit/>
           </a:bodyPr>
           <a:lstStyle>
@@ -5626,19 +5782,15 @@
               </a:defRPr>
             </a:lvl9pPr>
           </a:lstStyle>
-          <a:p>
-            <a:endParaRPr/>
-          </a:p>
+          <a:p/>
         </p:txBody>
       </p:sp>
       <p:sp>
         <p:nvSpPr>
           <p:cNvPr id="7" name="Google Shape;7;p1"/>
-          <p:cNvSpPr txBox="1">
-            <a:spLocks noGrp="1"/>
-          </p:cNvSpPr>
+          <p:cNvSpPr txBox="1"/>
           <p:nvPr>
-            <p:ph type="body" idx="1"/>
+            <p:ph idx="1" type="body"/>
           </p:nvPr>
         </p:nvSpPr>
         <p:spPr>
@@ -5655,11 +5807,11 @@
           </a:ln>
         </p:spPr>
         <p:txBody>
-          <a:bodyPr spcFirstLastPara="1" wrap="square" lIns="91425" tIns="91425" rIns="91425" bIns="91425" anchor="t" anchorCtr="0">
+          <a:bodyPr anchorCtr="0" anchor="t" bIns="91425" lIns="91425" spcFirstLastPara="1" rIns="91425" wrap="square" tIns="91425">
             <a:normAutofit/>
           </a:bodyPr>
           <a:lstStyle>
-            <a:lvl1pPr marL="457200" lvl="0" indent="-368300">
+            <a:lvl1pPr indent="-368300" lvl="0" marL="457200">
               <a:lnSpc>
                 <a:spcPct val="115000"/>
               </a:lnSpc>
@@ -5685,7 +5837,7 @@
                 <a:sym typeface="Proxima Nova"/>
               </a:defRPr>
             </a:lvl1pPr>
-            <a:lvl2pPr marL="914400" lvl="1" indent="-342900">
+            <a:lvl2pPr indent="-342900" lvl="1" marL="914400">
               <a:lnSpc>
                 <a:spcPct val="115000"/>
               </a:lnSpc>
@@ -5711,7 +5863,7 @@
                 <a:sym typeface="Proxima Nova"/>
               </a:defRPr>
             </a:lvl2pPr>
-            <a:lvl3pPr marL="1371600" lvl="2" indent="-336550">
+            <a:lvl3pPr indent="-336550" lvl="2" marL="1371600">
               <a:lnSpc>
                 <a:spcPct val="115000"/>
               </a:lnSpc>
@@ -5737,7 +5889,7 @@
                 <a:sym typeface="Proxima Nova"/>
               </a:defRPr>
             </a:lvl3pPr>
-            <a:lvl4pPr marL="1828800" lvl="3" indent="-330200">
+            <a:lvl4pPr indent="-330200" lvl="3" marL="1828800">
               <a:lnSpc>
                 <a:spcPct val="115000"/>
               </a:lnSpc>
@@ -5763,7 +5915,7 @@
                 <a:sym typeface="Proxima Nova"/>
               </a:defRPr>
             </a:lvl4pPr>
-            <a:lvl5pPr marL="2286000" lvl="4" indent="-323850">
+            <a:lvl5pPr indent="-323850" lvl="4" marL="2286000">
               <a:lnSpc>
                 <a:spcPct val="115000"/>
               </a:lnSpc>
@@ -5789,7 +5941,7 @@
                 <a:sym typeface="Proxima Nova"/>
               </a:defRPr>
             </a:lvl5pPr>
-            <a:lvl6pPr marL="2743200" lvl="5" indent="-317500">
+            <a:lvl6pPr indent="-317500" lvl="5" marL="2743200">
               <a:lnSpc>
                 <a:spcPct val="115000"/>
               </a:lnSpc>
@@ -5815,7 +5967,7 @@
                 <a:sym typeface="Proxima Nova"/>
               </a:defRPr>
             </a:lvl6pPr>
-            <a:lvl7pPr marL="3200400" lvl="6" indent="-311150">
+            <a:lvl7pPr indent="-311150" lvl="6" marL="3200400">
               <a:lnSpc>
                 <a:spcPct val="115000"/>
               </a:lnSpc>
@@ -5841,7 +5993,7 @@
                 <a:sym typeface="Proxima Nova"/>
               </a:defRPr>
             </a:lvl7pPr>
-            <a:lvl8pPr marL="3657600" lvl="7" indent="-304800">
+            <a:lvl8pPr indent="-304800" lvl="7" marL="3657600">
               <a:lnSpc>
                 <a:spcPct val="115000"/>
               </a:lnSpc>
@@ -5867,7 +6019,7 @@
                 <a:sym typeface="Proxima Nova"/>
               </a:defRPr>
             </a:lvl8pPr>
-            <a:lvl9pPr marL="4114800" lvl="8" indent="-298450">
+            <a:lvl9pPr indent="-298450" lvl="8" marL="4114800">
               <a:lnSpc>
                 <a:spcPct val="115000"/>
               </a:lnSpc>
@@ -5894,19 +6046,15 @@
               </a:defRPr>
             </a:lvl9pPr>
           </a:lstStyle>
-          <a:p>
-            <a:endParaRPr/>
-          </a:p>
+          <a:p/>
         </p:txBody>
       </p:sp>
       <p:sp>
         <p:nvSpPr>
           <p:cNvPr id="8" name="Google Shape;8;p1"/>
-          <p:cNvSpPr txBox="1">
-            <a:spLocks noGrp="1"/>
-          </p:cNvSpPr>
+          <p:cNvSpPr txBox="1"/>
           <p:nvPr>
-            <p:ph type="sldNum" idx="12"/>
+            <p:ph idx="12" type="sldNum"/>
           </p:nvPr>
         </p:nvSpPr>
         <p:spPr>
@@ -5923,7 +6071,7 @@
           </a:ln>
         </p:spPr>
         <p:txBody>
-          <a:bodyPr spcFirstLastPara="1" wrap="square" lIns="91425" tIns="91425" rIns="91425" bIns="91425" anchor="ctr" anchorCtr="0">
+          <a:bodyPr anchorCtr="0" anchor="ctr" bIns="91425" lIns="91425" spcFirstLastPara="1" rIns="91425" wrap="square" tIns="91425">
             <a:normAutofit/>
           </a:bodyPr>
           <a:lstStyle>
@@ -6037,7 +6185,7 @@
             </a:lvl9pPr>
           </a:lstStyle>
           <a:p>
-            <a:pPr marL="0" lvl="0" indent="0" algn="r" rtl="0">
+            <a:pPr indent="0" lvl="0" marL="0" rtl="0" algn="r">
               <a:spcBef>
                 <a:spcPts val="0"/>
               </a:spcBef>
@@ -6056,7 +6204,7 @@
       </p:sp>
     </p:spTree>
   </p:cSld>
-  <p:clrMap bg1="lt1" tx1="dk1" bg2="dk2" tx2="lt2" accent1="accent1" accent2="accent2" accent3="accent3" accent4="accent4" accent5="accent5" accent6="accent6" hlink="hlink" folHlink="folHlink"/>
+  <p:clrMap accent1="accent1" accent2="accent2" accent3="accent3" accent4="accent4" accent5="accent5" accent6="accent6" bg1="lt1" bg2="dk2" tx1="dk1" tx2="lt2" folHlink="folHlink" hlink="hlink"/>
   <p:sldLayoutIdLst>
     <p:sldLayoutId id="2147483648" r:id="rId1"/>
     <p:sldLayoutId id="2147483649" r:id="rId2"/>
@@ -6070,10 +6218,10 @@
     <p:sldLayoutId id="2147483657" r:id="rId10"/>
     <p:sldLayoutId id="2147483658" r:id="rId11"/>
   </p:sldLayoutIdLst>
-  <p:hf sldNum="0" hdr="0" ftr="0" dt="0"/>
+  <p:hf dt="0" ftr="0" hdr="0" sldNum="0"/>
   <p:txStyles>
     <p:titleStyle>
-      <a:defPPr marR="0" lvl="0" algn="l" rtl="0">
+      <a:defPPr lvl="0" marR="0" rtl="0" algn="l">
         <a:lnSpc>
           <a:spcPct val="100000"/>
         </a:lnSpc>
@@ -6084,7 +6232,7 @@
           <a:spcPts val="0"/>
         </a:spcAft>
       </a:defPPr>
-      <a:lvl1pPr marR="0" lvl="0" algn="l" rtl="0">
+      <a:lvl1pPr lvl="0" marR="0" rtl="0" algn="l">
         <a:lnSpc>
           <a:spcPct val="100000"/>
         </a:lnSpc>
@@ -6098,7 +6246,7 @@
           <a:srgbClr val="000000"/>
         </a:buClr>
         <a:buFont typeface="Arial"/>
-        <a:defRPr sz="1400" b="0" i="0" u="none" strike="noStrike" cap="none">
+        <a:defRPr b="0" i="0" sz="1400" u="none" cap="none" strike="noStrike">
           <a:solidFill>
             <a:srgbClr val="000000"/>
           </a:solidFill>
@@ -6108,7 +6256,7 @@
           <a:sym typeface="Arial"/>
         </a:defRPr>
       </a:lvl1pPr>
-      <a:lvl2pPr marR="0" lvl="1" algn="l" rtl="0">
+      <a:lvl2pPr lvl="1" marR="0" rtl="0" algn="l">
         <a:lnSpc>
           <a:spcPct val="100000"/>
         </a:lnSpc>
@@ -6122,7 +6270,7 @@
           <a:srgbClr val="000000"/>
         </a:buClr>
         <a:buFont typeface="Arial"/>
-        <a:defRPr sz="1400" b="0" i="0" u="none" strike="noStrike" cap="none">
+        <a:defRPr b="0" i="0" sz="1400" u="none" cap="none" strike="noStrike">
           <a:solidFill>
             <a:srgbClr val="000000"/>
           </a:solidFill>
@@ -6132,7 +6280,7 @@
           <a:sym typeface="Arial"/>
         </a:defRPr>
       </a:lvl2pPr>
-      <a:lvl3pPr marR="0" lvl="2" algn="l" rtl="0">
+      <a:lvl3pPr lvl="2" marR="0" rtl="0" algn="l">
         <a:lnSpc>
           <a:spcPct val="100000"/>
         </a:lnSpc>
@@ -6146,7 +6294,7 @@
           <a:srgbClr val="000000"/>
         </a:buClr>
         <a:buFont typeface="Arial"/>
-        <a:defRPr sz="1400" b="0" i="0" u="none" strike="noStrike" cap="none">
+        <a:defRPr b="0" i="0" sz="1400" u="none" cap="none" strike="noStrike">
           <a:solidFill>
             <a:srgbClr val="000000"/>
           </a:solidFill>
@@ -6156,7 +6304,7 @@
           <a:sym typeface="Arial"/>
         </a:defRPr>
       </a:lvl3pPr>
-      <a:lvl4pPr marR="0" lvl="3" algn="l" rtl="0">
+      <a:lvl4pPr lvl="3" marR="0" rtl="0" algn="l">
         <a:lnSpc>
           <a:spcPct val="100000"/>
         </a:lnSpc>
@@ -6170,7 +6318,7 @@
           <a:srgbClr val="000000"/>
         </a:buClr>
         <a:buFont typeface="Arial"/>
-        <a:defRPr sz="1400" b="0" i="0" u="none" strike="noStrike" cap="none">
+        <a:defRPr b="0" i="0" sz="1400" u="none" cap="none" strike="noStrike">
           <a:solidFill>
             <a:srgbClr val="000000"/>
           </a:solidFill>
@@ -6180,7 +6328,7 @@
           <a:sym typeface="Arial"/>
         </a:defRPr>
       </a:lvl4pPr>
-      <a:lvl5pPr marR="0" lvl="4" algn="l" rtl="0">
+      <a:lvl5pPr lvl="4" marR="0" rtl="0" algn="l">
         <a:lnSpc>
           <a:spcPct val="100000"/>
         </a:lnSpc>
@@ -6194,7 +6342,7 @@
           <a:srgbClr val="000000"/>
         </a:buClr>
         <a:buFont typeface="Arial"/>
-        <a:defRPr sz="1400" b="0" i="0" u="none" strike="noStrike" cap="none">
+        <a:defRPr b="0" i="0" sz="1400" u="none" cap="none" strike="noStrike">
           <a:solidFill>
             <a:srgbClr val="000000"/>
           </a:solidFill>
@@ -6204,7 +6352,7 @@
           <a:sym typeface="Arial"/>
         </a:defRPr>
       </a:lvl5pPr>
-      <a:lvl6pPr marR="0" lvl="5" algn="l" rtl="0">
+      <a:lvl6pPr lvl="5" marR="0" rtl="0" algn="l">
         <a:lnSpc>
           <a:spcPct val="100000"/>
         </a:lnSpc>
@@ -6218,7 +6366,7 @@
           <a:srgbClr val="000000"/>
         </a:buClr>
         <a:buFont typeface="Arial"/>
-        <a:defRPr sz="1400" b="0" i="0" u="none" strike="noStrike" cap="none">
+        <a:defRPr b="0" i="0" sz="1400" u="none" cap="none" strike="noStrike">
           <a:solidFill>
             <a:srgbClr val="000000"/>
           </a:solidFill>
@@ -6228,7 +6376,7 @@
           <a:sym typeface="Arial"/>
         </a:defRPr>
       </a:lvl6pPr>
-      <a:lvl7pPr marR="0" lvl="6" algn="l" rtl="0">
+      <a:lvl7pPr lvl="6" marR="0" rtl="0" algn="l">
         <a:lnSpc>
           <a:spcPct val="100000"/>
         </a:lnSpc>
@@ -6242,7 +6390,7 @@
           <a:srgbClr val="000000"/>
         </a:buClr>
         <a:buFont typeface="Arial"/>
-        <a:defRPr sz="1400" b="0" i="0" u="none" strike="noStrike" cap="none">
+        <a:defRPr b="0" i="0" sz="1400" u="none" cap="none" strike="noStrike">
           <a:solidFill>
             <a:srgbClr val="000000"/>
           </a:solidFill>
@@ -6252,7 +6400,7 @@
           <a:sym typeface="Arial"/>
         </a:defRPr>
       </a:lvl7pPr>
-      <a:lvl8pPr marR="0" lvl="7" algn="l" rtl="0">
+      <a:lvl8pPr lvl="7" marR="0" rtl="0" algn="l">
         <a:lnSpc>
           <a:spcPct val="100000"/>
         </a:lnSpc>
@@ -6266,7 +6414,7 @@
           <a:srgbClr val="000000"/>
         </a:buClr>
         <a:buFont typeface="Arial"/>
-        <a:defRPr sz="1400" b="0" i="0" u="none" strike="noStrike" cap="none">
+        <a:defRPr b="0" i="0" sz="1400" u="none" cap="none" strike="noStrike">
           <a:solidFill>
             <a:srgbClr val="000000"/>
           </a:solidFill>
@@ -6276,7 +6424,7 @@
           <a:sym typeface="Arial"/>
         </a:defRPr>
       </a:lvl8pPr>
-      <a:lvl9pPr marR="0" lvl="8" algn="l" rtl="0">
+      <a:lvl9pPr lvl="8" marR="0" rtl="0" algn="l">
         <a:lnSpc>
           <a:spcPct val="100000"/>
         </a:lnSpc>
@@ -6290,7 +6438,7 @@
           <a:srgbClr val="000000"/>
         </a:buClr>
         <a:buFont typeface="Arial"/>
-        <a:defRPr sz="1400" b="0" i="0" u="none" strike="noStrike" cap="none">
+        <a:defRPr b="0" i="0" sz="1400" u="none" cap="none" strike="noStrike">
           <a:solidFill>
             <a:srgbClr val="000000"/>
           </a:solidFill>
@@ -6302,7 +6450,7 @@
       </a:lvl9pPr>
     </p:titleStyle>
     <p:bodyStyle>
-      <a:defPPr marR="0" lvl="0" algn="l" rtl="0">
+      <a:defPPr lvl="0" marR="0" rtl="0" algn="l">
         <a:lnSpc>
           <a:spcPct val="100000"/>
         </a:lnSpc>
@@ -6313,7 +6461,7 @@
           <a:spcPts val="0"/>
         </a:spcAft>
       </a:defPPr>
-      <a:lvl1pPr marR="0" lvl="0" algn="l" rtl="0">
+      <a:lvl1pPr lvl="0" marR="0" rtl="0" algn="l">
         <a:lnSpc>
           <a:spcPct val="100000"/>
         </a:lnSpc>
@@ -6327,7 +6475,7 @@
           <a:srgbClr val="000000"/>
         </a:buClr>
         <a:buFont typeface="Arial"/>
-        <a:defRPr sz="1400" b="0" i="0" u="none" strike="noStrike" cap="none">
+        <a:defRPr b="0" i="0" sz="1400" u="none" cap="none" strike="noStrike">
           <a:solidFill>
             <a:srgbClr val="000000"/>
           </a:solidFill>
@@ -6337,7 +6485,7 @@
           <a:sym typeface="Arial"/>
         </a:defRPr>
       </a:lvl1pPr>
-      <a:lvl2pPr marR="0" lvl="1" algn="l" rtl="0">
+      <a:lvl2pPr lvl="1" marR="0" rtl="0" algn="l">
         <a:lnSpc>
           <a:spcPct val="100000"/>
         </a:lnSpc>
@@ -6351,7 +6499,7 @@
           <a:srgbClr val="000000"/>
         </a:buClr>
         <a:buFont typeface="Arial"/>
-        <a:defRPr sz="1400" b="0" i="0" u="none" strike="noStrike" cap="none">
+        <a:defRPr b="0" i="0" sz="1400" u="none" cap="none" strike="noStrike">
           <a:solidFill>
             <a:srgbClr val="000000"/>
           </a:solidFill>
@@ -6361,7 +6509,7 @@
           <a:sym typeface="Arial"/>
         </a:defRPr>
       </a:lvl2pPr>
-      <a:lvl3pPr marR="0" lvl="2" algn="l" rtl="0">
+      <a:lvl3pPr lvl="2" marR="0" rtl="0" algn="l">
         <a:lnSpc>
           <a:spcPct val="100000"/>
         </a:lnSpc>
@@ -6375,7 +6523,7 @@
           <a:srgbClr val="000000"/>
         </a:buClr>
         <a:buFont typeface="Arial"/>
-        <a:defRPr sz="1400" b="0" i="0" u="none" strike="noStrike" cap="none">
+        <a:defRPr b="0" i="0" sz="1400" u="none" cap="none" strike="noStrike">
           <a:solidFill>
             <a:srgbClr val="000000"/>
           </a:solidFill>
@@ -6385,7 +6533,7 @@
           <a:sym typeface="Arial"/>
         </a:defRPr>
       </a:lvl3pPr>
-      <a:lvl4pPr marR="0" lvl="3" algn="l" rtl="0">
+      <a:lvl4pPr lvl="3" marR="0" rtl="0" algn="l">
         <a:lnSpc>
           <a:spcPct val="100000"/>
         </a:lnSpc>
@@ -6399,7 +6547,7 @@
           <a:srgbClr val="000000"/>
         </a:buClr>
         <a:buFont typeface="Arial"/>
-        <a:defRPr sz="1400" b="0" i="0" u="none" strike="noStrike" cap="none">
+        <a:defRPr b="0" i="0" sz="1400" u="none" cap="none" strike="noStrike">
           <a:solidFill>
             <a:srgbClr val="000000"/>
           </a:solidFill>
@@ -6409,7 +6557,7 @@
           <a:sym typeface="Arial"/>
         </a:defRPr>
       </a:lvl4pPr>
-      <a:lvl5pPr marR="0" lvl="4" algn="l" rtl="0">
+      <a:lvl5pPr lvl="4" marR="0" rtl="0" algn="l">
         <a:lnSpc>
           <a:spcPct val="100000"/>
         </a:lnSpc>
@@ -6423,7 +6571,7 @@
           <a:srgbClr val="000000"/>
         </a:buClr>
         <a:buFont typeface="Arial"/>
-        <a:defRPr sz="1400" b="0" i="0" u="none" strike="noStrike" cap="none">
+        <a:defRPr b="0" i="0" sz="1400" u="none" cap="none" strike="noStrike">
           <a:solidFill>
             <a:srgbClr val="000000"/>
           </a:solidFill>
@@ -6433,7 +6581,7 @@
           <a:sym typeface="Arial"/>
         </a:defRPr>
       </a:lvl5pPr>
-      <a:lvl6pPr marR="0" lvl="5" algn="l" rtl="0">
+      <a:lvl6pPr lvl="5" marR="0" rtl="0" algn="l">
         <a:lnSpc>
           <a:spcPct val="100000"/>
         </a:lnSpc>
@@ -6447,7 +6595,7 @@
           <a:srgbClr val="000000"/>
         </a:buClr>
         <a:buFont typeface="Arial"/>
-        <a:defRPr sz="1400" b="0" i="0" u="none" strike="noStrike" cap="none">
+        <a:defRPr b="0" i="0" sz="1400" u="none" cap="none" strike="noStrike">
           <a:solidFill>
             <a:srgbClr val="000000"/>
           </a:solidFill>
@@ -6457,7 +6605,7 @@
           <a:sym typeface="Arial"/>
         </a:defRPr>
       </a:lvl6pPr>
-      <a:lvl7pPr marR="0" lvl="6" algn="l" rtl="0">
+      <a:lvl7pPr lvl="6" marR="0" rtl="0" algn="l">
         <a:lnSpc>
           <a:spcPct val="100000"/>
         </a:lnSpc>
@@ -6471,7 +6619,7 @@
           <a:srgbClr val="000000"/>
         </a:buClr>
         <a:buFont typeface="Arial"/>
-        <a:defRPr sz="1400" b="0" i="0" u="none" strike="noStrike" cap="none">
+        <a:defRPr b="0" i="0" sz="1400" u="none" cap="none" strike="noStrike">
           <a:solidFill>
             <a:srgbClr val="000000"/>
           </a:solidFill>
@@ -6481,7 +6629,7 @@
           <a:sym typeface="Arial"/>
         </a:defRPr>
       </a:lvl7pPr>
-      <a:lvl8pPr marR="0" lvl="7" algn="l" rtl="0">
+      <a:lvl8pPr lvl="7" marR="0" rtl="0" algn="l">
         <a:lnSpc>
           <a:spcPct val="100000"/>
         </a:lnSpc>
@@ -6495,7 +6643,7 @@
           <a:srgbClr val="000000"/>
         </a:buClr>
         <a:buFont typeface="Arial"/>
-        <a:defRPr sz="1400" b="0" i="0" u="none" strike="noStrike" cap="none">
+        <a:defRPr b="0" i="0" sz="1400" u="none" cap="none" strike="noStrike">
           <a:solidFill>
             <a:srgbClr val="000000"/>
           </a:solidFill>
@@ -6505,7 +6653,7 @@
           <a:sym typeface="Arial"/>
         </a:defRPr>
       </a:lvl8pPr>
-      <a:lvl9pPr marR="0" lvl="8" algn="l" rtl="0">
+      <a:lvl9pPr lvl="8" marR="0" rtl="0" algn="l">
         <a:lnSpc>
           <a:spcPct val="100000"/>
         </a:lnSpc>
@@ -6519,7 +6667,7 @@
           <a:srgbClr val="000000"/>
         </a:buClr>
         <a:buFont typeface="Arial"/>
-        <a:defRPr sz="1400" b="0" i="0" u="none" strike="noStrike" cap="none">
+        <a:defRPr b="0" i="0" sz="1400" u="none" cap="none" strike="noStrike">
           <a:solidFill>
             <a:srgbClr val="000000"/>
           </a:solidFill>
@@ -6531,7 +6679,7 @@
       </a:lvl9pPr>
     </p:bodyStyle>
     <p:otherStyle>
-      <a:defPPr marR="0" lvl="0" algn="l" rtl="0">
+      <a:defPPr lvl="0" marR="0" rtl="0" algn="l">
         <a:lnSpc>
           <a:spcPct val="100000"/>
         </a:lnSpc>
@@ -6542,7 +6690,7 @@
           <a:spcPts val="0"/>
         </a:spcAft>
       </a:defPPr>
-      <a:lvl1pPr marR="0" lvl="0" algn="l" rtl="0">
+      <a:lvl1pPr lvl="0" marR="0" rtl="0" algn="l">
         <a:lnSpc>
           <a:spcPct val="100000"/>
         </a:lnSpc>
@@ -6556,7 +6704,7 @@
           <a:srgbClr val="000000"/>
         </a:buClr>
         <a:buFont typeface="Arial"/>
-        <a:defRPr sz="1400" b="0" i="0" u="none" strike="noStrike" cap="none">
+        <a:defRPr b="0" i="0" sz="1400" u="none" cap="none" strike="noStrike">
           <a:solidFill>
             <a:srgbClr val="000000"/>
           </a:solidFill>
@@ -6566,7 +6714,7 @@
           <a:sym typeface="Arial"/>
         </a:defRPr>
       </a:lvl1pPr>
-      <a:lvl2pPr marR="0" lvl="1" algn="l" rtl="0">
+      <a:lvl2pPr lvl="1" marR="0" rtl="0" algn="l">
         <a:lnSpc>
           <a:spcPct val="100000"/>
         </a:lnSpc>
@@ -6580,7 +6728,7 @@
           <a:srgbClr val="000000"/>
         </a:buClr>
         <a:buFont typeface="Arial"/>
-        <a:defRPr sz="1400" b="0" i="0" u="none" strike="noStrike" cap="none">
+        <a:defRPr b="0" i="0" sz="1400" u="none" cap="none" strike="noStrike">
           <a:solidFill>
             <a:srgbClr val="000000"/>
           </a:solidFill>
@@ -6590,7 +6738,7 @@
           <a:sym typeface="Arial"/>
         </a:defRPr>
       </a:lvl2pPr>
-      <a:lvl3pPr marR="0" lvl="2" algn="l" rtl="0">
+      <a:lvl3pPr lvl="2" marR="0" rtl="0" algn="l">
         <a:lnSpc>
           <a:spcPct val="100000"/>
         </a:lnSpc>
@@ -6604,7 +6752,7 @@
           <a:srgbClr val="000000"/>
         </a:buClr>
         <a:buFont typeface="Arial"/>
-        <a:defRPr sz="1400" b="0" i="0" u="none" strike="noStrike" cap="none">
+        <a:defRPr b="0" i="0" sz="1400" u="none" cap="none" strike="noStrike">
           <a:solidFill>
             <a:srgbClr val="000000"/>
           </a:solidFill>
@@ -6614,7 +6762,7 @@
           <a:sym typeface="Arial"/>
         </a:defRPr>
       </a:lvl3pPr>
-      <a:lvl4pPr marR="0" lvl="3" algn="l" rtl="0">
+      <a:lvl4pPr lvl="3" marR="0" rtl="0" algn="l">
         <a:lnSpc>
           <a:spcPct val="100000"/>
         </a:lnSpc>
@@ -6628,7 +6776,7 @@
           <a:srgbClr val="000000"/>
         </a:buClr>
         <a:buFont typeface="Arial"/>
-        <a:defRPr sz="1400" b="0" i="0" u="none" strike="noStrike" cap="none">
+        <a:defRPr b="0" i="0" sz="1400" u="none" cap="none" strike="noStrike">
           <a:solidFill>
             <a:srgbClr val="000000"/>
           </a:solidFill>
@@ -6638,7 +6786,7 @@
           <a:sym typeface="Arial"/>
         </a:defRPr>
       </a:lvl4pPr>
-      <a:lvl5pPr marR="0" lvl="4" algn="l" rtl="0">
+      <a:lvl5pPr lvl="4" marR="0" rtl="0" algn="l">
         <a:lnSpc>
           <a:spcPct val="100000"/>
         </a:lnSpc>
@@ -6652,7 +6800,7 @@
           <a:srgbClr val="000000"/>
         </a:buClr>
         <a:buFont typeface="Arial"/>
-        <a:defRPr sz="1400" b="0" i="0" u="none" strike="noStrike" cap="none">
+        <a:defRPr b="0" i="0" sz="1400" u="none" cap="none" strike="noStrike">
           <a:solidFill>
             <a:srgbClr val="000000"/>
           </a:solidFill>
@@ -6662,7 +6810,7 @@
           <a:sym typeface="Arial"/>
         </a:defRPr>
       </a:lvl5pPr>
-      <a:lvl6pPr marR="0" lvl="5" algn="l" rtl="0">
+      <a:lvl6pPr lvl="5" marR="0" rtl="0" algn="l">
         <a:lnSpc>
           <a:spcPct val="100000"/>
         </a:lnSpc>
@@ -6676,7 +6824,7 @@
           <a:srgbClr val="000000"/>
         </a:buClr>
         <a:buFont typeface="Arial"/>
-        <a:defRPr sz="1400" b="0" i="0" u="none" strike="noStrike" cap="none">
+        <a:defRPr b="0" i="0" sz="1400" u="none" cap="none" strike="noStrike">
           <a:solidFill>
             <a:srgbClr val="000000"/>
           </a:solidFill>
@@ -6686,7 +6834,7 @@
           <a:sym typeface="Arial"/>
         </a:defRPr>
       </a:lvl6pPr>
-      <a:lvl7pPr marR="0" lvl="6" algn="l" rtl="0">
+      <a:lvl7pPr lvl="6" marR="0" rtl="0" algn="l">
         <a:lnSpc>
           <a:spcPct val="100000"/>
         </a:lnSpc>
@@ -6700,7 +6848,7 @@
           <a:srgbClr val="000000"/>
         </a:buClr>
         <a:buFont typeface="Arial"/>
-        <a:defRPr sz="1400" b="0" i="0" u="none" strike="noStrike" cap="none">
+        <a:defRPr b="0" i="0" sz="1400" u="none" cap="none" strike="noStrike">
           <a:solidFill>
             <a:srgbClr val="000000"/>
           </a:solidFill>
@@ -6710,7 +6858,7 @@
           <a:sym typeface="Arial"/>
         </a:defRPr>
       </a:lvl7pPr>
-      <a:lvl8pPr marR="0" lvl="7" algn="l" rtl="0">
+      <a:lvl8pPr lvl="7" marR="0" rtl="0" algn="l">
         <a:lnSpc>
           <a:spcPct val="100000"/>
         </a:lnSpc>
@@ -6724,7 +6872,7 @@
           <a:srgbClr val="000000"/>
         </a:buClr>
         <a:buFont typeface="Arial"/>
-        <a:defRPr sz="1400" b="0" i="0" u="none" strike="noStrike" cap="none">
+        <a:defRPr b="0" i="0" sz="1400" u="none" cap="none" strike="noStrike">
           <a:solidFill>
             <a:srgbClr val="000000"/>
           </a:solidFill>
@@ -6734,7 +6882,7 @@
           <a:sym typeface="Arial"/>
         </a:defRPr>
       </a:lvl8pPr>
-      <a:lvl9pPr marR="0" lvl="8" algn="l" rtl="0">
+      <a:lvl9pPr lvl="8" marR="0" rtl="0" algn="l">
         <a:lnSpc>
           <a:spcPct val="100000"/>
         </a:lnSpc>
@@ -6748,7 +6896,7 @@
           <a:srgbClr val="000000"/>
         </a:buClr>
         <a:buFont typeface="Arial"/>
-        <a:defRPr sz="1400" b="0" i="0" u="none" strike="noStrike" cap="none">
+        <a:defRPr b="0" i="0" sz="1400" u="none" cap="none" strike="noStrike">
           <a:solidFill>
             <a:srgbClr val="000000"/>
           </a:solidFill>
@@ -6764,19 +6912,18 @@
 </file>
 
 <file path=ppt/slides/slide1.xml><?xml version="1.0" encoding="utf-8"?>
-<p:sld xmlns:a="http://schemas.openxmlformats.org/drawingml/2006/main" xmlns:r="http://schemas.openxmlformats.org/officeDocument/2006/relationships" xmlns:p="http://schemas.openxmlformats.org/presentationml/2006/main">
+<p:sld xmlns:a="http://schemas.openxmlformats.org/drawingml/2006/main" xmlns:r="http://schemas.openxmlformats.org/officeDocument/2006/relationships" xmlns:mc="http://schemas.openxmlformats.org/markup-compatibility/2006" xmlns:mv="urn:schemas-microsoft-com:mac:vml" xmlns:p="http://schemas.openxmlformats.org/presentationml/2006/main" xmlns:c="http://schemas.openxmlformats.org/drawingml/2006/chart" xmlns:dgm="http://schemas.openxmlformats.org/drawingml/2006/diagram" xmlns:o="urn:schemas-microsoft-com:office:office" xmlns:v="urn:schemas-microsoft-com:vml" xmlns:pvml="urn:schemas-microsoft-com:office:powerpoint" xmlns:com="http://schemas.openxmlformats.org/drawingml/2006/compatibility" xmlns:p14="http://schemas.microsoft.com/office/powerpoint/2010/main" xmlns:p15="http://schemas.microsoft.com/office/powerpoint/2012/main" xmlns:ahyp="http://schemas.microsoft.com/office/drawing/2018/hyperlinkcolor">
   <p:cSld>
     <p:bg>
       <p:bgPr>
         <a:solidFill>
           <a:schemeClr val="accent3"/>
         </a:solidFill>
-        <a:effectLst/>
       </p:bgPr>
     </p:bg>
     <p:spTree>
       <p:nvGrpSpPr>
-        <p:cNvPr id="1" name="Shape 55"/>
+        <p:cNvPr id="55" name="Shape 55"/>
         <p:cNvGrpSpPr/>
         <p:nvPr/>
       </p:nvGrpSpPr>
@@ -6791,16 +6938,14 @@
       <p:sp>
         <p:nvSpPr>
           <p:cNvPr id="56" name="Google Shape;56;p13"/>
-          <p:cNvSpPr txBox="1">
-            <a:spLocks noGrp="1"/>
-          </p:cNvSpPr>
+          <p:cNvSpPr txBox="1"/>
           <p:nvPr>
             <p:ph type="ctrTitle"/>
           </p:nvPr>
         </p:nvSpPr>
         <p:spPr>
           <a:xfrm>
-            <a:off x="311700" y="427800"/>
+            <a:off x="311700" y="390125"/>
             <a:ext cx="8520600" cy="1957800"/>
           </a:xfrm>
           <a:prstGeom prst="rect">
@@ -6808,12 +6953,12 @@
           </a:prstGeom>
         </p:spPr>
         <p:txBody>
-          <a:bodyPr spcFirstLastPara="1" wrap="square" lIns="91425" tIns="91425" rIns="91425" bIns="91425" anchor="b" anchorCtr="0">
+          <a:bodyPr anchorCtr="0" anchor="b" bIns="91425" lIns="91425" spcFirstLastPara="1" rIns="91425" wrap="square" tIns="91425">
             <a:normAutofit/>
           </a:bodyPr>
           <a:lstStyle/>
           <a:p>
-            <a:pPr marL="0" lvl="0" indent="0" algn="ctr" rtl="0">
+            <a:pPr indent="0" lvl="0" marL="0" rtl="0" algn="ctr">
               <a:spcBef>
                 <a:spcPts val="0"/>
               </a:spcBef>
@@ -6841,16 +6986,14 @@
       <p:sp>
         <p:nvSpPr>
           <p:cNvPr id="57" name="Google Shape;57;p13"/>
-          <p:cNvSpPr txBox="1">
-            <a:spLocks noGrp="1"/>
-          </p:cNvSpPr>
+          <p:cNvSpPr txBox="1"/>
           <p:nvPr>
-            <p:ph type="subTitle" idx="1"/>
+            <p:ph idx="1" type="subTitle"/>
           </p:nvPr>
         </p:nvSpPr>
         <p:spPr>
           <a:xfrm>
-            <a:off x="98100" y="2783764"/>
+            <a:off x="49038" y="3016839"/>
             <a:ext cx="9045900" cy="591900"/>
           </a:xfrm>
           <a:prstGeom prst="rect">
@@ -6858,12 +7001,12 @@
           </a:prstGeom>
         </p:spPr>
         <p:txBody>
-          <a:bodyPr spcFirstLastPara="1" wrap="square" lIns="91425" tIns="91425" rIns="91425" bIns="91425" anchor="t" anchorCtr="0">
+          <a:bodyPr anchorCtr="0" anchor="t" bIns="91425" lIns="91425" spcFirstLastPara="1" rIns="91425" wrap="square" tIns="91425">
             <a:normAutofit/>
           </a:bodyPr>
           <a:lstStyle/>
           <a:p>
-            <a:pPr marL="0" lvl="0" indent="0" algn="ctr" rtl="0">
+            <a:pPr indent="0" lvl="0" marL="0" rtl="0" algn="ctr">
               <a:lnSpc>
                 <a:spcPct val="80000"/>
               </a:lnSpc>
@@ -6892,16 +7035,113 @@
           </a:p>
         </p:txBody>
       </p:sp>
+      <p:grpSp>
+        <p:nvGrpSpPr>
+          <p:cNvPr id="58" name="Google Shape;58;p13"/>
+          <p:cNvGrpSpPr/>
+          <p:nvPr/>
+        </p:nvGrpSpPr>
+        <p:grpSpPr>
+          <a:xfrm>
+            <a:off x="3009247" y="3637808"/>
+            <a:ext cx="3125507" cy="1429480"/>
+            <a:chOff x="2788975" y="3363600"/>
+            <a:chExt cx="3588000" cy="1709700"/>
+          </a:xfrm>
+        </p:grpSpPr>
+        <p:sp>
+          <p:nvSpPr>
+            <p:cNvPr id="59" name="Google Shape;59;p13"/>
+            <p:cNvSpPr/>
+            <p:nvPr/>
+          </p:nvSpPr>
+          <p:spPr>
+            <a:xfrm>
+              <a:off x="2788975" y="3363600"/>
+              <a:ext cx="3588000" cy="1709700"/>
+            </a:xfrm>
+            <a:prstGeom prst="rect">
+              <a:avLst/>
+            </a:prstGeom>
+            <a:solidFill>
+              <a:schemeClr val="dk1"/>
+            </a:solidFill>
+            <a:ln cap="flat" cmpd="sng" w="9525">
+              <a:solidFill>
+                <a:schemeClr val="dk1"/>
+              </a:solidFill>
+              <a:prstDash val="solid"/>
+              <a:round/>
+              <a:headEnd len="sm" w="sm" type="none"/>
+              <a:tailEnd len="sm" w="sm" type="none"/>
+            </a:ln>
+          </p:spPr>
+          <p:txBody>
+            <a:bodyPr anchorCtr="0" anchor="ctr" bIns="91425" lIns="91425" spcFirstLastPara="1" rIns="91425" wrap="square" tIns="91425">
+              <a:noAutofit/>
+            </a:bodyPr>
+            <a:lstStyle/>
+            <a:p>
+              <a:pPr indent="0" lvl="0" marL="0" rtl="0" algn="l">
+                <a:spcBef>
+                  <a:spcPts val="0"/>
+                </a:spcBef>
+                <a:spcAft>
+                  <a:spcPts val="0"/>
+                </a:spcAft>
+                <a:buNone/>
+              </a:pPr>
+              <a:r>
+                <a:t/>
+              </a:r>
+              <a:endParaRPr/>
+            </a:p>
+          </p:txBody>
+        </p:sp>
+        <p:pic>
+          <p:nvPicPr>
+            <p:cNvPr id="60" name="Google Shape;60;p13"/>
+            <p:cNvPicPr preferRelativeResize="0"/>
+            <p:nvPr/>
+          </p:nvPicPr>
+          <p:blipFill rotWithShape="1">
+            <a:blip r:embed="rId3">
+              <a:alphaModFix/>
+            </a:blip>
+            <a:srcRect b="0" l="0" r="4039" t="0"/>
+            <a:stretch/>
+          </p:blipFill>
+          <p:spPr>
+            <a:xfrm>
+              <a:off x="3023375" y="3558250"/>
+              <a:ext cx="3143225" cy="1340725"/>
+            </a:xfrm>
+            <a:prstGeom prst="rect">
+              <a:avLst/>
+            </a:prstGeom>
+            <a:noFill/>
+            <a:ln cap="flat" cmpd="sng" w="9525">
+              <a:solidFill>
+                <a:schemeClr val="dk1"/>
+              </a:solidFill>
+              <a:prstDash val="solid"/>
+              <a:round/>
+              <a:headEnd len="sm" w="sm" type="none"/>
+              <a:tailEnd len="sm" w="sm" type="none"/>
+            </a:ln>
+          </p:spPr>
+        </p:pic>
+      </p:grpSp>
       <p:sp>
         <p:nvSpPr>
-          <p:cNvPr id="58" name="Google Shape;58;p13"/>
+          <p:cNvPr id="61" name="Google Shape;61;p13"/>
           <p:cNvSpPr/>
           <p:nvPr/>
         </p:nvSpPr>
         <p:spPr>
           <a:xfrm>
-            <a:off x="2788975" y="3363600"/>
-            <a:ext cx="3588000" cy="1709700"/>
+            <a:off x="0" y="5073425"/>
+            <a:ext cx="9144000" cy="70200"/>
           </a:xfrm>
           <a:prstGeom prst="rect">
             <a:avLst/>
@@ -6909,23 +7149,23 @@
           <a:solidFill>
             <a:schemeClr val="dk1"/>
           </a:solidFill>
-          <a:ln w="9525" cap="flat" cmpd="sng">
+          <a:ln cap="flat" cmpd="sng" w="9525">
             <a:solidFill>
-              <a:schemeClr val="dk2"/>
+              <a:schemeClr val="dk1"/>
             </a:solidFill>
             <a:prstDash val="solid"/>
             <a:round/>
-            <a:headEnd type="none" w="sm" len="sm"/>
-            <a:tailEnd type="none" w="sm" len="sm"/>
+            <a:headEnd len="sm" w="sm" type="none"/>
+            <a:tailEnd len="sm" w="sm" type="none"/>
           </a:ln>
         </p:spPr>
         <p:txBody>
-          <a:bodyPr spcFirstLastPara="1" wrap="square" lIns="91425" tIns="91425" rIns="91425" bIns="91425" anchor="ctr" anchorCtr="0">
+          <a:bodyPr anchorCtr="0" anchor="ctr" bIns="91425" lIns="91425" spcFirstLastPara="1" rIns="91425" wrap="square" tIns="91425">
             <a:noAutofit/>
           </a:bodyPr>
           <a:lstStyle/>
           <a:p>
-            <a:pPr marL="0" lvl="0" indent="0" algn="l" rtl="0">
+            <a:pPr indent="0" lvl="0" marL="0" rtl="0" algn="l">
               <a:spcBef>
                 <a:spcPts val="0"/>
               </a:spcBef>
@@ -6934,37 +7174,13 @@
               </a:spcAft>
               <a:buNone/>
             </a:pPr>
+            <a:r>
+              <a:t/>
+            </a:r>
             <a:endParaRPr/>
           </a:p>
         </p:txBody>
       </p:sp>
-      <p:pic>
-        <p:nvPicPr>
-          <p:cNvPr id="59" name="Google Shape;59;p13"/>
-          <p:cNvPicPr preferRelativeResize="0"/>
-          <p:nvPr/>
-        </p:nvPicPr>
-        <p:blipFill rotWithShape="1">
-          <a:blip r:embed="rId3">
-            <a:alphaModFix/>
-          </a:blip>
-          <a:srcRect r="4039"/>
-          <a:stretch/>
-        </p:blipFill>
-        <p:spPr>
-          <a:xfrm>
-            <a:off x="3023375" y="3558250"/>
-            <a:ext cx="3143225" cy="1340725"/>
-          </a:xfrm>
-          <a:prstGeom prst="rect">
-            <a:avLst/>
-          </a:prstGeom>
-          <a:noFill/>
-          <a:ln>
-            <a:noFill/>
-          </a:ln>
-        </p:spPr>
-      </p:pic>
     </p:spTree>
   </p:cSld>
   <p:clrMapOvr>
@@ -6973,12 +7189,19 @@
 </p:sld>
 </file>
 
-<file path=ppt/slides/slide2.xml><?xml version="1.0" encoding="utf-8"?>
-<p:sld xmlns:a="http://schemas.openxmlformats.org/drawingml/2006/main" xmlns:r="http://schemas.openxmlformats.org/officeDocument/2006/relationships" xmlns:p="http://schemas.openxmlformats.org/presentationml/2006/main">
+<file path=ppt/slides/slide10.xml><?xml version="1.0" encoding="utf-8"?>
+<p:sld xmlns:a="http://schemas.openxmlformats.org/drawingml/2006/main" xmlns:r="http://schemas.openxmlformats.org/officeDocument/2006/relationships" xmlns:mc="http://schemas.openxmlformats.org/markup-compatibility/2006" xmlns:mv="urn:schemas-microsoft-com:mac:vml" xmlns:p="http://schemas.openxmlformats.org/presentationml/2006/main" xmlns:c="http://schemas.openxmlformats.org/drawingml/2006/chart" xmlns:dgm="http://schemas.openxmlformats.org/drawingml/2006/diagram" xmlns:o="urn:schemas-microsoft-com:office:office" xmlns:v="urn:schemas-microsoft-com:vml" xmlns:pvml="urn:schemas-microsoft-com:office:powerpoint" xmlns:com="http://schemas.openxmlformats.org/drawingml/2006/compatibility" xmlns:p14="http://schemas.microsoft.com/office/powerpoint/2010/main" xmlns:p15="http://schemas.microsoft.com/office/powerpoint/2012/main" xmlns:ahyp="http://schemas.microsoft.com/office/drawing/2018/hyperlinkcolor">
   <p:cSld>
+    <p:bg>
+      <p:bgPr>
+        <a:solidFill>
+          <a:schemeClr val="accent3"/>
+        </a:solidFill>
+      </p:bgPr>
+    </p:bg>
     <p:spTree>
       <p:nvGrpSpPr>
-        <p:cNvPr id="1" name="Shape 63"/>
+        <p:cNvPr id="135" name="Shape 135"/>
         <p:cNvGrpSpPr/>
         <p:nvPr/>
       </p:nvGrpSpPr>
@@ -6992,770 +7215,28 @@
       </p:grpSpPr>
       <p:sp>
         <p:nvSpPr>
-          <p:cNvPr id="64" name="Google Shape;64;p14"/>
-          <p:cNvSpPr txBox="1">
-            <a:spLocks noGrp="1"/>
-          </p:cNvSpPr>
+          <p:cNvPr id="136" name="Google Shape;136;p22"/>
+          <p:cNvSpPr txBox="1"/>
           <p:nvPr>
             <p:ph type="title"/>
           </p:nvPr>
         </p:nvSpPr>
         <p:spPr>
           <a:xfrm>
-            <a:off x="311700" y="445025"/>
-            <a:ext cx="8520600" cy="572700"/>
+            <a:off x="311700" y="554100"/>
+            <a:ext cx="8520600" cy="924000"/>
           </a:xfrm>
           <a:prstGeom prst="rect">
             <a:avLst/>
           </a:prstGeom>
         </p:spPr>
         <p:txBody>
-          <a:bodyPr spcFirstLastPara="1" wrap="square" lIns="91425" tIns="91425" rIns="91425" bIns="91425" anchor="t" anchorCtr="0">
-            <a:normAutofit fontScale="90000"/>
-          </a:bodyPr>
-          <a:lstStyle/>
-          <a:p>
-            <a:pPr marL="0" lvl="0" indent="0" algn="l" rtl="0">
-              <a:spcBef>
-                <a:spcPts val="0"/>
-              </a:spcBef>
-              <a:spcAft>
-                <a:spcPts val="0"/>
-              </a:spcAft>
-              <a:buNone/>
-            </a:pPr>
-            <a:r>
-              <a:rPr lang="en"/>
-              <a:t>Overview</a:t>
-            </a:r>
-            <a:endParaRPr/>
-          </a:p>
-        </p:txBody>
-      </p:sp>
-      <p:sp>
-        <p:nvSpPr>
-          <p:cNvPr id="65" name="Google Shape;65;p14"/>
-          <p:cNvSpPr txBox="1">
-            <a:spLocks noGrp="1"/>
-          </p:cNvSpPr>
-          <p:nvPr>
-            <p:ph type="body" idx="1"/>
-          </p:nvPr>
-        </p:nvSpPr>
-        <p:spPr>
-          <a:xfrm>
-            <a:off x="311700" y="1152475"/>
-            <a:ext cx="5974800" cy="3416400"/>
-          </a:xfrm>
-          <a:prstGeom prst="rect">
-            <a:avLst/>
-          </a:prstGeom>
-        </p:spPr>
-        <p:txBody>
-          <a:bodyPr spcFirstLastPara="1" wrap="square" lIns="91425" tIns="91425" rIns="91425" bIns="91425" anchor="t" anchorCtr="0">
-            <a:normAutofit/>
-          </a:bodyPr>
-          <a:lstStyle/>
-          <a:p>
-            <a:pPr marL="457200" lvl="0" indent="-368300" algn="l" rtl="0">
-              <a:spcBef>
-                <a:spcPts val="0"/>
-              </a:spcBef>
-              <a:spcAft>
-                <a:spcPts val="0"/>
-              </a:spcAft>
-              <a:buSzPts val="2200"/>
-              <a:buChar char="●"/>
-            </a:pPr>
-            <a:r>
-              <a:rPr lang="en"/>
-              <a:t>Project Introduction</a:t>
-            </a:r>
-            <a:endParaRPr/>
-          </a:p>
-          <a:p>
-            <a:pPr marL="457200" lvl="0" indent="-368300" algn="l" rtl="0">
-              <a:spcBef>
-                <a:spcPts val="0"/>
-              </a:spcBef>
-              <a:spcAft>
-                <a:spcPts val="0"/>
-              </a:spcAft>
-              <a:buSzPts val="2200"/>
-              <a:buChar char="●"/>
-            </a:pPr>
-            <a:r>
-              <a:rPr lang="en"/>
-              <a:t>Most Appealing Features</a:t>
-            </a:r>
-            <a:endParaRPr/>
-          </a:p>
-          <a:p>
-            <a:pPr marL="457200" lvl="0" indent="-368300" algn="l" rtl="0">
-              <a:spcBef>
-                <a:spcPts val="0"/>
-              </a:spcBef>
-              <a:spcAft>
-                <a:spcPts val="0"/>
-              </a:spcAft>
-              <a:buSzPts val="2200"/>
-              <a:buChar char="●"/>
-            </a:pPr>
-            <a:r>
-              <a:rPr lang="en"/>
-              <a:t>Major Challenges and their Solutions</a:t>
-            </a:r>
-            <a:endParaRPr/>
-          </a:p>
-          <a:p>
-            <a:pPr marL="457200" lvl="0" indent="-368300" algn="l" rtl="0">
-              <a:spcBef>
-                <a:spcPts val="0"/>
-              </a:spcBef>
-              <a:spcAft>
-                <a:spcPts val="0"/>
-              </a:spcAft>
-              <a:buSzPts val="2200"/>
-              <a:buChar char="●"/>
-            </a:pPr>
-            <a:r>
-              <a:rPr lang="en"/>
-              <a:t>Lessons Learned/ Summary</a:t>
-            </a:r>
-            <a:endParaRPr/>
-          </a:p>
-          <a:p>
-            <a:pPr marL="914400" lvl="0" indent="0" algn="l" rtl="0">
-              <a:spcBef>
-                <a:spcPts val="1200"/>
-              </a:spcBef>
-              <a:spcAft>
-                <a:spcPts val="1200"/>
-              </a:spcAft>
-              <a:buNone/>
-            </a:pPr>
-            <a:endParaRPr/>
-          </a:p>
-        </p:txBody>
-      </p:sp>
-      <p:pic>
-        <p:nvPicPr>
-          <p:cNvPr id="66" name="Google Shape;66;p14"/>
-          <p:cNvPicPr preferRelativeResize="0"/>
-          <p:nvPr/>
-        </p:nvPicPr>
-        <p:blipFill rotWithShape="1">
-          <a:blip r:embed="rId3">
-            <a:alphaModFix/>
-          </a:blip>
-          <a:srcRect r="4039"/>
-          <a:stretch/>
-        </p:blipFill>
-        <p:spPr>
-          <a:xfrm>
-            <a:off x="6995850" y="0"/>
-            <a:ext cx="2148151" cy="916275"/>
-          </a:xfrm>
-          <a:prstGeom prst="rect">
-            <a:avLst/>
-          </a:prstGeom>
-          <a:noFill/>
-          <a:ln>
-            <a:noFill/>
-          </a:ln>
-        </p:spPr>
-      </p:pic>
-    </p:spTree>
-  </p:cSld>
-  <p:clrMapOvr>
-    <a:masterClrMapping/>
-  </p:clrMapOvr>
-</p:sld>
-</file>
-
-<file path=ppt/slides/slide3.xml><?xml version="1.0" encoding="utf-8"?>
-<p:sld xmlns:a="http://schemas.openxmlformats.org/drawingml/2006/main" xmlns:r="http://schemas.openxmlformats.org/officeDocument/2006/relationships" xmlns:p="http://schemas.openxmlformats.org/presentationml/2006/main">
-  <p:cSld>
-    <p:spTree>
-      <p:nvGrpSpPr>
-        <p:cNvPr id="1" name="Shape 70"/>
-        <p:cNvGrpSpPr/>
-        <p:nvPr/>
-      </p:nvGrpSpPr>
-      <p:grpSpPr>
-        <a:xfrm>
-          <a:off x="0" y="0"/>
-          <a:ext cx="0" cy="0"/>
-          <a:chOff x="0" y="0"/>
-          <a:chExt cx="0" cy="0"/>
-        </a:xfrm>
-      </p:grpSpPr>
-      <p:sp>
-        <p:nvSpPr>
-          <p:cNvPr id="71" name="Google Shape;71;p15"/>
-          <p:cNvSpPr txBox="1">
-            <a:spLocks noGrp="1"/>
-          </p:cNvSpPr>
-          <p:nvPr>
-            <p:ph type="title"/>
-          </p:nvPr>
-        </p:nvSpPr>
-        <p:spPr>
-          <a:xfrm>
-            <a:off x="311700" y="445025"/>
-            <a:ext cx="8520600" cy="572700"/>
-          </a:xfrm>
-          <a:prstGeom prst="rect">
-            <a:avLst/>
-          </a:prstGeom>
-        </p:spPr>
-        <p:txBody>
-          <a:bodyPr spcFirstLastPara="1" wrap="square" lIns="91425" tIns="91425" rIns="91425" bIns="91425" anchor="t" anchorCtr="0">
-            <a:normAutofit fontScale="90000"/>
-          </a:bodyPr>
-          <a:lstStyle/>
-          <a:p>
-            <a:pPr marL="0" lvl="0" indent="0" algn="l" rtl="0">
-              <a:spcBef>
-                <a:spcPts val="0"/>
-              </a:spcBef>
-              <a:spcAft>
-                <a:spcPts val="0"/>
-              </a:spcAft>
-              <a:buNone/>
-            </a:pPr>
-            <a:r>
-              <a:rPr lang="en"/>
-              <a:t>Project Introduction</a:t>
-            </a:r>
-            <a:endParaRPr/>
-          </a:p>
-        </p:txBody>
-      </p:sp>
-      <p:sp>
-        <p:nvSpPr>
-          <p:cNvPr id="72" name="Google Shape;72;p15"/>
-          <p:cNvSpPr txBox="1">
-            <a:spLocks noGrp="1"/>
-          </p:cNvSpPr>
-          <p:nvPr>
-            <p:ph type="body" idx="1"/>
-          </p:nvPr>
-        </p:nvSpPr>
-        <p:spPr>
-          <a:xfrm>
-            <a:off x="311700" y="1152475"/>
-            <a:ext cx="8520600" cy="3416400"/>
-          </a:xfrm>
-          <a:prstGeom prst="rect">
-            <a:avLst/>
-          </a:prstGeom>
-        </p:spPr>
-        <p:txBody>
-          <a:bodyPr spcFirstLastPara="1" wrap="square" lIns="91425" tIns="91425" rIns="91425" bIns="91425" anchor="t" anchorCtr="0">
-            <a:normAutofit/>
-          </a:bodyPr>
-          <a:lstStyle/>
-          <a:p>
-            <a:pPr marL="0" lvl="0" indent="0" algn="l" rtl="0">
-              <a:spcBef>
-                <a:spcPts val="0"/>
-              </a:spcBef>
-              <a:spcAft>
-                <a:spcPts val="1200"/>
-              </a:spcAft>
-              <a:buNone/>
-            </a:pPr>
-            <a:endParaRPr/>
-          </a:p>
-        </p:txBody>
-      </p:sp>
-      <p:pic>
-        <p:nvPicPr>
-          <p:cNvPr id="73" name="Google Shape;73;p15"/>
-          <p:cNvPicPr preferRelativeResize="0"/>
-          <p:nvPr/>
-        </p:nvPicPr>
-        <p:blipFill rotWithShape="1">
-          <a:blip r:embed="rId3">
-            <a:alphaModFix/>
-          </a:blip>
-          <a:srcRect r="4039"/>
-          <a:stretch/>
-        </p:blipFill>
-        <p:spPr>
-          <a:xfrm>
-            <a:off x="6995850" y="0"/>
-            <a:ext cx="2148151" cy="916275"/>
-          </a:xfrm>
-          <a:prstGeom prst="rect">
-            <a:avLst/>
-          </a:prstGeom>
-          <a:noFill/>
-          <a:ln>
-            <a:noFill/>
-          </a:ln>
-        </p:spPr>
-      </p:pic>
-    </p:spTree>
-  </p:cSld>
-  <p:clrMapOvr>
-    <a:masterClrMapping/>
-  </p:clrMapOvr>
-</p:sld>
-</file>
-
-<file path=ppt/slides/slide4.xml><?xml version="1.0" encoding="utf-8"?>
-<p:sld xmlns:a="http://schemas.openxmlformats.org/drawingml/2006/main" xmlns:r="http://schemas.openxmlformats.org/officeDocument/2006/relationships" xmlns:p="http://schemas.openxmlformats.org/presentationml/2006/main">
-  <p:cSld>
-    <p:spTree>
-      <p:nvGrpSpPr>
-        <p:cNvPr id="1" name="Shape 77"/>
-        <p:cNvGrpSpPr/>
-        <p:nvPr/>
-      </p:nvGrpSpPr>
-      <p:grpSpPr>
-        <a:xfrm>
-          <a:off x="0" y="0"/>
-          <a:ext cx="0" cy="0"/>
-          <a:chOff x="0" y="0"/>
-          <a:chExt cx="0" cy="0"/>
-        </a:xfrm>
-      </p:grpSpPr>
-      <p:sp>
-        <p:nvSpPr>
-          <p:cNvPr id="78" name="Google Shape;78;p16"/>
-          <p:cNvSpPr txBox="1">
-            <a:spLocks noGrp="1"/>
-          </p:cNvSpPr>
-          <p:nvPr>
-            <p:ph type="title"/>
-          </p:nvPr>
-        </p:nvSpPr>
-        <p:spPr>
-          <a:xfrm>
-            <a:off x="311700" y="445025"/>
-            <a:ext cx="8520600" cy="572700"/>
-          </a:xfrm>
-          <a:prstGeom prst="rect">
-            <a:avLst/>
-          </a:prstGeom>
-        </p:spPr>
-        <p:txBody>
-          <a:bodyPr spcFirstLastPara="1" wrap="square" lIns="91425" tIns="91425" rIns="91425" bIns="91425" anchor="t" anchorCtr="0">
-            <a:normAutofit fontScale="90000"/>
-          </a:bodyPr>
-          <a:lstStyle/>
-          <a:p>
-            <a:pPr marL="0" lvl="0" indent="0" algn="l" rtl="0">
-              <a:spcBef>
-                <a:spcPts val="0"/>
-              </a:spcBef>
-              <a:spcAft>
-                <a:spcPts val="0"/>
-              </a:spcAft>
-              <a:buNone/>
-            </a:pPr>
-            <a:r>
-              <a:rPr lang="en"/>
-              <a:t>Most Appealing Features</a:t>
-            </a:r>
-            <a:endParaRPr/>
-          </a:p>
-        </p:txBody>
-      </p:sp>
-      <p:sp>
-        <p:nvSpPr>
-          <p:cNvPr id="79" name="Google Shape;79;p16"/>
-          <p:cNvSpPr txBox="1">
-            <a:spLocks noGrp="1"/>
-          </p:cNvSpPr>
-          <p:nvPr>
-            <p:ph type="body" idx="1"/>
-          </p:nvPr>
-        </p:nvSpPr>
-        <p:spPr>
-          <a:xfrm>
-            <a:off x="311700" y="1152475"/>
-            <a:ext cx="8520600" cy="3416400"/>
-          </a:xfrm>
-          <a:prstGeom prst="rect">
-            <a:avLst/>
-          </a:prstGeom>
-        </p:spPr>
-        <p:txBody>
-          <a:bodyPr spcFirstLastPara="1" wrap="square" lIns="91425" tIns="91425" rIns="91425" bIns="91425" anchor="t" anchorCtr="0">
-            <a:normAutofit/>
-          </a:bodyPr>
-          <a:lstStyle/>
-          <a:p>
-            <a:pPr marL="0" lvl="0" indent="0" algn="l" rtl="0">
-              <a:spcBef>
-                <a:spcPts val="0"/>
-              </a:spcBef>
-              <a:spcAft>
-                <a:spcPts val="1200"/>
-              </a:spcAft>
-              <a:buNone/>
-            </a:pPr>
-            <a:r>
-              <a:rPr lang="en"/>
-              <a:t>(images of UI?)</a:t>
-            </a:r>
-            <a:endParaRPr/>
-          </a:p>
-        </p:txBody>
-      </p:sp>
-      <p:pic>
-        <p:nvPicPr>
-          <p:cNvPr id="80" name="Google Shape;80;p16"/>
-          <p:cNvPicPr preferRelativeResize="0"/>
-          <p:nvPr/>
-        </p:nvPicPr>
-        <p:blipFill rotWithShape="1">
-          <a:blip r:embed="rId3">
-            <a:alphaModFix/>
-          </a:blip>
-          <a:srcRect r="4039"/>
-          <a:stretch/>
-        </p:blipFill>
-        <p:spPr>
-          <a:xfrm>
-            <a:off x="6995850" y="0"/>
-            <a:ext cx="2148151" cy="916275"/>
-          </a:xfrm>
-          <a:prstGeom prst="rect">
-            <a:avLst/>
-          </a:prstGeom>
-          <a:noFill/>
-          <a:ln>
-            <a:noFill/>
-          </a:ln>
-        </p:spPr>
-      </p:pic>
-    </p:spTree>
-  </p:cSld>
-  <p:clrMapOvr>
-    <a:masterClrMapping/>
-  </p:clrMapOvr>
-</p:sld>
-</file>
-
-<file path=ppt/slides/slide5.xml><?xml version="1.0" encoding="utf-8"?>
-<p:sld xmlns:a="http://schemas.openxmlformats.org/drawingml/2006/main" xmlns:r="http://schemas.openxmlformats.org/officeDocument/2006/relationships" xmlns:p="http://schemas.openxmlformats.org/presentationml/2006/main">
-  <p:cSld>
-    <p:spTree>
-      <p:nvGrpSpPr>
-        <p:cNvPr id="1" name="Shape 84"/>
-        <p:cNvGrpSpPr/>
-        <p:nvPr/>
-      </p:nvGrpSpPr>
-      <p:grpSpPr>
-        <a:xfrm>
-          <a:off x="0" y="0"/>
-          <a:ext cx="0" cy="0"/>
-          <a:chOff x="0" y="0"/>
-          <a:chExt cx="0" cy="0"/>
-        </a:xfrm>
-      </p:grpSpPr>
-      <p:sp>
-        <p:nvSpPr>
-          <p:cNvPr id="85" name="Google Shape;85;p17"/>
-          <p:cNvSpPr txBox="1">
-            <a:spLocks noGrp="1"/>
-          </p:cNvSpPr>
-          <p:nvPr>
-            <p:ph type="title"/>
-          </p:nvPr>
-        </p:nvSpPr>
-        <p:spPr>
-          <a:xfrm>
-            <a:off x="311700" y="445025"/>
-            <a:ext cx="8520600" cy="572700"/>
-          </a:xfrm>
-          <a:prstGeom prst="rect">
-            <a:avLst/>
-          </a:prstGeom>
-        </p:spPr>
-        <p:txBody>
-          <a:bodyPr spcFirstLastPara="1" wrap="square" lIns="91425" tIns="91425" rIns="91425" bIns="91425" anchor="t" anchorCtr="0">
-            <a:normAutofit fontScale="90000"/>
-          </a:bodyPr>
-          <a:lstStyle/>
-          <a:p>
-            <a:pPr marL="0" lvl="0" indent="0" algn="l" rtl="0">
-              <a:spcBef>
-                <a:spcPts val="0"/>
-              </a:spcBef>
-              <a:spcAft>
-                <a:spcPts val="0"/>
-              </a:spcAft>
-              <a:buNone/>
-            </a:pPr>
-            <a:r>
-              <a:rPr lang="en"/>
-              <a:t>Major Challenges and Their Solutions</a:t>
-            </a:r>
-            <a:endParaRPr/>
-          </a:p>
-        </p:txBody>
-      </p:sp>
-      <p:sp>
-        <p:nvSpPr>
-          <p:cNvPr id="86" name="Google Shape;86;p17"/>
-          <p:cNvSpPr txBox="1">
-            <a:spLocks noGrp="1"/>
-          </p:cNvSpPr>
-          <p:nvPr>
-            <p:ph type="body" idx="1"/>
-          </p:nvPr>
-        </p:nvSpPr>
-        <p:spPr>
-          <a:xfrm>
-            <a:off x="311700" y="1152475"/>
-            <a:ext cx="8520600" cy="3416400"/>
-          </a:xfrm>
-          <a:prstGeom prst="rect">
-            <a:avLst/>
-          </a:prstGeom>
-        </p:spPr>
-        <p:txBody>
-          <a:bodyPr spcFirstLastPara="1" wrap="square" lIns="91425" tIns="91425" rIns="91425" bIns="91425" anchor="t" anchorCtr="0">
-            <a:normAutofit/>
-          </a:bodyPr>
-          <a:lstStyle/>
-          <a:p>
-            <a:pPr marL="0" lvl="0" indent="0" algn="l" rtl="0">
-              <a:spcBef>
-                <a:spcPts val="0"/>
-              </a:spcBef>
-              <a:spcAft>
-                <a:spcPts val="1200"/>
-              </a:spcAft>
-              <a:buNone/>
-            </a:pPr>
-            <a:endParaRPr/>
-          </a:p>
-        </p:txBody>
-      </p:sp>
-      <p:pic>
-        <p:nvPicPr>
-          <p:cNvPr id="87" name="Google Shape;87;p17"/>
-          <p:cNvPicPr preferRelativeResize="0"/>
-          <p:nvPr/>
-        </p:nvPicPr>
-        <p:blipFill rotWithShape="1">
-          <a:blip r:embed="rId3">
-            <a:alphaModFix/>
-          </a:blip>
-          <a:srcRect r="4039"/>
-          <a:stretch/>
-        </p:blipFill>
-        <p:spPr>
-          <a:xfrm>
-            <a:off x="6995850" y="0"/>
-            <a:ext cx="2148151" cy="916275"/>
-          </a:xfrm>
-          <a:prstGeom prst="rect">
-            <a:avLst/>
-          </a:prstGeom>
-          <a:noFill/>
-          <a:ln>
-            <a:noFill/>
-          </a:ln>
-        </p:spPr>
-      </p:pic>
-    </p:spTree>
-  </p:cSld>
-  <p:clrMapOvr>
-    <a:masterClrMapping/>
-  </p:clrMapOvr>
-</p:sld>
-</file>
-
-<file path=ppt/slides/slide6.xml><?xml version="1.0" encoding="utf-8"?>
-<p:sld xmlns:a="http://schemas.openxmlformats.org/drawingml/2006/main" xmlns:r="http://schemas.openxmlformats.org/officeDocument/2006/relationships" xmlns:p="http://schemas.openxmlformats.org/presentationml/2006/main">
-  <p:cSld>
-    <p:spTree>
-      <p:nvGrpSpPr>
-        <p:cNvPr id="1" name="Shape 91"/>
-        <p:cNvGrpSpPr/>
-        <p:nvPr/>
-      </p:nvGrpSpPr>
-      <p:grpSpPr>
-        <a:xfrm>
-          <a:off x="0" y="0"/>
-          <a:ext cx="0" cy="0"/>
-          <a:chOff x="0" y="0"/>
-          <a:chExt cx="0" cy="0"/>
-        </a:xfrm>
-      </p:grpSpPr>
-      <p:sp>
-        <p:nvSpPr>
-          <p:cNvPr id="92" name="Google Shape;92;p18"/>
-          <p:cNvSpPr txBox="1">
-            <a:spLocks noGrp="1"/>
-          </p:cNvSpPr>
-          <p:nvPr>
-            <p:ph type="title"/>
-          </p:nvPr>
-        </p:nvSpPr>
-        <p:spPr>
-          <a:xfrm>
-            <a:off x="311700" y="445025"/>
-            <a:ext cx="8520600" cy="572700"/>
-          </a:xfrm>
-          <a:prstGeom prst="rect">
-            <a:avLst/>
-          </a:prstGeom>
-        </p:spPr>
-        <p:txBody>
-          <a:bodyPr spcFirstLastPara="1" wrap="square" lIns="91425" tIns="91425" rIns="91425" bIns="91425" anchor="t" anchorCtr="0">
-            <a:normAutofit fontScale="90000"/>
-          </a:bodyPr>
-          <a:lstStyle/>
-          <a:p>
-            <a:pPr marL="0" lvl="0" indent="0" algn="l" rtl="0">
-              <a:spcBef>
-                <a:spcPts val="0"/>
-              </a:spcBef>
-              <a:spcAft>
-                <a:spcPts val="0"/>
-              </a:spcAft>
-              <a:buNone/>
-            </a:pPr>
-            <a:r>
-              <a:rPr lang="en"/>
-              <a:t>Lessons Learned/ Summary</a:t>
-            </a:r>
-            <a:endParaRPr/>
-          </a:p>
-        </p:txBody>
-      </p:sp>
-      <p:sp>
-        <p:nvSpPr>
-          <p:cNvPr id="93" name="Google Shape;93;p18"/>
-          <p:cNvSpPr txBox="1">
-            <a:spLocks noGrp="1"/>
-          </p:cNvSpPr>
-          <p:nvPr>
-            <p:ph type="body" idx="1"/>
-          </p:nvPr>
-        </p:nvSpPr>
-        <p:spPr>
-          <a:xfrm>
-            <a:off x="311700" y="1152475"/>
-            <a:ext cx="8520600" cy="3416400"/>
-          </a:xfrm>
-          <a:prstGeom prst="rect">
-            <a:avLst/>
-          </a:prstGeom>
-        </p:spPr>
-        <p:txBody>
-          <a:bodyPr spcFirstLastPara="1" wrap="square" lIns="91425" tIns="91425" rIns="91425" bIns="91425" anchor="t" anchorCtr="0">
-            <a:normAutofit/>
-          </a:bodyPr>
-          <a:lstStyle/>
-          <a:p>
-            <a:pPr marL="0" lvl="0" indent="0" algn="l" rtl="0">
-              <a:spcBef>
-                <a:spcPts val="0"/>
-              </a:spcBef>
-              <a:spcAft>
-                <a:spcPts val="1200"/>
-              </a:spcAft>
-              <a:buNone/>
-            </a:pPr>
-            <a:endParaRPr/>
-          </a:p>
-        </p:txBody>
-      </p:sp>
-      <p:pic>
-        <p:nvPicPr>
-          <p:cNvPr id="94" name="Google Shape;94;p18"/>
-          <p:cNvPicPr preferRelativeResize="0"/>
-          <p:nvPr/>
-        </p:nvPicPr>
-        <p:blipFill rotWithShape="1">
-          <a:blip r:embed="rId3">
-            <a:alphaModFix/>
-          </a:blip>
-          <a:srcRect r="4039"/>
-          <a:stretch/>
-        </p:blipFill>
-        <p:spPr>
-          <a:xfrm>
-            <a:off x="6995850" y="0"/>
-            <a:ext cx="2148151" cy="916275"/>
-          </a:xfrm>
-          <a:prstGeom prst="rect">
-            <a:avLst/>
-          </a:prstGeom>
-          <a:noFill/>
-          <a:ln>
-            <a:noFill/>
-          </a:ln>
-        </p:spPr>
-      </p:pic>
-    </p:spTree>
-  </p:cSld>
-  <p:clrMapOvr>
-    <a:masterClrMapping/>
-  </p:clrMapOvr>
-</p:sld>
-</file>
-
-<file path=ppt/slides/slide7.xml><?xml version="1.0" encoding="utf-8"?>
-<p:sld xmlns:a="http://schemas.openxmlformats.org/drawingml/2006/main" xmlns:r="http://schemas.openxmlformats.org/officeDocument/2006/relationships" xmlns:p="http://schemas.openxmlformats.org/presentationml/2006/main">
-  <p:cSld>
-    <p:bg>
-      <p:bgPr>
-        <a:solidFill>
-          <a:schemeClr val="accent3"/>
-        </a:solidFill>
-        <a:effectLst/>
-      </p:bgPr>
-    </p:bg>
-    <p:spTree>
-      <p:nvGrpSpPr>
-        <p:cNvPr id="1" name="Shape 98"/>
-        <p:cNvGrpSpPr/>
-        <p:nvPr/>
-      </p:nvGrpSpPr>
-      <p:grpSpPr>
-        <a:xfrm>
-          <a:off x="0" y="0"/>
-          <a:ext cx="0" cy="0"/>
-          <a:chOff x="0" y="0"/>
-          <a:chExt cx="0" cy="0"/>
-        </a:xfrm>
-      </p:grpSpPr>
-      <p:sp>
-        <p:nvSpPr>
-          <p:cNvPr id="99" name="Google Shape;99;p19"/>
-          <p:cNvSpPr txBox="1">
-            <a:spLocks noGrp="1"/>
-          </p:cNvSpPr>
-          <p:nvPr>
-            <p:ph type="title"/>
-          </p:nvPr>
-        </p:nvSpPr>
-        <p:spPr>
-          <a:xfrm>
-            <a:off x="311700" y="2109750"/>
-            <a:ext cx="8520600" cy="924000"/>
-          </a:xfrm>
-          <a:prstGeom prst="rect">
-            <a:avLst/>
-          </a:prstGeom>
-        </p:spPr>
-        <p:txBody>
-          <a:bodyPr spcFirstLastPara="1" wrap="square" lIns="91425" tIns="91425" rIns="91425" bIns="91425" anchor="t" anchorCtr="0">
+          <a:bodyPr anchorCtr="0" anchor="t" bIns="91425" lIns="91425" spcFirstLastPara="1" rIns="91425" wrap="square" tIns="91425">
             <a:noAutofit/>
           </a:bodyPr>
           <a:lstStyle/>
           <a:p>
-            <a:pPr marL="0" lvl="0" indent="0" algn="ctr" rtl="0">
+            <a:pPr indent="0" lvl="0" marL="0" rtl="0" algn="ctr">
               <a:spcBef>
                 <a:spcPts val="0"/>
               </a:spcBef>
@@ -7780,6 +7261,1944 @@
           </a:p>
         </p:txBody>
       </p:sp>
+      <p:sp>
+        <p:nvSpPr>
+          <p:cNvPr id="137" name="Google Shape;137;p22"/>
+          <p:cNvSpPr/>
+          <p:nvPr/>
+        </p:nvSpPr>
+        <p:spPr>
+          <a:xfrm>
+            <a:off x="0" y="5073425"/>
+            <a:ext cx="9144000" cy="70200"/>
+          </a:xfrm>
+          <a:prstGeom prst="rect">
+            <a:avLst/>
+          </a:prstGeom>
+          <a:solidFill>
+            <a:schemeClr val="dk1"/>
+          </a:solidFill>
+          <a:ln cap="flat" cmpd="sng" w="9525">
+            <a:solidFill>
+              <a:schemeClr val="dk2"/>
+            </a:solidFill>
+            <a:prstDash val="solid"/>
+            <a:round/>
+            <a:headEnd len="sm" w="sm" type="none"/>
+            <a:tailEnd len="sm" w="sm" type="none"/>
+          </a:ln>
+        </p:spPr>
+        <p:txBody>
+          <a:bodyPr anchorCtr="0" anchor="ctr" bIns="91425" lIns="91425" spcFirstLastPara="1" rIns="91425" wrap="square" tIns="91425">
+            <a:noAutofit/>
+          </a:bodyPr>
+          <a:lstStyle/>
+          <a:p>
+            <a:pPr indent="0" lvl="0" marL="0" rtl="0" algn="l">
+              <a:spcBef>
+                <a:spcPts val="0"/>
+              </a:spcBef>
+              <a:spcAft>
+                <a:spcPts val="0"/>
+              </a:spcAft>
+              <a:buNone/>
+            </a:pPr>
+            <a:r>
+              <a:t/>
+            </a:r>
+            <a:endParaRPr/>
+          </a:p>
+        </p:txBody>
+      </p:sp>
+      <p:sp>
+        <p:nvSpPr>
+          <p:cNvPr id="138" name="Google Shape;138;p22"/>
+          <p:cNvSpPr txBox="1"/>
+          <p:nvPr>
+            <p:ph type="title"/>
+          </p:nvPr>
+        </p:nvSpPr>
+        <p:spPr>
+          <a:xfrm>
+            <a:off x="311700" y="3873875"/>
+            <a:ext cx="8520600" cy="924000"/>
+          </a:xfrm>
+          <a:prstGeom prst="rect">
+            <a:avLst/>
+          </a:prstGeom>
+        </p:spPr>
+        <p:txBody>
+          <a:bodyPr anchorCtr="0" anchor="t" bIns="91425" lIns="91425" spcFirstLastPara="1" rIns="91425" wrap="square" tIns="91425">
+            <a:noAutofit/>
+          </a:bodyPr>
+          <a:lstStyle/>
+          <a:p>
+            <a:pPr indent="0" lvl="0" marL="0" rtl="0" algn="ctr">
+              <a:spcBef>
+                <a:spcPts val="0"/>
+              </a:spcBef>
+              <a:spcAft>
+                <a:spcPts val="0"/>
+              </a:spcAft>
+              <a:buNone/>
+            </a:pPr>
+            <a:r>
+              <a:rPr lang="en" sz="2600">
+                <a:solidFill>
+                  <a:schemeClr val="lt1"/>
+                </a:solidFill>
+              </a:rPr>
+              <a:t>Github Repo: https://github.com/tmyarow/CS3704_Project</a:t>
+            </a:r>
+            <a:endParaRPr sz="2600">
+              <a:solidFill>
+                <a:schemeClr val="lt1"/>
+              </a:solidFill>
+            </a:endParaRPr>
+          </a:p>
+        </p:txBody>
+      </p:sp>
+    </p:spTree>
+  </p:cSld>
+  <p:clrMapOvr>
+    <a:masterClrMapping/>
+  </p:clrMapOvr>
+</p:sld>
+</file>
+
+<file path=ppt/slides/slide2.xml><?xml version="1.0" encoding="utf-8"?>
+<p:sld xmlns:a="http://schemas.openxmlformats.org/drawingml/2006/main" xmlns:r="http://schemas.openxmlformats.org/officeDocument/2006/relationships" xmlns:mc="http://schemas.openxmlformats.org/markup-compatibility/2006" xmlns:mv="urn:schemas-microsoft-com:mac:vml" xmlns:p="http://schemas.openxmlformats.org/presentationml/2006/main" xmlns:c="http://schemas.openxmlformats.org/drawingml/2006/chart" xmlns:dgm="http://schemas.openxmlformats.org/drawingml/2006/diagram" xmlns:o="urn:schemas-microsoft-com:office:office" xmlns:v="urn:schemas-microsoft-com:vml" xmlns:pvml="urn:schemas-microsoft-com:office:powerpoint" xmlns:com="http://schemas.openxmlformats.org/drawingml/2006/compatibility" xmlns:p14="http://schemas.microsoft.com/office/powerpoint/2010/main" xmlns:p15="http://schemas.microsoft.com/office/powerpoint/2012/main" xmlns:ahyp="http://schemas.microsoft.com/office/drawing/2018/hyperlinkcolor">
+  <p:cSld>
+    <p:spTree>
+      <p:nvGrpSpPr>
+        <p:cNvPr id="65" name="Shape 65"/>
+        <p:cNvGrpSpPr/>
+        <p:nvPr/>
+      </p:nvGrpSpPr>
+      <p:grpSpPr>
+        <a:xfrm>
+          <a:off x="0" y="0"/>
+          <a:ext cx="0" cy="0"/>
+          <a:chOff x="0" y="0"/>
+          <a:chExt cx="0" cy="0"/>
+        </a:xfrm>
+      </p:grpSpPr>
+      <p:sp>
+        <p:nvSpPr>
+          <p:cNvPr id="66" name="Google Shape;66;p14"/>
+          <p:cNvSpPr txBox="1"/>
+          <p:nvPr>
+            <p:ph type="title"/>
+          </p:nvPr>
+        </p:nvSpPr>
+        <p:spPr>
+          <a:xfrm>
+            <a:off x="311700" y="445025"/>
+            <a:ext cx="8520600" cy="572700"/>
+          </a:xfrm>
+          <a:prstGeom prst="rect">
+            <a:avLst/>
+          </a:prstGeom>
+        </p:spPr>
+        <p:txBody>
+          <a:bodyPr anchorCtr="0" anchor="t" bIns="91425" lIns="91425" spcFirstLastPara="1" rIns="91425" wrap="square" tIns="91425">
+            <a:normAutofit fontScale="90000"/>
+          </a:bodyPr>
+          <a:lstStyle/>
+          <a:p>
+            <a:pPr indent="0" lvl="0" marL="0" rtl="0" algn="l">
+              <a:spcBef>
+                <a:spcPts val="0"/>
+              </a:spcBef>
+              <a:spcAft>
+                <a:spcPts val="0"/>
+              </a:spcAft>
+              <a:buNone/>
+            </a:pPr>
+            <a:r>
+              <a:rPr lang="en"/>
+              <a:t>Overview</a:t>
+            </a:r>
+            <a:endParaRPr/>
+          </a:p>
+        </p:txBody>
+      </p:sp>
+      <p:sp>
+        <p:nvSpPr>
+          <p:cNvPr id="67" name="Google Shape;67;p14"/>
+          <p:cNvSpPr txBox="1"/>
+          <p:nvPr>
+            <p:ph idx="1" type="body"/>
+          </p:nvPr>
+        </p:nvSpPr>
+        <p:spPr>
+          <a:xfrm>
+            <a:off x="311700" y="1152475"/>
+            <a:ext cx="5974800" cy="3416400"/>
+          </a:xfrm>
+          <a:prstGeom prst="rect">
+            <a:avLst/>
+          </a:prstGeom>
+        </p:spPr>
+        <p:txBody>
+          <a:bodyPr anchorCtr="0" anchor="t" bIns="91425" lIns="91425" spcFirstLastPara="1" rIns="91425" wrap="square" tIns="91425">
+            <a:normAutofit/>
+          </a:bodyPr>
+          <a:lstStyle/>
+          <a:p>
+            <a:pPr indent="-368300" lvl="0" marL="457200" rtl="0" algn="l">
+              <a:spcBef>
+                <a:spcPts val="0"/>
+              </a:spcBef>
+              <a:spcAft>
+                <a:spcPts val="0"/>
+              </a:spcAft>
+              <a:buSzPts val="2200"/>
+              <a:buChar char="●"/>
+            </a:pPr>
+            <a:r>
+              <a:rPr lang="en"/>
+              <a:t>Project Introduction</a:t>
+            </a:r>
+            <a:endParaRPr/>
+          </a:p>
+          <a:p>
+            <a:pPr indent="-368300" lvl="0" marL="457200" rtl="0" algn="l">
+              <a:spcBef>
+                <a:spcPts val="0"/>
+              </a:spcBef>
+              <a:spcAft>
+                <a:spcPts val="0"/>
+              </a:spcAft>
+              <a:buSzPts val="2200"/>
+              <a:buChar char="●"/>
+            </a:pPr>
+            <a:r>
+              <a:rPr lang="en"/>
+              <a:t>Most Appealing Features</a:t>
+            </a:r>
+            <a:endParaRPr/>
+          </a:p>
+          <a:p>
+            <a:pPr indent="-368300" lvl="0" marL="457200" rtl="0" algn="l">
+              <a:spcBef>
+                <a:spcPts val="0"/>
+              </a:spcBef>
+              <a:spcAft>
+                <a:spcPts val="0"/>
+              </a:spcAft>
+              <a:buSzPts val="2200"/>
+              <a:buChar char="●"/>
+            </a:pPr>
+            <a:r>
+              <a:rPr lang="en"/>
+              <a:t>Major Challenges and their Solutions</a:t>
+            </a:r>
+            <a:endParaRPr/>
+          </a:p>
+          <a:p>
+            <a:pPr indent="-368300" lvl="0" marL="457200" rtl="0" algn="l">
+              <a:spcBef>
+                <a:spcPts val="0"/>
+              </a:spcBef>
+              <a:spcAft>
+                <a:spcPts val="0"/>
+              </a:spcAft>
+              <a:buSzPts val="2200"/>
+              <a:buChar char="●"/>
+            </a:pPr>
+            <a:r>
+              <a:rPr lang="en"/>
+              <a:t>Lessons Learned/ Summary</a:t>
+            </a:r>
+            <a:endParaRPr/>
+          </a:p>
+          <a:p>
+            <a:pPr indent="0" lvl="0" marL="914400" rtl="0" algn="l">
+              <a:spcBef>
+                <a:spcPts val="1200"/>
+              </a:spcBef>
+              <a:spcAft>
+                <a:spcPts val="1200"/>
+              </a:spcAft>
+              <a:buNone/>
+            </a:pPr>
+            <a:r>
+              <a:t/>
+            </a:r>
+            <a:endParaRPr/>
+          </a:p>
+        </p:txBody>
+      </p:sp>
+      <p:pic>
+        <p:nvPicPr>
+          <p:cNvPr id="68" name="Google Shape;68;p14"/>
+          <p:cNvPicPr preferRelativeResize="0"/>
+          <p:nvPr/>
+        </p:nvPicPr>
+        <p:blipFill rotWithShape="1">
+          <a:blip r:embed="rId3">
+            <a:alphaModFix/>
+          </a:blip>
+          <a:srcRect b="0" l="0" r="4039" t="0"/>
+          <a:stretch/>
+        </p:blipFill>
+        <p:spPr>
+          <a:xfrm>
+            <a:off x="6995850" y="0"/>
+            <a:ext cx="2148151" cy="916275"/>
+          </a:xfrm>
+          <a:prstGeom prst="rect">
+            <a:avLst/>
+          </a:prstGeom>
+          <a:noFill/>
+          <a:ln>
+            <a:noFill/>
+          </a:ln>
+        </p:spPr>
+      </p:pic>
+      <p:sp>
+        <p:nvSpPr>
+          <p:cNvPr id="69" name="Google Shape;69;p14"/>
+          <p:cNvSpPr/>
+          <p:nvPr/>
+        </p:nvSpPr>
+        <p:spPr>
+          <a:xfrm>
+            <a:off x="0" y="5073425"/>
+            <a:ext cx="9144000" cy="70200"/>
+          </a:xfrm>
+          <a:prstGeom prst="rect">
+            <a:avLst/>
+          </a:prstGeom>
+          <a:solidFill>
+            <a:schemeClr val="dk1"/>
+          </a:solidFill>
+          <a:ln cap="flat" cmpd="sng" w="9525">
+            <a:solidFill>
+              <a:schemeClr val="dk2"/>
+            </a:solidFill>
+            <a:prstDash val="solid"/>
+            <a:round/>
+            <a:headEnd len="sm" w="sm" type="none"/>
+            <a:tailEnd len="sm" w="sm" type="none"/>
+          </a:ln>
+        </p:spPr>
+        <p:txBody>
+          <a:bodyPr anchorCtr="0" anchor="ctr" bIns="91425" lIns="91425" spcFirstLastPara="1" rIns="91425" wrap="square" tIns="91425">
+            <a:noAutofit/>
+          </a:bodyPr>
+          <a:lstStyle/>
+          <a:p>
+            <a:pPr indent="0" lvl="0" marL="0" rtl="0" algn="l">
+              <a:spcBef>
+                <a:spcPts val="0"/>
+              </a:spcBef>
+              <a:spcAft>
+                <a:spcPts val="0"/>
+              </a:spcAft>
+              <a:buNone/>
+            </a:pPr>
+            <a:r>
+              <a:t/>
+            </a:r>
+            <a:endParaRPr/>
+          </a:p>
+        </p:txBody>
+      </p:sp>
+    </p:spTree>
+  </p:cSld>
+  <p:clrMapOvr>
+    <a:masterClrMapping/>
+  </p:clrMapOvr>
+</p:sld>
+</file>
+
+<file path=ppt/slides/slide3.xml><?xml version="1.0" encoding="utf-8"?>
+<p:sld xmlns:a="http://schemas.openxmlformats.org/drawingml/2006/main" xmlns:r="http://schemas.openxmlformats.org/officeDocument/2006/relationships" xmlns:mc="http://schemas.openxmlformats.org/markup-compatibility/2006" xmlns:mv="urn:schemas-microsoft-com:mac:vml" xmlns:p="http://schemas.openxmlformats.org/presentationml/2006/main" xmlns:c="http://schemas.openxmlformats.org/drawingml/2006/chart" xmlns:dgm="http://schemas.openxmlformats.org/drawingml/2006/diagram" xmlns:o="urn:schemas-microsoft-com:office:office" xmlns:v="urn:schemas-microsoft-com:vml" xmlns:pvml="urn:schemas-microsoft-com:office:powerpoint" xmlns:com="http://schemas.openxmlformats.org/drawingml/2006/compatibility" xmlns:p14="http://schemas.microsoft.com/office/powerpoint/2010/main" xmlns:p15="http://schemas.microsoft.com/office/powerpoint/2012/main" xmlns:ahyp="http://schemas.microsoft.com/office/drawing/2018/hyperlinkcolor">
+  <p:cSld>
+    <p:spTree>
+      <p:nvGrpSpPr>
+        <p:cNvPr id="73" name="Shape 73"/>
+        <p:cNvGrpSpPr/>
+        <p:nvPr/>
+      </p:nvGrpSpPr>
+      <p:grpSpPr>
+        <a:xfrm>
+          <a:off x="0" y="0"/>
+          <a:ext cx="0" cy="0"/>
+          <a:chOff x="0" y="0"/>
+          <a:chExt cx="0" cy="0"/>
+        </a:xfrm>
+      </p:grpSpPr>
+      <p:sp>
+        <p:nvSpPr>
+          <p:cNvPr id="74" name="Google Shape;74;p15"/>
+          <p:cNvSpPr txBox="1"/>
+          <p:nvPr>
+            <p:ph type="title"/>
+          </p:nvPr>
+        </p:nvSpPr>
+        <p:spPr>
+          <a:xfrm>
+            <a:off x="311700" y="445025"/>
+            <a:ext cx="8520600" cy="572700"/>
+          </a:xfrm>
+          <a:prstGeom prst="rect">
+            <a:avLst/>
+          </a:prstGeom>
+        </p:spPr>
+        <p:txBody>
+          <a:bodyPr anchorCtr="0" anchor="t" bIns="91425" lIns="91425" spcFirstLastPara="1" rIns="91425" wrap="square" tIns="91425">
+            <a:normAutofit fontScale="90000"/>
+          </a:bodyPr>
+          <a:lstStyle/>
+          <a:p>
+            <a:pPr indent="0" lvl="0" marL="0" rtl="0" algn="l">
+              <a:spcBef>
+                <a:spcPts val="0"/>
+              </a:spcBef>
+              <a:spcAft>
+                <a:spcPts val="0"/>
+              </a:spcAft>
+              <a:buNone/>
+            </a:pPr>
+            <a:r>
+              <a:rPr lang="en"/>
+              <a:t>Project Introduction</a:t>
+            </a:r>
+            <a:endParaRPr/>
+          </a:p>
+        </p:txBody>
+      </p:sp>
+      <p:sp>
+        <p:nvSpPr>
+          <p:cNvPr id="75" name="Google Shape;75;p15"/>
+          <p:cNvSpPr txBox="1"/>
+          <p:nvPr>
+            <p:ph idx="1" type="body"/>
+          </p:nvPr>
+        </p:nvSpPr>
+        <p:spPr>
+          <a:xfrm>
+            <a:off x="311700" y="1152475"/>
+            <a:ext cx="8461800" cy="3416400"/>
+          </a:xfrm>
+          <a:prstGeom prst="rect">
+            <a:avLst/>
+          </a:prstGeom>
+        </p:spPr>
+        <p:txBody>
+          <a:bodyPr anchorCtr="0" anchor="t" bIns="91425" lIns="91425" spcFirstLastPara="1" rIns="91425" wrap="square" tIns="91425">
+            <a:noAutofit/>
+          </a:bodyPr>
+          <a:lstStyle/>
+          <a:p>
+            <a:pPr indent="-368300" lvl="0" marL="457200" rtl="0" algn="l">
+              <a:spcBef>
+                <a:spcPts val="0"/>
+              </a:spcBef>
+              <a:spcAft>
+                <a:spcPts val="0"/>
+              </a:spcAft>
+              <a:buSzPts val="2200"/>
+              <a:buChar char="●"/>
+            </a:pPr>
+            <a:r>
+              <a:rPr lang="en" sz="2200"/>
+              <a:t>Restaurants are fast-paced environments</a:t>
+            </a:r>
+            <a:endParaRPr sz="2200"/>
+          </a:p>
+          <a:p>
+            <a:pPr indent="-368300" lvl="1" marL="914400" rtl="0" algn="l">
+              <a:spcBef>
+                <a:spcPts val="0"/>
+              </a:spcBef>
+              <a:spcAft>
+                <a:spcPts val="0"/>
+              </a:spcAft>
+              <a:buSzPts val="2200"/>
+              <a:buChar char="○"/>
+            </a:pPr>
+            <a:r>
+              <a:rPr lang="en" sz="2200"/>
+              <a:t>Lots of moving pieces</a:t>
+            </a:r>
+            <a:endParaRPr sz="2200"/>
+          </a:p>
+          <a:p>
+            <a:pPr indent="-368300" lvl="0" marL="457200" rtl="0" algn="l">
+              <a:spcBef>
+                <a:spcPts val="0"/>
+              </a:spcBef>
+              <a:spcAft>
+                <a:spcPts val="0"/>
+              </a:spcAft>
+              <a:buSzPts val="2200"/>
+              <a:buChar char="●"/>
+            </a:pPr>
+            <a:r>
+              <a:rPr lang="en" sz="2200"/>
+              <a:t>Overhead</a:t>
+            </a:r>
+            <a:endParaRPr sz="2200"/>
+          </a:p>
+          <a:p>
+            <a:pPr indent="-368300" lvl="1" marL="914400" rtl="0" algn="l">
+              <a:spcBef>
+                <a:spcPts val="0"/>
+              </a:spcBef>
+              <a:spcAft>
+                <a:spcPts val="0"/>
+              </a:spcAft>
+              <a:buSzPts val="2200"/>
+              <a:buChar char="○"/>
+            </a:pPr>
+            <a:r>
+              <a:rPr lang="en" sz="2200"/>
+              <a:t>Payroll, ordering, scheduling, training, etc.</a:t>
+            </a:r>
+            <a:endParaRPr sz="2200"/>
+          </a:p>
+          <a:p>
+            <a:pPr indent="-368300" lvl="0" marL="457200" rtl="0" algn="l">
+              <a:spcBef>
+                <a:spcPts val="0"/>
+              </a:spcBef>
+              <a:spcAft>
+                <a:spcPts val="0"/>
+              </a:spcAft>
+              <a:buSzPts val="2200"/>
+              <a:buChar char="●"/>
+            </a:pPr>
+            <a:r>
+              <a:rPr lang="en" sz="2200"/>
+              <a:t>Optimization is the goal</a:t>
+            </a:r>
+            <a:endParaRPr sz="2200"/>
+          </a:p>
+        </p:txBody>
+      </p:sp>
+      <p:pic>
+        <p:nvPicPr>
+          <p:cNvPr id="76" name="Google Shape;76;p15"/>
+          <p:cNvPicPr preferRelativeResize="0"/>
+          <p:nvPr/>
+        </p:nvPicPr>
+        <p:blipFill rotWithShape="1">
+          <a:blip r:embed="rId3">
+            <a:alphaModFix/>
+          </a:blip>
+          <a:srcRect b="0" l="0" r="4039" t="0"/>
+          <a:stretch/>
+        </p:blipFill>
+        <p:spPr>
+          <a:xfrm>
+            <a:off x="6995850" y="0"/>
+            <a:ext cx="2148151" cy="916275"/>
+          </a:xfrm>
+          <a:prstGeom prst="rect">
+            <a:avLst/>
+          </a:prstGeom>
+          <a:noFill/>
+          <a:ln>
+            <a:noFill/>
+          </a:ln>
+        </p:spPr>
+      </p:pic>
+      <p:sp>
+        <p:nvSpPr>
+          <p:cNvPr id="77" name="Google Shape;77;p15"/>
+          <p:cNvSpPr/>
+          <p:nvPr/>
+        </p:nvSpPr>
+        <p:spPr>
+          <a:xfrm>
+            <a:off x="0" y="5073425"/>
+            <a:ext cx="9144000" cy="70200"/>
+          </a:xfrm>
+          <a:prstGeom prst="rect">
+            <a:avLst/>
+          </a:prstGeom>
+          <a:solidFill>
+            <a:schemeClr val="dk1"/>
+          </a:solidFill>
+          <a:ln cap="flat" cmpd="sng" w="9525">
+            <a:solidFill>
+              <a:schemeClr val="dk2"/>
+            </a:solidFill>
+            <a:prstDash val="solid"/>
+            <a:round/>
+            <a:headEnd len="sm" w="sm" type="none"/>
+            <a:tailEnd len="sm" w="sm" type="none"/>
+          </a:ln>
+        </p:spPr>
+        <p:txBody>
+          <a:bodyPr anchorCtr="0" anchor="ctr" bIns="91425" lIns="91425" spcFirstLastPara="1" rIns="91425" wrap="square" tIns="91425">
+            <a:noAutofit/>
+          </a:bodyPr>
+          <a:lstStyle/>
+          <a:p>
+            <a:pPr indent="0" lvl="0" marL="0" rtl="0" algn="l">
+              <a:spcBef>
+                <a:spcPts val="0"/>
+              </a:spcBef>
+              <a:spcAft>
+                <a:spcPts val="0"/>
+              </a:spcAft>
+              <a:buNone/>
+            </a:pPr>
+            <a:r>
+              <a:t/>
+            </a:r>
+            <a:endParaRPr/>
+          </a:p>
+        </p:txBody>
+      </p:sp>
+      <p:pic>
+        <p:nvPicPr>
+          <p:cNvPr id="78" name="Google Shape;78;p15"/>
+          <p:cNvPicPr preferRelativeResize="0"/>
+          <p:nvPr/>
+        </p:nvPicPr>
+        <p:blipFill>
+          <a:blip r:embed="rId4">
+            <a:alphaModFix/>
+          </a:blip>
+          <a:stretch>
+            <a:fillRect/>
+          </a:stretch>
+        </p:blipFill>
+        <p:spPr>
+          <a:xfrm>
+            <a:off x="5056649" y="3274151"/>
+            <a:ext cx="3999900" cy="1738499"/>
+          </a:xfrm>
+          <a:prstGeom prst="rect">
+            <a:avLst/>
+          </a:prstGeom>
+          <a:noFill/>
+          <a:ln>
+            <a:noFill/>
+          </a:ln>
+        </p:spPr>
+      </p:pic>
+    </p:spTree>
+  </p:cSld>
+  <p:clrMapOvr>
+    <a:masterClrMapping/>
+  </p:clrMapOvr>
+</p:sld>
+</file>
+
+<file path=ppt/slides/slide4.xml><?xml version="1.0" encoding="utf-8"?>
+<p:sld xmlns:a="http://schemas.openxmlformats.org/drawingml/2006/main" xmlns:r="http://schemas.openxmlformats.org/officeDocument/2006/relationships" xmlns:mc="http://schemas.openxmlformats.org/markup-compatibility/2006" xmlns:mv="urn:schemas-microsoft-com:mac:vml" xmlns:p="http://schemas.openxmlformats.org/presentationml/2006/main" xmlns:c="http://schemas.openxmlformats.org/drawingml/2006/chart" xmlns:dgm="http://schemas.openxmlformats.org/drawingml/2006/diagram" xmlns:o="urn:schemas-microsoft-com:office:office" xmlns:v="urn:schemas-microsoft-com:vml" xmlns:pvml="urn:schemas-microsoft-com:office:powerpoint" xmlns:com="http://schemas.openxmlformats.org/drawingml/2006/compatibility" xmlns:p14="http://schemas.microsoft.com/office/powerpoint/2010/main" xmlns:p15="http://schemas.microsoft.com/office/powerpoint/2012/main" xmlns:ahyp="http://schemas.microsoft.com/office/drawing/2018/hyperlinkcolor">
+  <p:cSld>
+    <p:spTree>
+      <p:nvGrpSpPr>
+        <p:cNvPr id="82" name="Shape 82"/>
+        <p:cNvGrpSpPr/>
+        <p:nvPr/>
+      </p:nvGrpSpPr>
+      <p:grpSpPr>
+        <a:xfrm>
+          <a:off x="0" y="0"/>
+          <a:ext cx="0" cy="0"/>
+          <a:chOff x="0" y="0"/>
+          <a:chExt cx="0" cy="0"/>
+        </a:xfrm>
+      </p:grpSpPr>
+      <p:sp>
+        <p:nvSpPr>
+          <p:cNvPr id="83" name="Google Shape;83;p16"/>
+          <p:cNvSpPr txBox="1"/>
+          <p:nvPr>
+            <p:ph type="title"/>
+          </p:nvPr>
+        </p:nvSpPr>
+        <p:spPr>
+          <a:xfrm>
+            <a:off x="311700" y="445025"/>
+            <a:ext cx="8520600" cy="572700"/>
+          </a:xfrm>
+          <a:prstGeom prst="rect">
+            <a:avLst/>
+          </a:prstGeom>
+        </p:spPr>
+        <p:txBody>
+          <a:bodyPr anchorCtr="0" anchor="t" bIns="91425" lIns="91425" spcFirstLastPara="1" rIns="91425" wrap="square" tIns="91425">
+            <a:normAutofit fontScale="90000"/>
+          </a:bodyPr>
+          <a:lstStyle/>
+          <a:p>
+            <a:pPr indent="0" lvl="0" marL="0" rtl="0" algn="l">
+              <a:spcBef>
+                <a:spcPts val="0"/>
+              </a:spcBef>
+              <a:spcAft>
+                <a:spcPts val="0"/>
+              </a:spcAft>
+              <a:buNone/>
+            </a:pPr>
+            <a:r>
+              <a:rPr lang="en"/>
+              <a:t>Most Appealing Features | Auth</a:t>
+            </a:r>
+            <a:endParaRPr/>
+          </a:p>
+        </p:txBody>
+      </p:sp>
+      <p:pic>
+        <p:nvPicPr>
+          <p:cNvPr id="84" name="Google Shape;84;p16"/>
+          <p:cNvPicPr preferRelativeResize="0"/>
+          <p:nvPr/>
+        </p:nvPicPr>
+        <p:blipFill rotWithShape="1">
+          <a:blip r:embed="rId3">
+            <a:alphaModFix/>
+          </a:blip>
+          <a:srcRect b="0" l="0" r="4039" t="0"/>
+          <a:stretch/>
+        </p:blipFill>
+        <p:spPr>
+          <a:xfrm>
+            <a:off x="6995850" y="0"/>
+            <a:ext cx="2148151" cy="916275"/>
+          </a:xfrm>
+          <a:prstGeom prst="rect">
+            <a:avLst/>
+          </a:prstGeom>
+          <a:noFill/>
+          <a:ln>
+            <a:noFill/>
+          </a:ln>
+        </p:spPr>
+      </p:pic>
+      <p:sp>
+        <p:nvSpPr>
+          <p:cNvPr id="85" name="Google Shape;85;p16"/>
+          <p:cNvSpPr/>
+          <p:nvPr/>
+        </p:nvSpPr>
+        <p:spPr>
+          <a:xfrm>
+            <a:off x="0" y="5073425"/>
+            <a:ext cx="9144000" cy="70200"/>
+          </a:xfrm>
+          <a:prstGeom prst="rect">
+            <a:avLst/>
+          </a:prstGeom>
+          <a:solidFill>
+            <a:schemeClr val="dk1"/>
+          </a:solidFill>
+          <a:ln cap="flat" cmpd="sng" w="9525">
+            <a:solidFill>
+              <a:schemeClr val="dk2"/>
+            </a:solidFill>
+            <a:prstDash val="solid"/>
+            <a:round/>
+            <a:headEnd len="sm" w="sm" type="none"/>
+            <a:tailEnd len="sm" w="sm" type="none"/>
+          </a:ln>
+        </p:spPr>
+        <p:txBody>
+          <a:bodyPr anchorCtr="0" anchor="ctr" bIns="91425" lIns="91425" spcFirstLastPara="1" rIns="91425" wrap="square" tIns="91425">
+            <a:noAutofit/>
+          </a:bodyPr>
+          <a:lstStyle/>
+          <a:p>
+            <a:pPr indent="0" lvl="0" marL="0" rtl="0" algn="l">
+              <a:spcBef>
+                <a:spcPts val="0"/>
+              </a:spcBef>
+              <a:spcAft>
+                <a:spcPts val="0"/>
+              </a:spcAft>
+              <a:buNone/>
+            </a:pPr>
+            <a:r>
+              <a:t/>
+            </a:r>
+            <a:endParaRPr/>
+          </a:p>
+        </p:txBody>
+      </p:sp>
+      <p:pic>
+        <p:nvPicPr>
+          <p:cNvPr id="86" name="Google Shape;86;p16"/>
+          <p:cNvPicPr preferRelativeResize="0"/>
+          <p:nvPr/>
+        </p:nvPicPr>
+        <p:blipFill>
+          <a:blip r:embed="rId4">
+            <a:alphaModFix/>
+          </a:blip>
+          <a:stretch>
+            <a:fillRect/>
+          </a:stretch>
+        </p:blipFill>
+        <p:spPr>
+          <a:xfrm>
+            <a:off x="3528675" y="1170125"/>
+            <a:ext cx="2086650" cy="3750901"/>
+          </a:xfrm>
+          <a:prstGeom prst="rect">
+            <a:avLst/>
+          </a:prstGeom>
+          <a:noFill/>
+          <a:ln>
+            <a:noFill/>
+          </a:ln>
+        </p:spPr>
+      </p:pic>
+    </p:spTree>
+  </p:cSld>
+  <p:clrMapOvr>
+    <a:masterClrMapping/>
+  </p:clrMapOvr>
+</p:sld>
+</file>
+
+<file path=ppt/slides/slide5.xml><?xml version="1.0" encoding="utf-8"?>
+<p:sld xmlns:a="http://schemas.openxmlformats.org/drawingml/2006/main" xmlns:r="http://schemas.openxmlformats.org/officeDocument/2006/relationships" xmlns:mc="http://schemas.openxmlformats.org/markup-compatibility/2006" xmlns:mv="urn:schemas-microsoft-com:mac:vml" xmlns:p="http://schemas.openxmlformats.org/presentationml/2006/main" xmlns:c="http://schemas.openxmlformats.org/drawingml/2006/chart" xmlns:dgm="http://schemas.openxmlformats.org/drawingml/2006/diagram" xmlns:o="urn:schemas-microsoft-com:office:office" xmlns:v="urn:schemas-microsoft-com:vml" xmlns:pvml="urn:schemas-microsoft-com:office:powerpoint" xmlns:com="http://schemas.openxmlformats.org/drawingml/2006/compatibility" xmlns:p14="http://schemas.microsoft.com/office/powerpoint/2010/main" xmlns:p15="http://schemas.microsoft.com/office/powerpoint/2012/main" xmlns:ahyp="http://schemas.microsoft.com/office/drawing/2018/hyperlinkcolor">
+  <p:cSld>
+    <p:spTree>
+      <p:nvGrpSpPr>
+        <p:cNvPr id="90" name="Shape 90"/>
+        <p:cNvGrpSpPr/>
+        <p:nvPr/>
+      </p:nvGrpSpPr>
+      <p:grpSpPr>
+        <a:xfrm>
+          <a:off x="0" y="0"/>
+          <a:ext cx="0" cy="0"/>
+          <a:chOff x="0" y="0"/>
+          <a:chExt cx="0" cy="0"/>
+        </a:xfrm>
+      </p:grpSpPr>
+      <p:sp>
+        <p:nvSpPr>
+          <p:cNvPr id="91" name="Google Shape;91;p17"/>
+          <p:cNvSpPr txBox="1"/>
+          <p:nvPr>
+            <p:ph type="title"/>
+          </p:nvPr>
+        </p:nvSpPr>
+        <p:spPr>
+          <a:xfrm>
+            <a:off x="311700" y="445025"/>
+            <a:ext cx="8520600" cy="572700"/>
+          </a:xfrm>
+          <a:prstGeom prst="rect">
+            <a:avLst/>
+          </a:prstGeom>
+        </p:spPr>
+        <p:txBody>
+          <a:bodyPr anchorCtr="0" anchor="t" bIns="91425" lIns="91425" spcFirstLastPara="1" rIns="91425" wrap="square" tIns="91425">
+            <a:normAutofit fontScale="90000"/>
+          </a:bodyPr>
+          <a:lstStyle/>
+          <a:p>
+            <a:pPr indent="0" lvl="0" marL="0" rtl="0" algn="l">
+              <a:spcBef>
+                <a:spcPts val="0"/>
+              </a:spcBef>
+              <a:spcAft>
+                <a:spcPts val="0"/>
+              </a:spcAft>
+              <a:buNone/>
+            </a:pPr>
+            <a:r>
+              <a:rPr lang="en"/>
+              <a:t>Most Appealing Features | Customer</a:t>
+            </a:r>
+            <a:endParaRPr/>
+          </a:p>
+        </p:txBody>
+      </p:sp>
+      <p:pic>
+        <p:nvPicPr>
+          <p:cNvPr id="92" name="Google Shape;92;p17"/>
+          <p:cNvPicPr preferRelativeResize="0"/>
+          <p:nvPr/>
+        </p:nvPicPr>
+        <p:blipFill rotWithShape="1">
+          <a:blip r:embed="rId3">
+            <a:alphaModFix/>
+          </a:blip>
+          <a:srcRect b="0" l="0" r="4039" t="0"/>
+          <a:stretch/>
+        </p:blipFill>
+        <p:spPr>
+          <a:xfrm>
+            <a:off x="6995850" y="0"/>
+            <a:ext cx="2148151" cy="916275"/>
+          </a:xfrm>
+          <a:prstGeom prst="rect">
+            <a:avLst/>
+          </a:prstGeom>
+          <a:noFill/>
+          <a:ln>
+            <a:noFill/>
+          </a:ln>
+        </p:spPr>
+      </p:pic>
+      <p:sp>
+        <p:nvSpPr>
+          <p:cNvPr id="93" name="Google Shape;93;p17"/>
+          <p:cNvSpPr/>
+          <p:nvPr/>
+        </p:nvSpPr>
+        <p:spPr>
+          <a:xfrm>
+            <a:off x="0" y="5073425"/>
+            <a:ext cx="9144000" cy="70200"/>
+          </a:xfrm>
+          <a:prstGeom prst="rect">
+            <a:avLst/>
+          </a:prstGeom>
+          <a:solidFill>
+            <a:schemeClr val="dk1"/>
+          </a:solidFill>
+          <a:ln cap="flat" cmpd="sng" w="9525">
+            <a:solidFill>
+              <a:schemeClr val="dk2"/>
+            </a:solidFill>
+            <a:prstDash val="solid"/>
+            <a:round/>
+            <a:headEnd len="sm" w="sm" type="none"/>
+            <a:tailEnd len="sm" w="sm" type="none"/>
+          </a:ln>
+        </p:spPr>
+        <p:txBody>
+          <a:bodyPr anchorCtr="0" anchor="ctr" bIns="91425" lIns="91425" spcFirstLastPara="1" rIns="91425" wrap="square" tIns="91425">
+            <a:noAutofit/>
+          </a:bodyPr>
+          <a:lstStyle/>
+          <a:p>
+            <a:pPr indent="0" lvl="0" marL="0" rtl="0" algn="l">
+              <a:spcBef>
+                <a:spcPts val="0"/>
+              </a:spcBef>
+              <a:spcAft>
+                <a:spcPts val="0"/>
+              </a:spcAft>
+              <a:buNone/>
+            </a:pPr>
+            <a:r>
+              <a:t/>
+            </a:r>
+            <a:endParaRPr/>
+          </a:p>
+        </p:txBody>
+      </p:sp>
+      <p:pic>
+        <p:nvPicPr>
+          <p:cNvPr id="94" name="Google Shape;94;p17"/>
+          <p:cNvPicPr preferRelativeResize="0"/>
+          <p:nvPr/>
+        </p:nvPicPr>
+        <p:blipFill>
+          <a:blip r:embed="rId4">
+            <a:alphaModFix/>
+          </a:blip>
+          <a:stretch>
+            <a:fillRect/>
+          </a:stretch>
+        </p:blipFill>
+        <p:spPr>
+          <a:xfrm>
+            <a:off x="311700" y="1257400"/>
+            <a:ext cx="1933125" cy="3474928"/>
+          </a:xfrm>
+          <a:prstGeom prst="rect">
+            <a:avLst/>
+          </a:prstGeom>
+          <a:noFill/>
+          <a:ln>
+            <a:noFill/>
+          </a:ln>
+        </p:spPr>
+      </p:pic>
+      <p:pic>
+        <p:nvPicPr>
+          <p:cNvPr id="95" name="Google Shape;95;p17"/>
+          <p:cNvPicPr preferRelativeResize="0"/>
+          <p:nvPr/>
+        </p:nvPicPr>
+        <p:blipFill>
+          <a:blip r:embed="rId5">
+            <a:alphaModFix/>
+          </a:blip>
+          <a:stretch>
+            <a:fillRect/>
+          </a:stretch>
+        </p:blipFill>
+        <p:spPr>
+          <a:xfrm>
+            <a:off x="2474750" y="1257400"/>
+            <a:ext cx="1933123" cy="3474926"/>
+          </a:xfrm>
+          <a:prstGeom prst="rect">
+            <a:avLst/>
+          </a:prstGeom>
+          <a:noFill/>
+          <a:ln>
+            <a:noFill/>
+          </a:ln>
+        </p:spPr>
+      </p:pic>
+      <p:pic>
+        <p:nvPicPr>
+          <p:cNvPr id="96" name="Google Shape;96;p17"/>
+          <p:cNvPicPr preferRelativeResize="0"/>
+          <p:nvPr/>
+        </p:nvPicPr>
+        <p:blipFill>
+          <a:blip r:embed="rId6">
+            <a:alphaModFix/>
+          </a:blip>
+          <a:stretch>
+            <a:fillRect/>
+          </a:stretch>
+        </p:blipFill>
+        <p:spPr>
+          <a:xfrm>
+            <a:off x="4572000" y="1257388"/>
+            <a:ext cx="4437549" cy="3474926"/>
+          </a:xfrm>
+          <a:prstGeom prst="rect">
+            <a:avLst/>
+          </a:prstGeom>
+          <a:noFill/>
+          <a:ln>
+            <a:noFill/>
+          </a:ln>
+        </p:spPr>
+      </p:pic>
+    </p:spTree>
+  </p:cSld>
+  <p:clrMapOvr>
+    <a:masterClrMapping/>
+  </p:clrMapOvr>
+</p:sld>
+</file>
+
+<file path=ppt/slides/slide6.xml><?xml version="1.0" encoding="utf-8"?>
+<p:sld xmlns:a="http://schemas.openxmlformats.org/drawingml/2006/main" xmlns:r="http://schemas.openxmlformats.org/officeDocument/2006/relationships" xmlns:mc="http://schemas.openxmlformats.org/markup-compatibility/2006" xmlns:mv="urn:schemas-microsoft-com:mac:vml" xmlns:p="http://schemas.openxmlformats.org/presentationml/2006/main" xmlns:c="http://schemas.openxmlformats.org/drawingml/2006/chart" xmlns:dgm="http://schemas.openxmlformats.org/drawingml/2006/diagram" xmlns:o="urn:schemas-microsoft-com:office:office" xmlns:v="urn:schemas-microsoft-com:vml" xmlns:pvml="urn:schemas-microsoft-com:office:powerpoint" xmlns:com="http://schemas.openxmlformats.org/drawingml/2006/compatibility" xmlns:p14="http://schemas.microsoft.com/office/powerpoint/2010/main" xmlns:p15="http://schemas.microsoft.com/office/powerpoint/2012/main" xmlns:ahyp="http://schemas.microsoft.com/office/drawing/2018/hyperlinkcolor">
+  <p:cSld>
+    <p:spTree>
+      <p:nvGrpSpPr>
+        <p:cNvPr id="100" name="Shape 100"/>
+        <p:cNvGrpSpPr/>
+        <p:nvPr/>
+      </p:nvGrpSpPr>
+      <p:grpSpPr>
+        <a:xfrm>
+          <a:off x="0" y="0"/>
+          <a:ext cx="0" cy="0"/>
+          <a:chOff x="0" y="0"/>
+          <a:chExt cx="0" cy="0"/>
+        </a:xfrm>
+      </p:grpSpPr>
+      <p:sp>
+        <p:nvSpPr>
+          <p:cNvPr id="101" name="Google Shape;101;p18"/>
+          <p:cNvSpPr txBox="1"/>
+          <p:nvPr>
+            <p:ph type="title"/>
+          </p:nvPr>
+        </p:nvSpPr>
+        <p:spPr>
+          <a:xfrm>
+            <a:off x="311700" y="445025"/>
+            <a:ext cx="8520600" cy="572700"/>
+          </a:xfrm>
+          <a:prstGeom prst="rect">
+            <a:avLst/>
+          </a:prstGeom>
+        </p:spPr>
+        <p:txBody>
+          <a:bodyPr anchorCtr="0" anchor="t" bIns="91425" lIns="91425" spcFirstLastPara="1" rIns="91425" wrap="square" tIns="91425">
+            <a:normAutofit fontScale="90000"/>
+          </a:bodyPr>
+          <a:lstStyle/>
+          <a:p>
+            <a:pPr indent="0" lvl="0" marL="0" rtl="0" algn="l">
+              <a:spcBef>
+                <a:spcPts val="0"/>
+              </a:spcBef>
+              <a:spcAft>
+                <a:spcPts val="0"/>
+              </a:spcAft>
+              <a:buNone/>
+            </a:pPr>
+            <a:r>
+              <a:rPr lang="en"/>
+              <a:t>Most Appealing Features | Employee</a:t>
+            </a:r>
+            <a:endParaRPr/>
+          </a:p>
+        </p:txBody>
+      </p:sp>
+      <p:pic>
+        <p:nvPicPr>
+          <p:cNvPr id="102" name="Google Shape;102;p18"/>
+          <p:cNvPicPr preferRelativeResize="0"/>
+          <p:nvPr/>
+        </p:nvPicPr>
+        <p:blipFill rotWithShape="1">
+          <a:blip r:embed="rId3">
+            <a:alphaModFix/>
+          </a:blip>
+          <a:srcRect b="0" l="0" r="4039" t="0"/>
+          <a:stretch/>
+        </p:blipFill>
+        <p:spPr>
+          <a:xfrm>
+            <a:off x="7130075" y="0"/>
+            <a:ext cx="2013925" cy="859025"/>
+          </a:xfrm>
+          <a:prstGeom prst="rect">
+            <a:avLst/>
+          </a:prstGeom>
+          <a:noFill/>
+          <a:ln>
+            <a:noFill/>
+          </a:ln>
+        </p:spPr>
+      </p:pic>
+      <p:sp>
+        <p:nvSpPr>
+          <p:cNvPr id="103" name="Google Shape;103;p18"/>
+          <p:cNvSpPr/>
+          <p:nvPr/>
+        </p:nvSpPr>
+        <p:spPr>
+          <a:xfrm>
+            <a:off x="0" y="5073425"/>
+            <a:ext cx="9144000" cy="70200"/>
+          </a:xfrm>
+          <a:prstGeom prst="rect">
+            <a:avLst/>
+          </a:prstGeom>
+          <a:solidFill>
+            <a:schemeClr val="dk1"/>
+          </a:solidFill>
+          <a:ln cap="flat" cmpd="sng" w="9525">
+            <a:solidFill>
+              <a:schemeClr val="dk2"/>
+            </a:solidFill>
+            <a:prstDash val="solid"/>
+            <a:round/>
+            <a:headEnd len="sm" w="sm" type="none"/>
+            <a:tailEnd len="sm" w="sm" type="none"/>
+          </a:ln>
+        </p:spPr>
+        <p:txBody>
+          <a:bodyPr anchorCtr="0" anchor="ctr" bIns="91425" lIns="91425" spcFirstLastPara="1" rIns="91425" wrap="square" tIns="91425">
+            <a:noAutofit/>
+          </a:bodyPr>
+          <a:lstStyle/>
+          <a:p>
+            <a:pPr indent="0" lvl="0" marL="0" rtl="0" algn="l">
+              <a:spcBef>
+                <a:spcPts val="0"/>
+              </a:spcBef>
+              <a:spcAft>
+                <a:spcPts val="0"/>
+              </a:spcAft>
+              <a:buNone/>
+            </a:pPr>
+            <a:r>
+              <a:t/>
+            </a:r>
+            <a:endParaRPr/>
+          </a:p>
+        </p:txBody>
+      </p:sp>
+      <p:pic>
+        <p:nvPicPr>
+          <p:cNvPr id="104" name="Google Shape;104;p18"/>
+          <p:cNvPicPr preferRelativeResize="0"/>
+          <p:nvPr/>
+        </p:nvPicPr>
+        <p:blipFill>
+          <a:blip r:embed="rId4">
+            <a:alphaModFix/>
+          </a:blip>
+          <a:stretch>
+            <a:fillRect/>
+          </a:stretch>
+        </p:blipFill>
+        <p:spPr>
+          <a:xfrm>
+            <a:off x="152400" y="1170125"/>
+            <a:ext cx="1964354" cy="3750901"/>
+          </a:xfrm>
+          <a:prstGeom prst="rect">
+            <a:avLst/>
+          </a:prstGeom>
+          <a:noFill/>
+          <a:ln>
+            <a:noFill/>
+          </a:ln>
+        </p:spPr>
+      </p:pic>
+      <p:pic>
+        <p:nvPicPr>
+          <p:cNvPr id="105" name="Google Shape;105;p18"/>
+          <p:cNvPicPr preferRelativeResize="0"/>
+          <p:nvPr/>
+        </p:nvPicPr>
+        <p:blipFill>
+          <a:blip r:embed="rId5">
+            <a:alphaModFix/>
+          </a:blip>
+          <a:stretch>
+            <a:fillRect/>
+          </a:stretch>
+        </p:blipFill>
+        <p:spPr>
+          <a:xfrm>
+            <a:off x="2116754" y="1170125"/>
+            <a:ext cx="4038780" cy="3750901"/>
+          </a:xfrm>
+          <a:prstGeom prst="rect">
+            <a:avLst/>
+          </a:prstGeom>
+          <a:noFill/>
+          <a:ln>
+            <a:noFill/>
+          </a:ln>
+        </p:spPr>
+      </p:pic>
+      <p:pic>
+        <p:nvPicPr>
+          <p:cNvPr id="106" name="Google Shape;106;p18"/>
+          <p:cNvPicPr preferRelativeResize="0"/>
+          <p:nvPr/>
+        </p:nvPicPr>
+        <p:blipFill>
+          <a:blip r:embed="rId6">
+            <a:alphaModFix/>
+          </a:blip>
+          <a:stretch>
+            <a:fillRect/>
+          </a:stretch>
+        </p:blipFill>
+        <p:spPr>
+          <a:xfrm>
+            <a:off x="6237624" y="1880800"/>
+            <a:ext cx="2850150" cy="2329551"/>
+          </a:xfrm>
+          <a:prstGeom prst="rect">
+            <a:avLst/>
+          </a:prstGeom>
+          <a:noFill/>
+          <a:ln>
+            <a:noFill/>
+          </a:ln>
+        </p:spPr>
+      </p:pic>
+    </p:spTree>
+  </p:cSld>
+  <p:clrMapOvr>
+    <a:masterClrMapping/>
+  </p:clrMapOvr>
+</p:sld>
+</file>
+
+<file path=ppt/slides/slide7.xml><?xml version="1.0" encoding="utf-8"?>
+<p:sld xmlns:a="http://schemas.openxmlformats.org/drawingml/2006/main" xmlns:r="http://schemas.openxmlformats.org/officeDocument/2006/relationships" xmlns:mc="http://schemas.openxmlformats.org/markup-compatibility/2006" xmlns:mv="urn:schemas-microsoft-com:mac:vml" xmlns:p="http://schemas.openxmlformats.org/presentationml/2006/main" xmlns:c="http://schemas.openxmlformats.org/drawingml/2006/chart" xmlns:dgm="http://schemas.openxmlformats.org/drawingml/2006/diagram" xmlns:o="urn:schemas-microsoft-com:office:office" xmlns:v="urn:schemas-microsoft-com:vml" xmlns:pvml="urn:schemas-microsoft-com:office:powerpoint" xmlns:com="http://schemas.openxmlformats.org/drawingml/2006/compatibility" xmlns:p14="http://schemas.microsoft.com/office/powerpoint/2010/main" xmlns:p15="http://schemas.microsoft.com/office/powerpoint/2012/main" xmlns:ahyp="http://schemas.microsoft.com/office/drawing/2018/hyperlinkcolor">
+  <p:cSld>
+    <p:spTree>
+      <p:nvGrpSpPr>
+        <p:cNvPr id="110" name="Shape 110"/>
+        <p:cNvGrpSpPr/>
+        <p:nvPr/>
+      </p:nvGrpSpPr>
+      <p:grpSpPr>
+        <a:xfrm>
+          <a:off x="0" y="0"/>
+          <a:ext cx="0" cy="0"/>
+          <a:chOff x="0" y="0"/>
+          <a:chExt cx="0" cy="0"/>
+        </a:xfrm>
+      </p:grpSpPr>
+      <p:sp>
+        <p:nvSpPr>
+          <p:cNvPr id="111" name="Google Shape;111;p19"/>
+          <p:cNvSpPr txBox="1"/>
+          <p:nvPr>
+            <p:ph type="title"/>
+          </p:nvPr>
+        </p:nvSpPr>
+        <p:spPr>
+          <a:xfrm>
+            <a:off x="311700" y="445025"/>
+            <a:ext cx="8520600" cy="572700"/>
+          </a:xfrm>
+          <a:prstGeom prst="rect">
+            <a:avLst/>
+          </a:prstGeom>
+        </p:spPr>
+        <p:txBody>
+          <a:bodyPr anchorCtr="0" anchor="t" bIns="91425" lIns="91425" spcFirstLastPara="1" rIns="91425" wrap="square" tIns="91425">
+            <a:normAutofit fontScale="90000"/>
+          </a:bodyPr>
+          <a:lstStyle/>
+          <a:p>
+            <a:pPr indent="0" lvl="0" marL="0" rtl="0" algn="l">
+              <a:spcBef>
+                <a:spcPts val="0"/>
+              </a:spcBef>
+              <a:spcAft>
+                <a:spcPts val="0"/>
+              </a:spcAft>
+              <a:buNone/>
+            </a:pPr>
+            <a:r>
+              <a:rPr lang="en"/>
+              <a:t>Most Appealing Features | Manager</a:t>
+            </a:r>
+            <a:endParaRPr/>
+          </a:p>
+        </p:txBody>
+      </p:sp>
+      <p:pic>
+        <p:nvPicPr>
+          <p:cNvPr id="112" name="Google Shape;112;p19"/>
+          <p:cNvPicPr preferRelativeResize="0"/>
+          <p:nvPr/>
+        </p:nvPicPr>
+        <p:blipFill rotWithShape="1">
+          <a:blip r:embed="rId3">
+            <a:alphaModFix/>
+          </a:blip>
+          <a:srcRect b="0" l="0" r="4039" t="0"/>
+          <a:stretch/>
+        </p:blipFill>
+        <p:spPr>
+          <a:xfrm>
+            <a:off x="6995850" y="0"/>
+            <a:ext cx="2148151" cy="916275"/>
+          </a:xfrm>
+          <a:prstGeom prst="rect">
+            <a:avLst/>
+          </a:prstGeom>
+          <a:noFill/>
+          <a:ln>
+            <a:noFill/>
+          </a:ln>
+        </p:spPr>
+      </p:pic>
+      <p:sp>
+        <p:nvSpPr>
+          <p:cNvPr id="113" name="Google Shape;113;p19"/>
+          <p:cNvSpPr/>
+          <p:nvPr/>
+        </p:nvSpPr>
+        <p:spPr>
+          <a:xfrm>
+            <a:off x="0" y="5073425"/>
+            <a:ext cx="9144000" cy="70200"/>
+          </a:xfrm>
+          <a:prstGeom prst="rect">
+            <a:avLst/>
+          </a:prstGeom>
+          <a:solidFill>
+            <a:schemeClr val="dk1"/>
+          </a:solidFill>
+          <a:ln cap="flat" cmpd="sng" w="9525">
+            <a:solidFill>
+              <a:schemeClr val="dk2"/>
+            </a:solidFill>
+            <a:prstDash val="solid"/>
+            <a:round/>
+            <a:headEnd len="sm" w="sm" type="none"/>
+            <a:tailEnd len="sm" w="sm" type="none"/>
+          </a:ln>
+        </p:spPr>
+        <p:txBody>
+          <a:bodyPr anchorCtr="0" anchor="ctr" bIns="91425" lIns="91425" spcFirstLastPara="1" rIns="91425" wrap="square" tIns="91425">
+            <a:noAutofit/>
+          </a:bodyPr>
+          <a:lstStyle/>
+          <a:p>
+            <a:pPr indent="0" lvl="0" marL="0" rtl="0" algn="l">
+              <a:spcBef>
+                <a:spcPts val="0"/>
+              </a:spcBef>
+              <a:spcAft>
+                <a:spcPts val="0"/>
+              </a:spcAft>
+              <a:buNone/>
+            </a:pPr>
+            <a:r>
+              <a:t/>
+            </a:r>
+            <a:endParaRPr/>
+          </a:p>
+        </p:txBody>
+      </p:sp>
+      <p:pic>
+        <p:nvPicPr>
+          <p:cNvPr id="114" name="Google Shape;114;p19"/>
+          <p:cNvPicPr preferRelativeResize="0"/>
+          <p:nvPr/>
+        </p:nvPicPr>
+        <p:blipFill>
+          <a:blip r:embed="rId4">
+            <a:alphaModFix/>
+          </a:blip>
+          <a:stretch>
+            <a:fillRect/>
+          </a:stretch>
+        </p:blipFill>
+        <p:spPr>
+          <a:xfrm>
+            <a:off x="152400" y="1170125"/>
+            <a:ext cx="8839203" cy="3104846"/>
+          </a:xfrm>
+          <a:prstGeom prst="rect">
+            <a:avLst/>
+          </a:prstGeom>
+          <a:noFill/>
+          <a:ln>
+            <a:noFill/>
+          </a:ln>
+        </p:spPr>
+      </p:pic>
+    </p:spTree>
+  </p:cSld>
+  <p:clrMapOvr>
+    <a:masterClrMapping/>
+  </p:clrMapOvr>
+</p:sld>
+</file>
+
+<file path=ppt/slides/slide8.xml><?xml version="1.0" encoding="utf-8"?>
+<p:sld xmlns:a="http://schemas.openxmlformats.org/drawingml/2006/main" xmlns:r="http://schemas.openxmlformats.org/officeDocument/2006/relationships" xmlns:mc="http://schemas.openxmlformats.org/markup-compatibility/2006" xmlns:mv="urn:schemas-microsoft-com:mac:vml" xmlns:p="http://schemas.openxmlformats.org/presentationml/2006/main" xmlns:c="http://schemas.openxmlformats.org/drawingml/2006/chart" xmlns:dgm="http://schemas.openxmlformats.org/drawingml/2006/diagram" xmlns:o="urn:schemas-microsoft-com:office:office" xmlns:v="urn:schemas-microsoft-com:vml" xmlns:pvml="urn:schemas-microsoft-com:office:powerpoint" xmlns:com="http://schemas.openxmlformats.org/drawingml/2006/compatibility" xmlns:p14="http://schemas.microsoft.com/office/powerpoint/2010/main" xmlns:p15="http://schemas.microsoft.com/office/powerpoint/2012/main" xmlns:ahyp="http://schemas.microsoft.com/office/drawing/2018/hyperlinkcolor">
+  <p:cSld>
+    <p:spTree>
+      <p:nvGrpSpPr>
+        <p:cNvPr id="118" name="Shape 118"/>
+        <p:cNvGrpSpPr/>
+        <p:nvPr/>
+      </p:nvGrpSpPr>
+      <p:grpSpPr>
+        <a:xfrm>
+          <a:off x="0" y="0"/>
+          <a:ext cx="0" cy="0"/>
+          <a:chOff x="0" y="0"/>
+          <a:chExt cx="0" cy="0"/>
+        </a:xfrm>
+      </p:grpSpPr>
+      <p:sp>
+        <p:nvSpPr>
+          <p:cNvPr id="119" name="Google Shape;119;p20"/>
+          <p:cNvSpPr txBox="1"/>
+          <p:nvPr>
+            <p:ph type="title"/>
+          </p:nvPr>
+        </p:nvSpPr>
+        <p:spPr>
+          <a:xfrm>
+            <a:off x="311700" y="445025"/>
+            <a:ext cx="8520600" cy="572700"/>
+          </a:xfrm>
+          <a:prstGeom prst="rect">
+            <a:avLst/>
+          </a:prstGeom>
+        </p:spPr>
+        <p:txBody>
+          <a:bodyPr anchorCtr="0" anchor="t" bIns="91425" lIns="91425" spcFirstLastPara="1" rIns="91425" wrap="square" tIns="91425">
+            <a:normAutofit fontScale="90000"/>
+          </a:bodyPr>
+          <a:lstStyle/>
+          <a:p>
+            <a:pPr indent="0" lvl="0" marL="0" rtl="0" algn="l">
+              <a:spcBef>
+                <a:spcPts val="0"/>
+              </a:spcBef>
+              <a:spcAft>
+                <a:spcPts val="0"/>
+              </a:spcAft>
+              <a:buNone/>
+            </a:pPr>
+            <a:r>
+              <a:rPr lang="en"/>
+              <a:t>Major Challenges and Their Solutions</a:t>
+            </a:r>
+            <a:endParaRPr/>
+          </a:p>
+        </p:txBody>
+      </p:sp>
+      <p:sp>
+        <p:nvSpPr>
+          <p:cNvPr id="120" name="Google Shape;120;p20"/>
+          <p:cNvSpPr txBox="1"/>
+          <p:nvPr>
+            <p:ph idx="1" type="body"/>
+          </p:nvPr>
+        </p:nvSpPr>
+        <p:spPr>
+          <a:xfrm>
+            <a:off x="311700" y="1152475"/>
+            <a:ext cx="8520600" cy="3416400"/>
+          </a:xfrm>
+          <a:prstGeom prst="rect">
+            <a:avLst/>
+          </a:prstGeom>
+        </p:spPr>
+        <p:txBody>
+          <a:bodyPr anchorCtr="0" anchor="t" bIns="91425" lIns="91425" spcFirstLastPara="1" rIns="91425" wrap="square" tIns="91425">
+            <a:normAutofit/>
+          </a:bodyPr>
+          <a:lstStyle/>
+          <a:p>
+            <a:pPr indent="-368300" lvl="0" marL="457200" rtl="0" algn="l">
+              <a:spcBef>
+                <a:spcPts val="0"/>
+              </a:spcBef>
+              <a:spcAft>
+                <a:spcPts val="0"/>
+              </a:spcAft>
+              <a:buSzPts val="2200"/>
+              <a:buChar char="●"/>
+            </a:pPr>
+            <a:r>
+              <a:rPr lang="en"/>
+              <a:t>Which of our use-cases are logically cohesive?</a:t>
+            </a:r>
+            <a:endParaRPr/>
+          </a:p>
+          <a:p>
+            <a:pPr indent="-368300" lvl="0" marL="457200" rtl="0" algn="l">
+              <a:spcBef>
+                <a:spcPts val="0"/>
+              </a:spcBef>
+              <a:spcAft>
+                <a:spcPts val="0"/>
+              </a:spcAft>
+              <a:buSzPts val="2200"/>
+              <a:buChar char="●"/>
+            </a:pPr>
+            <a:r>
+              <a:rPr lang="en"/>
+              <a:t>Who should handle credit card processing?</a:t>
+            </a:r>
+            <a:endParaRPr/>
+          </a:p>
+          <a:p>
+            <a:pPr indent="-342900" lvl="1" marL="914400" rtl="0" algn="l">
+              <a:spcBef>
+                <a:spcPts val="0"/>
+              </a:spcBef>
+              <a:spcAft>
+                <a:spcPts val="0"/>
+              </a:spcAft>
+              <a:buSzPts val="1800"/>
+              <a:buChar char="○"/>
+            </a:pPr>
+            <a:r>
+              <a:rPr lang="en"/>
+              <a:t>PCI compliance</a:t>
+            </a:r>
+            <a:endParaRPr/>
+          </a:p>
+          <a:p>
+            <a:pPr indent="-368300" lvl="0" marL="457200" rtl="0" algn="l">
+              <a:spcBef>
+                <a:spcPts val="0"/>
+              </a:spcBef>
+              <a:spcAft>
+                <a:spcPts val="0"/>
+              </a:spcAft>
+              <a:buSzPts val="2200"/>
+              <a:buChar char="●"/>
+            </a:pPr>
+            <a:r>
+              <a:rPr lang="en"/>
+              <a:t>Deciding on UI/UX guidelines</a:t>
+            </a:r>
+            <a:endParaRPr/>
+          </a:p>
+          <a:p>
+            <a:pPr indent="-342900" lvl="1" marL="914400" rtl="0" algn="l">
+              <a:spcBef>
+                <a:spcPts val="0"/>
+              </a:spcBef>
+              <a:spcAft>
+                <a:spcPts val="0"/>
+              </a:spcAft>
+              <a:buSzPts val="1800"/>
+              <a:buChar char="○"/>
+            </a:pPr>
+            <a:r>
+              <a:rPr lang="en"/>
+              <a:t>Splitting work made UI/UX worse</a:t>
+            </a:r>
+            <a:endParaRPr/>
+          </a:p>
+        </p:txBody>
+      </p:sp>
+      <p:pic>
+        <p:nvPicPr>
+          <p:cNvPr id="121" name="Google Shape;121;p20"/>
+          <p:cNvPicPr preferRelativeResize="0"/>
+          <p:nvPr/>
+        </p:nvPicPr>
+        <p:blipFill rotWithShape="1">
+          <a:blip r:embed="rId3">
+            <a:alphaModFix/>
+          </a:blip>
+          <a:srcRect b="0" l="6127" r="14191" t="0"/>
+          <a:stretch/>
+        </p:blipFill>
+        <p:spPr>
+          <a:xfrm>
+            <a:off x="7384425" y="0"/>
+            <a:ext cx="1783700" cy="916275"/>
+          </a:xfrm>
+          <a:prstGeom prst="rect">
+            <a:avLst/>
+          </a:prstGeom>
+          <a:noFill/>
+          <a:ln>
+            <a:noFill/>
+          </a:ln>
+        </p:spPr>
+      </p:pic>
+      <p:sp>
+        <p:nvSpPr>
+          <p:cNvPr id="122" name="Google Shape;122;p20"/>
+          <p:cNvSpPr/>
+          <p:nvPr/>
+        </p:nvSpPr>
+        <p:spPr>
+          <a:xfrm>
+            <a:off x="0" y="5073425"/>
+            <a:ext cx="9144000" cy="70200"/>
+          </a:xfrm>
+          <a:prstGeom prst="rect">
+            <a:avLst/>
+          </a:prstGeom>
+          <a:solidFill>
+            <a:schemeClr val="dk1"/>
+          </a:solidFill>
+          <a:ln cap="flat" cmpd="sng" w="9525">
+            <a:solidFill>
+              <a:schemeClr val="dk2"/>
+            </a:solidFill>
+            <a:prstDash val="solid"/>
+            <a:round/>
+            <a:headEnd len="sm" w="sm" type="none"/>
+            <a:tailEnd len="sm" w="sm" type="none"/>
+          </a:ln>
+        </p:spPr>
+        <p:txBody>
+          <a:bodyPr anchorCtr="0" anchor="ctr" bIns="91425" lIns="91425" spcFirstLastPara="1" rIns="91425" wrap="square" tIns="91425">
+            <a:noAutofit/>
+          </a:bodyPr>
+          <a:lstStyle/>
+          <a:p>
+            <a:pPr indent="0" lvl="0" marL="0" rtl="0" algn="l">
+              <a:spcBef>
+                <a:spcPts val="0"/>
+              </a:spcBef>
+              <a:spcAft>
+                <a:spcPts val="0"/>
+              </a:spcAft>
+              <a:buNone/>
+            </a:pPr>
+            <a:r>
+              <a:t/>
+            </a:r>
+            <a:endParaRPr/>
+          </a:p>
+        </p:txBody>
+      </p:sp>
+      <p:pic>
+        <p:nvPicPr>
+          <p:cNvPr id="123" name="Google Shape;123;p20"/>
+          <p:cNvPicPr preferRelativeResize="0"/>
+          <p:nvPr/>
+        </p:nvPicPr>
+        <p:blipFill rotWithShape="1">
+          <a:blip r:embed="rId4">
+            <a:alphaModFix/>
+          </a:blip>
+          <a:srcRect b="-2950" l="17393" r="3723" t="2950"/>
+          <a:stretch/>
+        </p:blipFill>
+        <p:spPr>
+          <a:xfrm>
+            <a:off x="4118501" y="3285930"/>
+            <a:ext cx="4391200" cy="1395075"/>
+          </a:xfrm>
+          <a:prstGeom prst="rect">
+            <a:avLst/>
+          </a:prstGeom>
+          <a:noFill/>
+          <a:ln>
+            <a:noFill/>
+          </a:ln>
+        </p:spPr>
+      </p:pic>
+    </p:spTree>
+  </p:cSld>
+  <p:clrMapOvr>
+    <a:masterClrMapping/>
+  </p:clrMapOvr>
+</p:sld>
+</file>
+
+<file path=ppt/slides/slide9.xml><?xml version="1.0" encoding="utf-8"?>
+<p:sld xmlns:a="http://schemas.openxmlformats.org/drawingml/2006/main" xmlns:r="http://schemas.openxmlformats.org/officeDocument/2006/relationships" xmlns:mc="http://schemas.openxmlformats.org/markup-compatibility/2006" xmlns:mv="urn:schemas-microsoft-com:mac:vml" xmlns:p="http://schemas.openxmlformats.org/presentationml/2006/main" xmlns:c="http://schemas.openxmlformats.org/drawingml/2006/chart" xmlns:dgm="http://schemas.openxmlformats.org/drawingml/2006/diagram" xmlns:o="urn:schemas-microsoft-com:office:office" xmlns:v="urn:schemas-microsoft-com:vml" xmlns:pvml="urn:schemas-microsoft-com:office:powerpoint" xmlns:com="http://schemas.openxmlformats.org/drawingml/2006/compatibility" xmlns:p14="http://schemas.microsoft.com/office/powerpoint/2010/main" xmlns:p15="http://schemas.microsoft.com/office/powerpoint/2012/main" xmlns:ahyp="http://schemas.microsoft.com/office/drawing/2018/hyperlinkcolor">
+  <p:cSld>
+    <p:spTree>
+      <p:nvGrpSpPr>
+        <p:cNvPr id="127" name="Shape 127"/>
+        <p:cNvGrpSpPr/>
+        <p:nvPr/>
+      </p:nvGrpSpPr>
+      <p:grpSpPr>
+        <a:xfrm>
+          <a:off x="0" y="0"/>
+          <a:ext cx="0" cy="0"/>
+          <a:chOff x="0" y="0"/>
+          <a:chExt cx="0" cy="0"/>
+        </a:xfrm>
+      </p:grpSpPr>
+      <p:sp>
+        <p:nvSpPr>
+          <p:cNvPr id="128" name="Google Shape;128;p21"/>
+          <p:cNvSpPr txBox="1"/>
+          <p:nvPr>
+            <p:ph type="title"/>
+          </p:nvPr>
+        </p:nvSpPr>
+        <p:spPr>
+          <a:xfrm>
+            <a:off x="311700" y="445025"/>
+            <a:ext cx="8520600" cy="572700"/>
+          </a:xfrm>
+          <a:prstGeom prst="rect">
+            <a:avLst/>
+          </a:prstGeom>
+        </p:spPr>
+        <p:txBody>
+          <a:bodyPr anchorCtr="0" anchor="t" bIns="91425" lIns="91425" spcFirstLastPara="1" rIns="91425" wrap="square" tIns="91425">
+            <a:normAutofit fontScale="90000"/>
+          </a:bodyPr>
+          <a:lstStyle/>
+          <a:p>
+            <a:pPr indent="0" lvl="0" marL="0" rtl="0" algn="l">
+              <a:spcBef>
+                <a:spcPts val="0"/>
+              </a:spcBef>
+              <a:spcAft>
+                <a:spcPts val="0"/>
+              </a:spcAft>
+              <a:buNone/>
+            </a:pPr>
+            <a:r>
+              <a:rPr lang="en"/>
+              <a:t>Lessons Learned / Summary</a:t>
+            </a:r>
+            <a:endParaRPr/>
+          </a:p>
+        </p:txBody>
+      </p:sp>
+      <p:sp>
+        <p:nvSpPr>
+          <p:cNvPr id="129" name="Google Shape;129;p21"/>
+          <p:cNvSpPr txBox="1"/>
+          <p:nvPr>
+            <p:ph idx="1" type="body"/>
+          </p:nvPr>
+        </p:nvSpPr>
+        <p:spPr>
+          <a:xfrm>
+            <a:off x="311700" y="1152475"/>
+            <a:ext cx="8520600" cy="3416400"/>
+          </a:xfrm>
+          <a:prstGeom prst="rect">
+            <a:avLst/>
+          </a:prstGeom>
+        </p:spPr>
+        <p:txBody>
+          <a:bodyPr anchorCtr="0" anchor="t" bIns="91425" lIns="91425" spcFirstLastPara="1" rIns="91425" wrap="square" tIns="91425">
+            <a:normAutofit/>
+          </a:bodyPr>
+          <a:lstStyle/>
+          <a:p>
+            <a:pPr indent="-368300" lvl="0" marL="457200" rtl="0" algn="l">
+              <a:spcBef>
+                <a:spcPts val="0"/>
+              </a:spcBef>
+              <a:spcAft>
+                <a:spcPts val="0"/>
+              </a:spcAft>
+              <a:buSzPts val="2200"/>
+              <a:buChar char="●"/>
+            </a:pPr>
+            <a:r>
+              <a:rPr lang="en"/>
+              <a:t>Clarify Expectations/ Requirements Early and Often</a:t>
+            </a:r>
+            <a:endParaRPr/>
+          </a:p>
+          <a:p>
+            <a:pPr indent="-342900" lvl="1" marL="914400" rtl="0" algn="l">
+              <a:spcBef>
+                <a:spcPts val="0"/>
+              </a:spcBef>
+              <a:spcAft>
+                <a:spcPts val="0"/>
+              </a:spcAft>
+              <a:buSzPts val="1800"/>
+              <a:buChar char="○"/>
+            </a:pPr>
+            <a:r>
+              <a:rPr lang="en"/>
+              <a:t>Redundancies when teammates on different pages</a:t>
+            </a:r>
+            <a:endParaRPr/>
+          </a:p>
+          <a:p>
+            <a:pPr indent="-342900" lvl="1" marL="914400" rtl="0" algn="l">
+              <a:spcBef>
+                <a:spcPts val="0"/>
+              </a:spcBef>
+              <a:spcAft>
+                <a:spcPts val="0"/>
+              </a:spcAft>
+              <a:buSzPts val="1800"/>
+              <a:buChar char="○"/>
+            </a:pPr>
+            <a:r>
+              <a:rPr lang="en"/>
+              <a:t>When requirements change, everyone needs to know</a:t>
+            </a:r>
+            <a:endParaRPr/>
+          </a:p>
+          <a:p>
+            <a:pPr indent="-368300" lvl="0" marL="457200" rtl="0" algn="l">
+              <a:spcBef>
+                <a:spcPts val="0"/>
+              </a:spcBef>
+              <a:spcAft>
+                <a:spcPts val="0"/>
+              </a:spcAft>
+              <a:buSzPts val="2200"/>
+              <a:buChar char="●"/>
+            </a:pPr>
+            <a:r>
+              <a:rPr lang="en"/>
+              <a:t>UI Design is an iterative process</a:t>
+            </a:r>
+            <a:endParaRPr/>
+          </a:p>
+          <a:p>
+            <a:pPr indent="-368300" lvl="0" marL="457200" rtl="0" algn="l">
+              <a:spcBef>
+                <a:spcPts val="0"/>
+              </a:spcBef>
+              <a:spcAft>
+                <a:spcPts val="0"/>
+              </a:spcAft>
+              <a:buSzPts val="2200"/>
+              <a:buChar char="●"/>
+            </a:pPr>
+            <a:r>
+              <a:rPr lang="en"/>
+              <a:t>Know Your Limits</a:t>
+            </a:r>
+            <a:endParaRPr/>
+          </a:p>
+        </p:txBody>
+      </p:sp>
+      <p:pic>
+        <p:nvPicPr>
+          <p:cNvPr id="130" name="Google Shape;130;p21"/>
+          <p:cNvPicPr preferRelativeResize="0"/>
+          <p:nvPr/>
+        </p:nvPicPr>
+        <p:blipFill rotWithShape="1">
+          <a:blip r:embed="rId3">
+            <a:alphaModFix/>
+          </a:blip>
+          <a:srcRect b="0" l="0" r="4039" t="0"/>
+          <a:stretch/>
+        </p:blipFill>
+        <p:spPr>
+          <a:xfrm>
+            <a:off x="6995850" y="0"/>
+            <a:ext cx="2148151" cy="916275"/>
+          </a:xfrm>
+          <a:prstGeom prst="rect">
+            <a:avLst/>
+          </a:prstGeom>
+          <a:noFill/>
+          <a:ln>
+            <a:noFill/>
+          </a:ln>
+        </p:spPr>
+      </p:pic>
+      <p:sp>
+        <p:nvSpPr>
+          <p:cNvPr id="131" name="Google Shape;131;p21"/>
+          <p:cNvSpPr/>
+          <p:nvPr/>
+        </p:nvSpPr>
+        <p:spPr>
+          <a:xfrm>
+            <a:off x="0" y="5073425"/>
+            <a:ext cx="9144000" cy="70200"/>
+          </a:xfrm>
+          <a:prstGeom prst="rect">
+            <a:avLst/>
+          </a:prstGeom>
+          <a:solidFill>
+            <a:schemeClr val="dk1"/>
+          </a:solidFill>
+          <a:ln cap="flat" cmpd="sng" w="9525">
+            <a:solidFill>
+              <a:schemeClr val="dk2"/>
+            </a:solidFill>
+            <a:prstDash val="solid"/>
+            <a:round/>
+            <a:headEnd len="sm" w="sm" type="none"/>
+            <a:tailEnd len="sm" w="sm" type="none"/>
+          </a:ln>
+        </p:spPr>
+        <p:txBody>
+          <a:bodyPr anchorCtr="0" anchor="ctr" bIns="91425" lIns="91425" spcFirstLastPara="1" rIns="91425" wrap="square" tIns="91425">
+            <a:noAutofit/>
+          </a:bodyPr>
+          <a:lstStyle/>
+          <a:p>
+            <a:pPr indent="0" lvl="0" marL="0" rtl="0" algn="l">
+              <a:spcBef>
+                <a:spcPts val="0"/>
+              </a:spcBef>
+              <a:spcAft>
+                <a:spcPts val="0"/>
+              </a:spcAft>
+              <a:buNone/>
+            </a:pPr>
+            <a:r>
+              <a:t/>
+            </a:r>
+            <a:endParaRPr/>
+          </a:p>
+        </p:txBody>
+      </p:sp>
     </p:spTree>
   </p:cSld>
   <p:clrMapOvr>
@@ -7789,7 +9208,286 @@
 </file>
 
 <file path=ppt/theme/theme1.xml><?xml version="1.0" encoding="utf-8"?>
-<a:theme xmlns:a="http://schemas.openxmlformats.org/drawingml/2006/main" name="Gameday">
+<a:theme xmlns:a="http://schemas.openxmlformats.org/drawingml/2006/main" xmlns:r="http://schemas.openxmlformats.org/officeDocument/2006/relationships">
+  <a:themeElements>
+    <a:clrScheme name="Default">
+      <a:dk1>
+        <a:srgbClr val="000000"/>
+      </a:dk1>
+      <a:lt1>
+        <a:srgbClr val="FFFFFF"/>
+      </a:lt1>
+      <a:dk2>
+        <a:srgbClr val="158158"/>
+      </a:dk2>
+      <a:lt2>
+        <a:srgbClr val="F3F3F3"/>
+      </a:lt2>
+      <a:accent1>
+        <a:srgbClr val="058DC7"/>
+      </a:accent1>
+      <a:accent2>
+        <a:srgbClr val="50B432"/>
+      </a:accent2>
+      <a:accent3>
+        <a:srgbClr val="ED561B"/>
+      </a:accent3>
+      <a:accent4>
+        <a:srgbClr val="EDEF00"/>
+      </a:accent4>
+      <a:accent5>
+        <a:srgbClr val="24CBE5"/>
+      </a:accent5>
+      <a:accent6>
+        <a:srgbClr val="64E572"/>
+      </a:accent6>
+      <a:hlink>
+        <a:srgbClr val="2200CC"/>
+      </a:hlink>
+      <a:folHlink>
+        <a:srgbClr val="551A8B"/>
+      </a:folHlink>
+    </a:clrScheme>
+    <a:fontScheme name="Office">
+      <a:majorFont>
+        <a:latin typeface="Arial"/>
+        <a:ea typeface=""/>
+        <a:cs typeface=""/>
+        <a:font script="Jpan" typeface="ＭＳ Ｐゴシック"/>
+        <a:font script="Hang" typeface="맑은 고딕"/>
+        <a:font script="Hans" typeface="宋体"/>
+        <a:font script="Hant" typeface="新細明體"/>
+        <a:font script="Arab" typeface="Times New Roman"/>
+        <a:font script="Hebr" typeface="Times New Roman"/>
+        <a:font script="Thai" typeface="Angsana New"/>
+        <a:font script="Ethi" typeface="Nyala"/>
+        <a:font script="Beng" typeface="Vrinda"/>
+        <a:font script="Gujr" typeface="Shruti"/>
+        <a:font script="Khmr" typeface="MoolBoran"/>
+        <a:font script="Knda" typeface="Tunga"/>
+        <a:font script="Guru" typeface="Raavi"/>
+        <a:font script="Cans" typeface="Euphemia"/>
+        <a:font script="Cher" typeface="Plantagenet Cherokee"/>
+        <a:font script="Yiii" typeface="Microsoft Yi Baiti"/>
+        <a:font script="Tibt" typeface="Microsoft Himalaya"/>
+        <a:font script="Thaa" typeface="MV Boli"/>
+        <a:font script="Deva" typeface="Mangal"/>
+        <a:font script="Telu" typeface="Gautami"/>
+        <a:font script="Taml" typeface="Latha"/>
+        <a:font script="Syrc" typeface="Estrangelo Edessa"/>
+        <a:font script="Orya" typeface="Kalinga"/>
+        <a:font script="Mlym" typeface="Kartika"/>
+        <a:font script="Laoo" typeface="DokChampa"/>
+        <a:font script="Sinh" typeface="Iskoola Pota"/>
+        <a:font script="Mong" typeface="Mongolian Baiti"/>
+        <a:font script="Viet" typeface="Times New Roman"/>
+        <a:font script="Uigh" typeface="Microsoft Uighur"/>
+        <a:font script="Geor" typeface="Sylfaen"/>
+      </a:majorFont>
+      <a:minorFont>
+        <a:latin typeface="Arial"/>
+        <a:ea typeface=""/>
+        <a:cs typeface=""/>
+        <a:font script="Jpan" typeface="ＭＳ Ｐゴシック"/>
+        <a:font script="Hang" typeface="맑은 고딕"/>
+        <a:font script="Hans" typeface="宋体"/>
+        <a:font script="Hant" typeface="新細明體"/>
+        <a:font script="Arab" typeface="Arial"/>
+        <a:font script="Hebr" typeface="Arial"/>
+        <a:font script="Thai" typeface="Cordia New"/>
+        <a:font script="Ethi" typeface="Nyala"/>
+        <a:font script="Beng" typeface="Vrinda"/>
+        <a:font script="Gujr" typeface="Shruti"/>
+        <a:font script="Khmr" typeface="DaunPenh"/>
+        <a:font script="Knda" typeface="Tunga"/>
+        <a:font script="Guru" typeface="Raavi"/>
+        <a:font script="Cans" typeface="Euphemia"/>
+        <a:font script="Cher" typeface="Plantagenet Cherokee"/>
+        <a:font script="Yiii" typeface="Microsoft Yi Baiti"/>
+        <a:font script="Tibt" typeface="Microsoft Himalaya"/>
+        <a:font script="Thaa" typeface="MV Boli"/>
+        <a:font script="Deva" typeface="Mangal"/>
+        <a:font script="Telu" typeface="Gautami"/>
+        <a:font script="Taml" typeface="Latha"/>
+        <a:font script="Syrc" typeface="Estrangelo Edessa"/>
+        <a:font script="Orya" typeface="Kalinga"/>
+        <a:font script="Mlym" typeface="Kartika"/>
+        <a:font script="Laoo" typeface="DokChampa"/>
+        <a:font script="Sinh" typeface="Iskoola Pota"/>
+        <a:font script="Mong" typeface="Mongolian Baiti"/>
+        <a:font script="Viet" typeface="Arial"/>
+        <a:font script="Uigh" typeface="Microsoft Uighur"/>
+        <a:font script="Geor" typeface="Sylfaen"/>
+      </a:minorFont>
+    </a:fontScheme>
+    <a:fmtScheme name="Office">
+      <a:fillStyleLst>
+        <a:solidFill>
+          <a:schemeClr val="phClr"/>
+        </a:solidFill>
+        <a:gradFill rotWithShape="1">
+          <a:gsLst>
+            <a:gs pos="0">
+              <a:schemeClr val="phClr">
+                <a:tint val="50000"/>
+                <a:satMod val="300000"/>
+              </a:schemeClr>
+            </a:gs>
+            <a:gs pos="35000">
+              <a:schemeClr val="phClr">
+                <a:tint val="37000"/>
+                <a:satMod val="300000"/>
+              </a:schemeClr>
+            </a:gs>
+            <a:gs pos="100000">
+              <a:schemeClr val="phClr">
+                <a:tint val="15000"/>
+                <a:satMod val="350000"/>
+              </a:schemeClr>
+            </a:gs>
+          </a:gsLst>
+          <a:lin ang="16200000" scaled="1"/>
+        </a:gradFill>
+        <a:gradFill rotWithShape="1">
+          <a:gsLst>
+            <a:gs pos="0">
+              <a:schemeClr val="phClr">
+                <a:tint val="100000"/>
+                <a:shade val="100000"/>
+                <a:satMod val="130000"/>
+              </a:schemeClr>
+            </a:gs>
+            <a:gs pos="100000">
+              <a:schemeClr val="phClr">
+                <a:tint val="50000"/>
+                <a:shade val="100000"/>
+                <a:satMod val="350000"/>
+              </a:schemeClr>
+            </a:gs>
+          </a:gsLst>
+          <a:lin ang="16200000" scaled="0"/>
+        </a:gradFill>
+      </a:fillStyleLst>
+      <a:lnStyleLst>
+        <a:ln w="9525" cap="flat" cmpd="sng" algn="ctr">
+          <a:solidFill>
+            <a:schemeClr val="phClr">
+              <a:shade val="95000"/>
+              <a:satMod val="105000"/>
+            </a:schemeClr>
+          </a:solidFill>
+          <a:prstDash val="solid"/>
+        </a:ln>
+        <a:ln w="25400" cap="flat" cmpd="sng" algn="ctr">
+          <a:solidFill>
+            <a:schemeClr val="phClr"/>
+          </a:solidFill>
+          <a:prstDash val="solid"/>
+        </a:ln>
+        <a:ln w="38100" cap="flat" cmpd="sng" algn="ctr">
+          <a:solidFill>
+            <a:schemeClr val="phClr"/>
+          </a:solidFill>
+          <a:prstDash val="solid"/>
+        </a:ln>
+      </a:lnStyleLst>
+      <a:effectStyleLst>
+        <a:effectStyle>
+          <a:effectLst>
+            <a:outerShdw blurRad="40000" dist="20000" dir="5400000" rotWithShape="0">
+              <a:srgbClr val="000000">
+                <a:alpha val="38000"/>
+              </a:srgbClr>
+            </a:outerShdw>
+          </a:effectLst>
+        </a:effectStyle>
+        <a:effectStyle>
+          <a:effectLst>
+            <a:outerShdw blurRad="40000" dist="23000" dir="5400000" rotWithShape="0">
+              <a:srgbClr val="000000">
+                <a:alpha val="35000"/>
+              </a:srgbClr>
+            </a:outerShdw>
+          </a:effectLst>
+        </a:effectStyle>
+        <a:effectStyle>
+          <a:effectLst>
+            <a:outerShdw blurRad="40000" dist="23000" dir="5400000" rotWithShape="0">
+              <a:srgbClr val="000000">
+                <a:alpha val="35000"/>
+              </a:srgbClr>
+            </a:outerShdw>
+          </a:effectLst>
+          <a:scene3d>
+            <a:camera prst="orthographicFront">
+              <a:rot lat="0" lon="0" rev="0"/>
+            </a:camera>
+            <a:lightRig rig="threePt" dir="t">
+              <a:rot lat="0" lon="0" rev="1200000"/>
+            </a:lightRig>
+          </a:scene3d>
+          <a:sp3d>
+            <a:bevelT w="63500" h="25400"/>
+          </a:sp3d>
+        </a:effectStyle>
+      </a:effectStyleLst>
+      <a:bgFillStyleLst>
+        <a:solidFill>
+          <a:schemeClr val="phClr"/>
+        </a:solidFill>
+        <a:gradFill rotWithShape="1">
+          <a:gsLst>
+            <a:gs pos="0">
+              <a:schemeClr val="phClr">
+                <a:tint val="40000"/>
+                <a:satMod val="350000"/>
+              </a:schemeClr>
+            </a:gs>
+            <a:gs pos="40000">
+              <a:schemeClr val="phClr">
+                <a:tint val="45000"/>
+                <a:shade val="99000"/>
+                <a:satMod val="350000"/>
+              </a:schemeClr>
+            </a:gs>
+            <a:gs pos="100000">
+              <a:schemeClr val="phClr">
+                <a:shade val="20000"/>
+                <a:satMod val="255000"/>
+              </a:schemeClr>
+            </a:gs>
+          </a:gsLst>
+          <a:path path="circle">
+            <a:fillToRect l="50000" t="-80000" r="50000" b="180000"/>
+          </a:path>
+        </a:gradFill>
+        <a:gradFill rotWithShape="1">
+          <a:gsLst>
+            <a:gs pos="0">
+              <a:schemeClr val="phClr">
+                <a:tint val="80000"/>
+                <a:satMod val="300000"/>
+              </a:schemeClr>
+            </a:gs>
+            <a:gs pos="100000">
+              <a:schemeClr val="phClr">
+                <a:shade val="30000"/>
+                <a:satMod val="200000"/>
+              </a:schemeClr>
+            </a:gs>
+          </a:gsLst>
+          <a:path path="circle">
+            <a:fillToRect l="50000" t="50000" r="50000" b="50000"/>
+          </a:path>
+        </a:gradFill>
+      </a:bgFillStyleLst>
+    </a:fmtScheme>
+  </a:themeElements>
+</a:theme>
+</file>
+
+<file path=ppt/theme/theme2.xml><?xml version="1.0" encoding="utf-8"?>
+<a:theme xmlns:a="http://schemas.openxmlformats.org/drawingml/2006/main" xmlns:r="http://schemas.openxmlformats.org/officeDocument/2006/relationships" name="Gameday">
   <a:themeElements>
     <a:clrScheme name="Gameday">
       <a:dk1>
@@ -8064,288 +9762,5 @@
       </a:bgFillStyleLst>
     </a:fmtScheme>
   </a:themeElements>
-  <a:objectDefaults/>
-  <a:extraClrSchemeLst/>
-</a:theme>
-</file>
-
-<file path=ppt/theme/theme2.xml><?xml version="1.0" encoding="utf-8"?>
-<a:theme xmlns:a="http://schemas.openxmlformats.org/drawingml/2006/main">
-  <a:themeElements>
-    <a:clrScheme name="Default">
-      <a:dk1>
-        <a:srgbClr val="000000"/>
-      </a:dk1>
-      <a:lt1>
-        <a:srgbClr val="FFFFFF"/>
-      </a:lt1>
-      <a:dk2>
-        <a:srgbClr val="158158"/>
-      </a:dk2>
-      <a:lt2>
-        <a:srgbClr val="F3F3F3"/>
-      </a:lt2>
-      <a:accent1>
-        <a:srgbClr val="058DC7"/>
-      </a:accent1>
-      <a:accent2>
-        <a:srgbClr val="50B432"/>
-      </a:accent2>
-      <a:accent3>
-        <a:srgbClr val="ED561B"/>
-      </a:accent3>
-      <a:accent4>
-        <a:srgbClr val="EDEF00"/>
-      </a:accent4>
-      <a:accent5>
-        <a:srgbClr val="24CBE5"/>
-      </a:accent5>
-      <a:accent6>
-        <a:srgbClr val="64E572"/>
-      </a:accent6>
-      <a:hlink>
-        <a:srgbClr val="2200CC"/>
-      </a:hlink>
-      <a:folHlink>
-        <a:srgbClr val="551A8B"/>
-      </a:folHlink>
-    </a:clrScheme>
-    <a:fontScheme name="Office">
-      <a:majorFont>
-        <a:latin typeface="Arial"/>
-        <a:ea typeface=""/>
-        <a:cs typeface=""/>
-        <a:font script="Jpan" typeface="ＭＳ Ｐゴシック"/>
-        <a:font script="Hang" typeface="맑은 고딕"/>
-        <a:font script="Hans" typeface="宋体"/>
-        <a:font script="Hant" typeface="新細明體"/>
-        <a:font script="Arab" typeface="Times New Roman"/>
-        <a:font script="Hebr" typeface="Times New Roman"/>
-        <a:font script="Thai" typeface="Angsana New"/>
-        <a:font script="Ethi" typeface="Nyala"/>
-        <a:font script="Beng" typeface="Vrinda"/>
-        <a:font script="Gujr" typeface="Shruti"/>
-        <a:font script="Khmr" typeface="MoolBoran"/>
-        <a:font script="Knda" typeface="Tunga"/>
-        <a:font script="Guru" typeface="Raavi"/>
-        <a:font script="Cans" typeface="Euphemia"/>
-        <a:font script="Cher" typeface="Plantagenet Cherokee"/>
-        <a:font script="Yiii" typeface="Microsoft Yi Baiti"/>
-        <a:font script="Tibt" typeface="Microsoft Himalaya"/>
-        <a:font script="Thaa" typeface="MV Boli"/>
-        <a:font script="Deva" typeface="Mangal"/>
-        <a:font script="Telu" typeface="Gautami"/>
-        <a:font script="Taml" typeface="Latha"/>
-        <a:font script="Syrc" typeface="Estrangelo Edessa"/>
-        <a:font script="Orya" typeface="Kalinga"/>
-        <a:font script="Mlym" typeface="Kartika"/>
-        <a:font script="Laoo" typeface="DokChampa"/>
-        <a:font script="Sinh" typeface="Iskoola Pota"/>
-        <a:font script="Mong" typeface="Mongolian Baiti"/>
-        <a:font script="Viet" typeface="Times New Roman"/>
-        <a:font script="Uigh" typeface="Microsoft Uighur"/>
-        <a:font script="Geor" typeface="Sylfaen"/>
-      </a:majorFont>
-      <a:minorFont>
-        <a:latin typeface="Arial"/>
-        <a:ea typeface=""/>
-        <a:cs typeface=""/>
-        <a:font script="Jpan" typeface="ＭＳ Ｐゴシック"/>
-        <a:font script="Hang" typeface="맑은 고딕"/>
-        <a:font script="Hans" typeface="宋体"/>
-        <a:font script="Hant" typeface="新細明體"/>
-        <a:font script="Arab" typeface="Arial"/>
-        <a:font script="Hebr" typeface="Arial"/>
-        <a:font script="Thai" typeface="Cordia New"/>
-        <a:font script="Ethi" typeface="Nyala"/>
-        <a:font script="Beng" typeface="Vrinda"/>
-        <a:font script="Gujr" typeface="Shruti"/>
-        <a:font script="Khmr" typeface="DaunPenh"/>
-        <a:font script="Knda" typeface="Tunga"/>
-        <a:font script="Guru" typeface="Raavi"/>
-        <a:font script="Cans" typeface="Euphemia"/>
-        <a:font script="Cher" typeface="Plantagenet Cherokee"/>
-        <a:font script="Yiii" typeface="Microsoft Yi Baiti"/>
-        <a:font script="Tibt" typeface="Microsoft Himalaya"/>
-        <a:font script="Thaa" typeface="MV Boli"/>
-        <a:font script="Deva" typeface="Mangal"/>
-        <a:font script="Telu" typeface="Gautami"/>
-        <a:font script="Taml" typeface="Latha"/>
-        <a:font script="Syrc" typeface="Estrangelo Edessa"/>
-        <a:font script="Orya" typeface="Kalinga"/>
-        <a:font script="Mlym" typeface="Kartika"/>
-        <a:font script="Laoo" typeface="DokChampa"/>
-        <a:font script="Sinh" typeface="Iskoola Pota"/>
-        <a:font script="Mong" typeface="Mongolian Baiti"/>
-        <a:font script="Viet" typeface="Arial"/>
-        <a:font script="Uigh" typeface="Microsoft Uighur"/>
-        <a:font script="Geor" typeface="Sylfaen"/>
-      </a:minorFont>
-    </a:fontScheme>
-    <a:fmtScheme name="Office">
-      <a:fillStyleLst>
-        <a:solidFill>
-          <a:schemeClr val="phClr"/>
-        </a:solidFill>
-        <a:gradFill rotWithShape="1">
-          <a:gsLst>
-            <a:gs pos="0">
-              <a:schemeClr val="phClr">
-                <a:tint val="50000"/>
-                <a:satMod val="300000"/>
-              </a:schemeClr>
-            </a:gs>
-            <a:gs pos="35000">
-              <a:schemeClr val="phClr">
-                <a:tint val="37000"/>
-                <a:satMod val="300000"/>
-              </a:schemeClr>
-            </a:gs>
-            <a:gs pos="100000">
-              <a:schemeClr val="phClr">
-                <a:tint val="15000"/>
-                <a:satMod val="350000"/>
-              </a:schemeClr>
-            </a:gs>
-          </a:gsLst>
-          <a:lin ang="16200000" scaled="1"/>
-        </a:gradFill>
-        <a:gradFill rotWithShape="1">
-          <a:gsLst>
-            <a:gs pos="0">
-              <a:schemeClr val="phClr">
-                <a:tint val="100000"/>
-                <a:shade val="100000"/>
-                <a:satMod val="130000"/>
-              </a:schemeClr>
-            </a:gs>
-            <a:gs pos="100000">
-              <a:schemeClr val="phClr">
-                <a:tint val="50000"/>
-                <a:shade val="100000"/>
-                <a:satMod val="350000"/>
-              </a:schemeClr>
-            </a:gs>
-          </a:gsLst>
-          <a:lin ang="16200000" scaled="0"/>
-        </a:gradFill>
-      </a:fillStyleLst>
-      <a:lnStyleLst>
-        <a:ln w="9525" cap="flat" cmpd="sng" algn="ctr">
-          <a:solidFill>
-            <a:schemeClr val="phClr">
-              <a:shade val="95000"/>
-              <a:satMod val="105000"/>
-            </a:schemeClr>
-          </a:solidFill>
-          <a:prstDash val="solid"/>
-        </a:ln>
-        <a:ln w="25400" cap="flat" cmpd="sng" algn="ctr">
-          <a:solidFill>
-            <a:schemeClr val="phClr"/>
-          </a:solidFill>
-          <a:prstDash val="solid"/>
-        </a:ln>
-        <a:ln w="38100" cap="flat" cmpd="sng" algn="ctr">
-          <a:solidFill>
-            <a:schemeClr val="phClr"/>
-          </a:solidFill>
-          <a:prstDash val="solid"/>
-        </a:ln>
-      </a:lnStyleLst>
-      <a:effectStyleLst>
-        <a:effectStyle>
-          <a:effectLst>
-            <a:outerShdw blurRad="40000" dist="20000" dir="5400000" rotWithShape="0">
-              <a:srgbClr val="000000">
-                <a:alpha val="38000"/>
-              </a:srgbClr>
-            </a:outerShdw>
-          </a:effectLst>
-        </a:effectStyle>
-        <a:effectStyle>
-          <a:effectLst>
-            <a:outerShdw blurRad="40000" dist="23000" dir="5400000" rotWithShape="0">
-              <a:srgbClr val="000000">
-                <a:alpha val="35000"/>
-              </a:srgbClr>
-            </a:outerShdw>
-          </a:effectLst>
-        </a:effectStyle>
-        <a:effectStyle>
-          <a:effectLst>
-            <a:outerShdw blurRad="40000" dist="23000" dir="5400000" rotWithShape="0">
-              <a:srgbClr val="000000">
-                <a:alpha val="35000"/>
-              </a:srgbClr>
-            </a:outerShdw>
-          </a:effectLst>
-          <a:scene3d>
-            <a:camera prst="orthographicFront">
-              <a:rot lat="0" lon="0" rev="0"/>
-            </a:camera>
-            <a:lightRig rig="threePt" dir="t">
-              <a:rot lat="0" lon="0" rev="1200000"/>
-            </a:lightRig>
-          </a:scene3d>
-          <a:sp3d>
-            <a:bevelT w="63500" h="25400"/>
-          </a:sp3d>
-        </a:effectStyle>
-      </a:effectStyleLst>
-      <a:bgFillStyleLst>
-        <a:solidFill>
-          <a:schemeClr val="phClr"/>
-        </a:solidFill>
-        <a:gradFill rotWithShape="1">
-          <a:gsLst>
-            <a:gs pos="0">
-              <a:schemeClr val="phClr">
-                <a:tint val="40000"/>
-                <a:satMod val="350000"/>
-              </a:schemeClr>
-            </a:gs>
-            <a:gs pos="40000">
-              <a:schemeClr val="phClr">
-                <a:tint val="45000"/>
-                <a:shade val="99000"/>
-                <a:satMod val="350000"/>
-              </a:schemeClr>
-            </a:gs>
-            <a:gs pos="100000">
-              <a:schemeClr val="phClr">
-                <a:shade val="20000"/>
-                <a:satMod val="255000"/>
-              </a:schemeClr>
-            </a:gs>
-          </a:gsLst>
-          <a:path path="circle">
-            <a:fillToRect l="50000" t="-80000" r="50000" b="180000"/>
-          </a:path>
-        </a:gradFill>
-        <a:gradFill rotWithShape="1">
-          <a:gsLst>
-            <a:gs pos="0">
-              <a:schemeClr val="phClr">
-                <a:tint val="80000"/>
-                <a:satMod val="300000"/>
-              </a:schemeClr>
-            </a:gs>
-            <a:gs pos="100000">
-              <a:schemeClr val="phClr">
-                <a:shade val="30000"/>
-                <a:satMod val="200000"/>
-              </a:schemeClr>
-            </a:gs>
-          </a:gsLst>
-          <a:path path="circle">
-            <a:fillToRect l="50000" t="50000" r="50000" b="50000"/>
-          </a:path>
-        </a:gradFill>
-      </a:bgFillStyleLst>
-    </a:fmtScheme>
-  </a:themeElements>
-  <a:objectDefaults/>
-  <a:extraClrSchemeLst/>
 </a:theme>
 </file>